--- a/Latex/Presentation1.pptx
+++ b/Latex/Presentation1.pptx
@@ -6,6 +6,7 @@
   </p:sldMasterIdLst>
   <p:sldIdLst>
     <p:sldId id="256" r:id="rId2"/>
+    <p:sldId id="257" r:id="rId3"/>
   </p:sldIdLst>
   <p:sldSz cx="9144000" cy="6858000" type="screen4x3"/>
   <p:notesSz cx="6858000" cy="9144000"/>
@@ -288,7 +289,7 @@
           <a:p>
             <a:fld id="{6D657F06-4D96-43BC-A84C-9C90B530D5F7}" type="datetimeFigureOut">
               <a:rPr lang="en-US" smtClean="0"/>
-              <a:t>11/21/2010</a:t>
+              <a:t>11/22/2010</a:t>
             </a:fld>
             <a:endParaRPr lang="en-US"/>
           </a:p>
@@ -458,7 +459,7 @@
           <a:p>
             <a:fld id="{6D657F06-4D96-43BC-A84C-9C90B530D5F7}" type="datetimeFigureOut">
               <a:rPr lang="en-US" smtClean="0"/>
-              <a:t>11/21/2010</a:t>
+              <a:t>11/22/2010</a:t>
             </a:fld>
             <a:endParaRPr lang="en-US"/>
           </a:p>
@@ -638,7 +639,7 @@
           <a:p>
             <a:fld id="{6D657F06-4D96-43BC-A84C-9C90B530D5F7}" type="datetimeFigureOut">
               <a:rPr lang="en-US" smtClean="0"/>
-              <a:t>11/21/2010</a:t>
+              <a:t>11/22/2010</a:t>
             </a:fld>
             <a:endParaRPr lang="en-US"/>
           </a:p>
@@ -808,7 +809,7 @@
           <a:p>
             <a:fld id="{6D657F06-4D96-43BC-A84C-9C90B530D5F7}" type="datetimeFigureOut">
               <a:rPr lang="en-US" smtClean="0"/>
-              <a:t>11/21/2010</a:t>
+              <a:t>11/22/2010</a:t>
             </a:fld>
             <a:endParaRPr lang="en-US"/>
           </a:p>
@@ -1054,7 +1055,7 @@
           <a:p>
             <a:fld id="{6D657F06-4D96-43BC-A84C-9C90B530D5F7}" type="datetimeFigureOut">
               <a:rPr lang="en-US" smtClean="0"/>
-              <a:t>11/21/2010</a:t>
+              <a:t>11/22/2010</a:t>
             </a:fld>
             <a:endParaRPr lang="en-US"/>
           </a:p>
@@ -1342,7 +1343,7 @@
           <a:p>
             <a:fld id="{6D657F06-4D96-43BC-A84C-9C90B530D5F7}" type="datetimeFigureOut">
               <a:rPr lang="en-US" smtClean="0"/>
-              <a:t>11/21/2010</a:t>
+              <a:t>11/22/2010</a:t>
             </a:fld>
             <a:endParaRPr lang="en-US"/>
           </a:p>
@@ -1764,7 +1765,7 @@
           <a:p>
             <a:fld id="{6D657F06-4D96-43BC-A84C-9C90B530D5F7}" type="datetimeFigureOut">
               <a:rPr lang="en-US" smtClean="0"/>
-              <a:t>11/21/2010</a:t>
+              <a:t>11/22/2010</a:t>
             </a:fld>
             <a:endParaRPr lang="en-US"/>
           </a:p>
@@ -1882,7 +1883,7 @@
           <a:p>
             <a:fld id="{6D657F06-4D96-43BC-A84C-9C90B530D5F7}" type="datetimeFigureOut">
               <a:rPr lang="en-US" smtClean="0"/>
-              <a:t>11/21/2010</a:t>
+              <a:t>11/22/2010</a:t>
             </a:fld>
             <a:endParaRPr lang="en-US"/>
           </a:p>
@@ -1977,7 +1978,7 @@
           <a:p>
             <a:fld id="{6D657F06-4D96-43BC-A84C-9C90B530D5F7}" type="datetimeFigureOut">
               <a:rPr lang="en-US" smtClean="0"/>
-              <a:t>11/21/2010</a:t>
+              <a:t>11/22/2010</a:t>
             </a:fld>
             <a:endParaRPr lang="en-US"/>
           </a:p>
@@ -2254,7 +2255,7 @@
           <a:p>
             <a:fld id="{6D657F06-4D96-43BC-A84C-9C90B530D5F7}" type="datetimeFigureOut">
               <a:rPr lang="en-US" smtClean="0"/>
-              <a:t>11/21/2010</a:t>
+              <a:t>11/22/2010</a:t>
             </a:fld>
             <a:endParaRPr lang="en-US"/>
           </a:p>
@@ -2507,7 +2508,7 @@
           <a:p>
             <a:fld id="{6D657F06-4D96-43BC-A84C-9C90B530D5F7}" type="datetimeFigureOut">
               <a:rPr lang="en-US" smtClean="0"/>
-              <a:t>11/21/2010</a:t>
+              <a:t>11/22/2010</a:t>
             </a:fld>
             <a:endParaRPr lang="en-US"/>
           </a:p>
@@ -2720,7 +2721,7 @@
           <a:p>
             <a:fld id="{6D657F06-4D96-43BC-A84C-9C90B530D5F7}" type="datetimeFigureOut">
               <a:rPr lang="en-US" smtClean="0"/>
-              <a:t>11/21/2010</a:t>
+              <a:t>11/22/2010</a:t>
             </a:fld>
             <a:endParaRPr lang="en-US"/>
           </a:p>
@@ -4765,7 +4766,6 @@
               <a:rPr lang="en-US" dirty="0"/>
               <a:t>2</a:t>
             </a:r>
-            <a:endParaRPr lang="en-US" dirty="0"/>
           </a:p>
         </p:txBody>
       </p:sp>
@@ -5805,6 +5805,1251 @@
       </p:par>
     </p:tnLst>
   </p:timing>
+</p:sld>
+</file>
+
+<file path=ppt/slides/slide2.xml><?xml version="1.0" encoding="utf-8"?>
+<p:sld xmlns:a="http://schemas.openxmlformats.org/drawingml/2006/main" xmlns:r="http://schemas.openxmlformats.org/officeDocument/2006/relationships" xmlns:p="http://schemas.openxmlformats.org/presentationml/2006/main">
+  <p:cSld>
+    <p:spTree>
+      <p:nvGrpSpPr>
+        <p:cNvPr id="1" name=""/>
+        <p:cNvGrpSpPr/>
+        <p:nvPr/>
+      </p:nvGrpSpPr>
+      <p:grpSpPr>
+        <a:xfrm>
+          <a:off x="0" y="0"/>
+          <a:ext cx="0" cy="0"/>
+          <a:chOff x="0" y="0"/>
+          <a:chExt cx="0" cy="0"/>
+        </a:xfrm>
+      </p:grpSpPr>
+      <mc:AlternateContent xmlns:mc="http://schemas.openxmlformats.org/markup-compatibility/2006">
+        <mc:Choice xmlns:a14="http://schemas.microsoft.com/office/drawing/2010/main" Requires="a14">
+          <p:sp>
+            <p:nvSpPr>
+              <p:cNvPr id="4" name="Oval 3"/>
+              <p:cNvSpPr/>
+              <p:nvPr/>
+            </p:nvSpPr>
+            <p:spPr>
+              <a:xfrm>
+                <a:off x="1981200" y="1295400"/>
+                <a:ext cx="1737360" cy="914400"/>
+              </a:xfrm>
+              <a:prstGeom prst="ellipse">
+                <a:avLst/>
+              </a:prstGeom>
+            </p:spPr>
+            <p:style>
+              <a:lnRef idx="2">
+                <a:schemeClr val="accent1">
+                  <a:shade val="50000"/>
+                </a:schemeClr>
+              </a:lnRef>
+              <a:fillRef idx="1">
+                <a:schemeClr val="accent1"/>
+              </a:fillRef>
+              <a:effectRef idx="0">
+                <a:schemeClr val="accent1"/>
+              </a:effectRef>
+              <a:fontRef idx="minor">
+                <a:schemeClr val="lt1"/>
+              </a:fontRef>
+            </p:style>
+            <p:txBody>
+              <a:bodyPr rtlCol="0" anchor="ctr"/>
+              <a:lstStyle/>
+              <a:p>
+                <a:pPr algn="ctr"/>
+                <a:r>
+                  <a:rPr lang="en-US" dirty="0" smtClean="0"/>
+                  <a:t>Rain, </a:t>
+                </a:r>
+                <a14:m>
+                  <m:oMath xmlns:m="http://schemas.openxmlformats.org/officeDocument/2006/math">
+                    <m:r>
+                      <a:rPr lang="en-US" b="0" i="1" smtClean="0">
+                        <a:latin typeface="Cambria Math"/>
+                      </a:rPr>
+                      <m:t>𝑃</m:t>
+                    </m:r>
+                    <m:r>
+                      <a:rPr lang="en-US" b="0" i="1" smtClean="0">
+                        <a:latin typeface="Cambria Math"/>
+                      </a:rPr>
+                      <m:t>(</m:t>
+                    </m:r>
+                    <m:r>
+                      <a:rPr lang="en-US" b="0" i="1" smtClean="0">
+                        <a:latin typeface="Cambria Math"/>
+                      </a:rPr>
+                      <m:t>𝑟</m:t>
+                    </m:r>
+                    <m:r>
+                      <a:rPr lang="en-US" b="0" i="1" smtClean="0">
+                        <a:latin typeface="Cambria Math"/>
+                      </a:rPr>
+                      <m:t>)</m:t>
+                    </m:r>
+                  </m:oMath>
+                </a14:m>
+                <a:endParaRPr lang="en-US" dirty="0"/>
+              </a:p>
+            </p:txBody>
+          </p:sp>
+        </mc:Choice>
+        <mc:Fallback>
+          <p:sp>
+            <p:nvSpPr>
+              <p:cNvPr id="4" name="Oval 3"/>
+              <p:cNvSpPr>
+                <a:spLocks noRot="1" noChangeAspect="1" noMove="1" noResize="1" noEditPoints="1" noAdjustHandles="1" noChangeArrowheads="1" noChangeShapeType="1" noTextEdit="1"/>
+              </p:cNvSpPr>
+              <p:nvPr/>
+            </p:nvSpPr>
+            <p:spPr>
+              <a:xfrm>
+                <a:off x="1981200" y="1295400"/>
+                <a:ext cx="1737360" cy="914400"/>
+              </a:xfrm>
+              <a:prstGeom prst="ellipse">
+                <a:avLst/>
+              </a:prstGeom>
+              <a:blipFill rotWithShape="1">
+                <a:blip r:embed="rId2"/>
+                <a:stretch>
+                  <a:fillRect/>
+                </a:stretch>
+              </a:blipFill>
+            </p:spPr>
+            <p:txBody>
+              <a:bodyPr/>
+              <a:lstStyle/>
+              <a:p>
+                <a:r>
+                  <a:rPr lang="en-US">
+                    <a:noFill/>
+                  </a:rPr>
+                  <a:t> </a:t>
+                </a:r>
+              </a:p>
+            </p:txBody>
+          </p:sp>
+        </mc:Fallback>
+      </mc:AlternateContent>
+      <mc:AlternateContent xmlns:mc="http://schemas.openxmlformats.org/markup-compatibility/2006">
+        <mc:Choice xmlns:a14="http://schemas.microsoft.com/office/drawing/2010/main" Requires="a14">
+          <p:sp>
+            <p:nvSpPr>
+              <p:cNvPr id="5" name="Oval 4"/>
+              <p:cNvSpPr/>
+              <p:nvPr/>
+            </p:nvSpPr>
+            <p:spPr>
+              <a:xfrm>
+                <a:off x="4343400" y="1295400"/>
+                <a:ext cx="1737360" cy="914400"/>
+              </a:xfrm>
+              <a:prstGeom prst="ellipse">
+                <a:avLst/>
+              </a:prstGeom>
+            </p:spPr>
+            <p:style>
+              <a:lnRef idx="2">
+                <a:schemeClr val="accent1">
+                  <a:shade val="50000"/>
+                </a:schemeClr>
+              </a:lnRef>
+              <a:fillRef idx="1">
+                <a:schemeClr val="accent1"/>
+              </a:fillRef>
+              <a:effectRef idx="0">
+                <a:schemeClr val="accent1"/>
+              </a:effectRef>
+              <a:fontRef idx="minor">
+                <a:schemeClr val="lt1"/>
+              </a:fontRef>
+            </p:style>
+            <p:txBody>
+              <a:bodyPr rtlCol="0" anchor="ctr"/>
+              <a:lstStyle/>
+              <a:p>
+                <a:pPr algn="ctr"/>
+                <a:r>
+                  <a:rPr lang="en-US" dirty="0" smtClean="0"/>
+                  <a:t>Sprinkler, </a:t>
+                </a:r>
+                <a14:m>
+                  <m:oMath xmlns:m="http://schemas.openxmlformats.org/officeDocument/2006/math">
+                    <m:r>
+                      <a:rPr lang="en-US" b="0" i="1" smtClean="0">
+                        <a:latin typeface="Cambria Math"/>
+                      </a:rPr>
+                      <m:t>𝑃</m:t>
+                    </m:r>
+                    <m:r>
+                      <a:rPr lang="en-US" b="0" i="1" smtClean="0">
+                        <a:latin typeface="Cambria Math"/>
+                      </a:rPr>
+                      <m:t>(</m:t>
+                    </m:r>
+                    <m:r>
+                      <a:rPr lang="en-US" b="0" i="1" smtClean="0">
+                        <a:latin typeface="Cambria Math"/>
+                      </a:rPr>
+                      <m:t>𝑠</m:t>
+                    </m:r>
+                    <m:r>
+                      <a:rPr lang="en-US" b="0" i="1" smtClean="0">
+                        <a:latin typeface="Cambria Math"/>
+                      </a:rPr>
+                      <m:t>/</m:t>
+                    </m:r>
+                    <m:r>
+                      <a:rPr lang="en-US" b="0" i="1" smtClean="0">
+                        <a:latin typeface="Cambria Math"/>
+                      </a:rPr>
+                      <m:t>𝑟</m:t>
+                    </m:r>
+                    <m:r>
+                      <a:rPr lang="en-US" b="0" i="1" smtClean="0">
+                        <a:latin typeface="Cambria Math"/>
+                      </a:rPr>
+                      <m:t>)</m:t>
+                    </m:r>
+                  </m:oMath>
+                </a14:m>
+                <a:endParaRPr lang="en-US" dirty="0"/>
+              </a:p>
+            </p:txBody>
+          </p:sp>
+        </mc:Choice>
+        <mc:Fallback>
+          <p:sp>
+            <p:nvSpPr>
+              <p:cNvPr id="5" name="Oval 4"/>
+              <p:cNvSpPr>
+                <a:spLocks noRot="1" noChangeAspect="1" noMove="1" noResize="1" noEditPoints="1" noAdjustHandles="1" noChangeArrowheads="1" noChangeShapeType="1" noTextEdit="1"/>
+              </p:cNvSpPr>
+              <p:nvPr/>
+            </p:nvSpPr>
+            <p:spPr>
+              <a:xfrm>
+                <a:off x="4343400" y="1295400"/>
+                <a:ext cx="1737360" cy="914400"/>
+              </a:xfrm>
+              <a:prstGeom prst="ellipse">
+                <a:avLst/>
+              </a:prstGeom>
+              <a:blipFill rotWithShape="1">
+                <a:blip r:embed="rId3"/>
+                <a:stretch>
+                  <a:fillRect/>
+                </a:stretch>
+              </a:blipFill>
+            </p:spPr>
+            <p:txBody>
+              <a:bodyPr/>
+              <a:lstStyle/>
+              <a:p>
+                <a:r>
+                  <a:rPr lang="en-US">
+                    <a:noFill/>
+                  </a:rPr>
+                  <a:t> </a:t>
+                </a:r>
+              </a:p>
+            </p:txBody>
+          </p:sp>
+        </mc:Fallback>
+      </mc:AlternateContent>
+      <mc:AlternateContent xmlns:mc="http://schemas.openxmlformats.org/markup-compatibility/2006">
+        <mc:Choice xmlns:a14="http://schemas.microsoft.com/office/drawing/2010/main" Requires="a14">
+          <p:sp>
+            <p:nvSpPr>
+              <p:cNvPr id="6" name="Oval 5"/>
+              <p:cNvSpPr/>
+              <p:nvPr/>
+            </p:nvSpPr>
+            <p:spPr>
+              <a:xfrm>
+                <a:off x="3233950" y="2735048"/>
+                <a:ext cx="1737360" cy="914400"/>
+              </a:xfrm>
+              <a:prstGeom prst="ellipse">
+                <a:avLst/>
+              </a:prstGeom>
+            </p:spPr>
+            <p:style>
+              <a:lnRef idx="2">
+                <a:schemeClr val="accent1">
+                  <a:shade val="50000"/>
+                </a:schemeClr>
+              </a:lnRef>
+              <a:fillRef idx="1">
+                <a:schemeClr val="accent1"/>
+              </a:fillRef>
+              <a:effectRef idx="0">
+                <a:schemeClr val="accent1"/>
+              </a:effectRef>
+              <a:fontRef idx="minor">
+                <a:schemeClr val="lt1"/>
+              </a:fontRef>
+            </p:style>
+            <p:txBody>
+              <a:bodyPr rtlCol="0" anchor="ctr"/>
+              <a:lstStyle/>
+              <a:p>
+                <a:pPr algn="ctr"/>
+                <a:r>
+                  <a:rPr lang="en-US" dirty="0" smtClean="0"/>
+                  <a:t>Wet Grass, </a:t>
+                </a:r>
+                <a14:m>
+                  <m:oMath xmlns:m="http://schemas.openxmlformats.org/officeDocument/2006/math">
+                    <m:r>
+                      <a:rPr lang="en-US" b="0" i="1" smtClean="0">
+                        <a:latin typeface="Cambria Math"/>
+                      </a:rPr>
+                      <m:t>𝑃</m:t>
+                    </m:r>
+                    <m:d>
+                      <m:dPr>
+                        <m:ctrlPr>
+                          <a:rPr lang="en-US" b="0" i="1" smtClean="0">
+                            <a:latin typeface="Cambria Math"/>
+                          </a:rPr>
+                        </m:ctrlPr>
+                      </m:dPr>
+                      <m:e>
+                        <m:f>
+                          <m:fPr>
+                            <m:type m:val="skw"/>
+                            <m:ctrlPr>
+                              <a:rPr lang="en-US" i="1">
+                                <a:latin typeface="Cambria Math"/>
+                              </a:rPr>
+                            </m:ctrlPr>
+                          </m:fPr>
+                          <m:num>
+                            <m:sSub>
+                              <m:sSubPr>
+                                <m:ctrlPr>
+                                  <a:rPr lang="en-US" i="1">
+                                    <a:latin typeface="Cambria Math"/>
+                                  </a:rPr>
+                                </m:ctrlPr>
+                              </m:sSubPr>
+                              <m:e>
+                                <m:r>
+                                  <a:rPr lang="en-US" i="1">
+                                    <a:latin typeface="Cambria Math"/>
+                                  </a:rPr>
+                                  <m:t>𝑤</m:t>
+                                </m:r>
+                              </m:e>
+                              <m:sub>
+                                <m:r>
+                                  <a:rPr lang="en-US" i="1">
+                                    <a:latin typeface="Cambria Math"/>
+                                  </a:rPr>
+                                  <m:t>𝑔</m:t>
+                                </m:r>
+                              </m:sub>
+                            </m:sSub>
+                          </m:num>
+                          <m:den>
+                            <m:r>
+                              <a:rPr lang="en-US" i="1">
+                                <a:latin typeface="Cambria Math"/>
+                              </a:rPr>
+                              <m:t>𝑠</m:t>
+                            </m:r>
+                            <m:r>
+                              <a:rPr lang="en-US" i="1">
+                                <a:latin typeface="Cambria Math"/>
+                              </a:rPr>
+                              <m:t>,</m:t>
+                            </m:r>
+                            <m:r>
+                              <a:rPr lang="en-US" i="1">
+                                <a:latin typeface="Cambria Math"/>
+                              </a:rPr>
+                              <m:t>𝑟</m:t>
+                            </m:r>
+                          </m:den>
+                        </m:f>
+                      </m:e>
+                    </m:d>
+                  </m:oMath>
+                </a14:m>
+                <a:endParaRPr lang="en-US" dirty="0"/>
+              </a:p>
+            </p:txBody>
+          </p:sp>
+        </mc:Choice>
+        <mc:Fallback>
+          <p:sp>
+            <p:nvSpPr>
+              <p:cNvPr id="6" name="Oval 5"/>
+              <p:cNvSpPr>
+                <a:spLocks noRot="1" noChangeAspect="1" noMove="1" noResize="1" noEditPoints="1" noAdjustHandles="1" noChangeArrowheads="1" noChangeShapeType="1" noTextEdit="1"/>
+              </p:cNvSpPr>
+              <p:nvPr/>
+            </p:nvSpPr>
+            <p:spPr>
+              <a:xfrm>
+                <a:off x="3233950" y="2735048"/>
+                <a:ext cx="1737360" cy="914400"/>
+              </a:xfrm>
+              <a:prstGeom prst="ellipse">
+                <a:avLst/>
+              </a:prstGeom>
+              <a:blipFill rotWithShape="1">
+                <a:blip r:embed="rId4"/>
+                <a:stretch>
+                  <a:fillRect t="-18831" r="-8651" b="-77273"/>
+                </a:stretch>
+              </a:blipFill>
+            </p:spPr>
+            <p:txBody>
+              <a:bodyPr/>
+              <a:lstStyle/>
+              <a:p>
+                <a:r>
+                  <a:rPr lang="en-US">
+                    <a:noFill/>
+                  </a:rPr>
+                  <a:t> </a:t>
+                </a:r>
+              </a:p>
+            </p:txBody>
+          </p:sp>
+        </mc:Fallback>
+      </mc:AlternateContent>
+      <p:cxnSp>
+        <p:nvCxnSpPr>
+          <p:cNvPr id="8" name="Straight Arrow Connector 7"/>
+          <p:cNvCxnSpPr>
+            <a:stCxn id="4" idx="6"/>
+            <a:endCxn id="5" idx="2"/>
+          </p:cNvCxnSpPr>
+          <p:nvPr/>
+        </p:nvCxnSpPr>
+        <p:spPr>
+          <a:xfrm>
+            <a:off x="3718560" y="1752600"/>
+            <a:ext cx="624840" cy="0"/>
+          </a:xfrm>
+          <a:prstGeom prst="straightConnector1">
+            <a:avLst/>
+          </a:prstGeom>
+          <a:ln w="50800">
+            <a:solidFill>
+              <a:schemeClr val="tx1"/>
+            </a:solidFill>
+            <a:tailEnd type="stealth"/>
+          </a:ln>
+        </p:spPr>
+        <p:style>
+          <a:lnRef idx="1">
+            <a:schemeClr val="accent1"/>
+          </a:lnRef>
+          <a:fillRef idx="0">
+            <a:schemeClr val="accent1"/>
+          </a:fillRef>
+          <a:effectRef idx="0">
+            <a:schemeClr val="accent1"/>
+          </a:effectRef>
+          <a:fontRef idx="minor">
+            <a:schemeClr val="tx1"/>
+          </a:fontRef>
+        </p:style>
+      </p:cxnSp>
+      <p:cxnSp>
+        <p:nvCxnSpPr>
+          <p:cNvPr id="10" name="Straight Arrow Connector 9"/>
+          <p:cNvCxnSpPr>
+            <a:stCxn id="4" idx="4"/>
+            <a:endCxn id="6" idx="1"/>
+          </p:cNvCxnSpPr>
+          <p:nvPr/>
+        </p:nvCxnSpPr>
+        <p:spPr>
+          <a:xfrm>
+            <a:off x="2849880" y="2209800"/>
+            <a:ext cx="638500" cy="659159"/>
+          </a:xfrm>
+          <a:prstGeom prst="straightConnector1">
+            <a:avLst/>
+          </a:prstGeom>
+          <a:ln w="50800">
+            <a:solidFill>
+              <a:schemeClr val="tx1"/>
+            </a:solidFill>
+            <a:tailEnd type="stealth"/>
+          </a:ln>
+        </p:spPr>
+        <p:style>
+          <a:lnRef idx="1">
+            <a:schemeClr val="accent1"/>
+          </a:lnRef>
+          <a:fillRef idx="0">
+            <a:schemeClr val="accent1"/>
+          </a:fillRef>
+          <a:effectRef idx="0">
+            <a:schemeClr val="accent1"/>
+          </a:effectRef>
+          <a:fontRef idx="minor">
+            <a:schemeClr val="tx1"/>
+          </a:fontRef>
+        </p:style>
+      </p:cxnSp>
+      <p:cxnSp>
+        <p:nvCxnSpPr>
+          <p:cNvPr id="12" name="Straight Arrow Connector 11"/>
+          <p:cNvCxnSpPr>
+            <a:stCxn id="5" idx="4"/>
+            <a:endCxn id="6" idx="7"/>
+          </p:cNvCxnSpPr>
+          <p:nvPr/>
+        </p:nvCxnSpPr>
+        <p:spPr>
+          <a:xfrm flipH="1">
+            <a:off x="4716880" y="2209800"/>
+            <a:ext cx="495200" cy="659159"/>
+          </a:xfrm>
+          <a:prstGeom prst="straightConnector1">
+            <a:avLst/>
+          </a:prstGeom>
+          <a:ln w="50800">
+            <a:solidFill>
+              <a:schemeClr val="tx1"/>
+            </a:solidFill>
+            <a:tailEnd type="stealth"/>
+          </a:ln>
+        </p:spPr>
+        <p:style>
+          <a:lnRef idx="1">
+            <a:schemeClr val="accent1"/>
+          </a:lnRef>
+          <a:fillRef idx="0">
+            <a:schemeClr val="accent1"/>
+          </a:fillRef>
+          <a:effectRef idx="0">
+            <a:schemeClr val="accent1"/>
+          </a:effectRef>
+          <a:fontRef idx="minor">
+            <a:schemeClr val="tx1"/>
+          </a:fontRef>
+        </p:style>
+      </p:cxnSp>
+      <mc:AlternateContent xmlns:mc="http://schemas.openxmlformats.org/markup-compatibility/2006">
+        <mc:Choice xmlns:a14="http://schemas.microsoft.com/office/drawing/2010/main" Requires="a14">
+          <p:sp>
+            <p:nvSpPr>
+              <p:cNvPr id="18" name="Rectangle 17"/>
+              <p:cNvSpPr/>
+              <p:nvPr/>
+            </p:nvSpPr>
+            <p:spPr>
+              <a:xfrm>
+                <a:off x="228600" y="4343400"/>
+                <a:ext cx="762000" cy="369332"/>
+              </a:xfrm>
+              <a:prstGeom prst="rect">
+                <a:avLst/>
+              </a:prstGeom>
+            </p:spPr>
+            <p:txBody>
+              <a:bodyPr wrap="square">
+                <a:spAutoFit/>
+              </a:bodyPr>
+              <a:lstStyle/>
+              <a:p>
+                <a:pPr algn="ctr"/>
+                <a14:m>
+                  <m:oMathPara xmlns:m="http://schemas.openxmlformats.org/officeDocument/2006/math">
+                    <m:oMathParaPr>
+                      <m:jc m:val="centerGroup"/>
+                    </m:oMathParaPr>
+                    <m:oMath xmlns:m="http://schemas.openxmlformats.org/officeDocument/2006/math">
+                      <m:r>
+                        <a:rPr lang="en-US" i="1">
+                          <a:latin typeface="Cambria Math"/>
+                        </a:rPr>
+                        <m:t>𝑃</m:t>
+                      </m:r>
+                      <m:r>
+                        <a:rPr lang="en-US" i="1">
+                          <a:latin typeface="Cambria Math"/>
+                        </a:rPr>
+                        <m:t>(</m:t>
+                      </m:r>
+                      <m:r>
+                        <a:rPr lang="en-US" i="1">
+                          <a:latin typeface="Cambria Math"/>
+                        </a:rPr>
+                        <m:t>𝑟</m:t>
+                      </m:r>
+                      <m:r>
+                        <a:rPr lang="en-US" i="1">
+                          <a:latin typeface="Cambria Math"/>
+                        </a:rPr>
+                        <m:t>)</m:t>
+                      </m:r>
+                    </m:oMath>
+                  </m:oMathPara>
+                </a14:m>
+                <a:endParaRPr lang="en-US" dirty="0"/>
+              </a:p>
+            </p:txBody>
+          </p:sp>
+        </mc:Choice>
+        <mc:Fallback>
+          <p:sp>
+            <p:nvSpPr>
+              <p:cNvPr id="18" name="Rectangle 17"/>
+              <p:cNvSpPr>
+                <a:spLocks noRot="1" noChangeAspect="1" noMove="1" noResize="1" noEditPoints="1" noAdjustHandles="1" noChangeArrowheads="1" noChangeShapeType="1" noTextEdit="1"/>
+              </p:cNvSpPr>
+              <p:nvPr/>
+            </p:nvSpPr>
+            <p:spPr>
+              <a:xfrm>
+                <a:off x="228600" y="4343400"/>
+                <a:ext cx="762000" cy="369332"/>
+              </a:xfrm>
+              <a:prstGeom prst="rect">
+                <a:avLst/>
+              </a:prstGeom>
+              <a:blipFill rotWithShape="1">
+                <a:blip r:embed="rId5"/>
+                <a:stretch>
+                  <a:fillRect b="-11667"/>
+                </a:stretch>
+              </a:blipFill>
+            </p:spPr>
+            <p:txBody>
+              <a:bodyPr/>
+              <a:lstStyle/>
+              <a:p>
+                <a:r>
+                  <a:rPr lang="en-US">
+                    <a:noFill/>
+                  </a:rPr>
+                  <a:t> </a:t>
+                </a:r>
+              </a:p>
+            </p:txBody>
+          </p:sp>
+        </mc:Fallback>
+      </mc:AlternateContent>
+      <p:cxnSp>
+        <p:nvCxnSpPr>
+          <p:cNvPr id="20" name="Straight Connector 19"/>
+          <p:cNvCxnSpPr/>
+          <p:nvPr/>
+        </p:nvCxnSpPr>
+        <p:spPr>
+          <a:xfrm>
+            <a:off x="914400" y="4343400"/>
+            <a:ext cx="0" cy="1295400"/>
+          </a:xfrm>
+          <a:prstGeom prst="line">
+            <a:avLst/>
+          </a:prstGeom>
+        </p:spPr>
+        <p:style>
+          <a:lnRef idx="1">
+            <a:schemeClr val="accent1"/>
+          </a:lnRef>
+          <a:fillRef idx="0">
+            <a:schemeClr val="accent1"/>
+          </a:fillRef>
+          <a:effectRef idx="0">
+            <a:schemeClr val="accent1"/>
+          </a:effectRef>
+          <a:fontRef idx="minor">
+            <a:schemeClr val="tx1"/>
+          </a:fontRef>
+        </p:style>
+      </p:cxnSp>
+      <p:cxnSp>
+        <p:nvCxnSpPr>
+          <p:cNvPr id="22" name="Straight Connector 21"/>
+          <p:cNvCxnSpPr/>
+          <p:nvPr/>
+        </p:nvCxnSpPr>
+        <p:spPr>
+          <a:xfrm>
+            <a:off x="228600" y="4712732"/>
+            <a:ext cx="1252060" cy="0"/>
+          </a:xfrm>
+          <a:prstGeom prst="line">
+            <a:avLst/>
+          </a:prstGeom>
+        </p:spPr>
+        <p:style>
+          <a:lnRef idx="1">
+            <a:schemeClr val="accent1"/>
+          </a:lnRef>
+          <a:fillRef idx="0">
+            <a:schemeClr val="accent1"/>
+          </a:fillRef>
+          <a:effectRef idx="0">
+            <a:schemeClr val="accent1"/>
+          </a:effectRef>
+          <a:fontRef idx="minor">
+            <a:schemeClr val="tx1"/>
+          </a:fontRef>
+        </p:style>
+      </p:cxnSp>
+      <p:sp>
+        <p:nvSpPr>
+          <p:cNvPr id="26" name="TextBox 25"/>
+          <p:cNvSpPr txBox="1"/>
+          <p:nvPr/>
+        </p:nvSpPr>
+        <p:spPr>
+          <a:xfrm>
+            <a:off x="457200" y="4800600"/>
+            <a:ext cx="296876" cy="369332"/>
+          </a:xfrm>
+          <a:prstGeom prst="rect">
+            <a:avLst/>
+          </a:prstGeom>
+          <a:noFill/>
+        </p:spPr>
+        <p:txBody>
+          <a:bodyPr wrap="none" rtlCol="0">
+            <a:spAutoFit/>
+          </a:bodyPr>
+          <a:lstStyle/>
+          <a:p>
+            <a:r>
+              <a:rPr lang="en-US" dirty="0" smtClean="0"/>
+              <a:t>T</a:t>
+            </a:r>
+            <a:endParaRPr lang="en-US" dirty="0"/>
+          </a:p>
+        </p:txBody>
+      </p:sp>
+      <p:sp>
+        <p:nvSpPr>
+          <p:cNvPr id="27" name="TextBox 26"/>
+          <p:cNvSpPr txBox="1"/>
+          <p:nvPr/>
+        </p:nvSpPr>
+        <p:spPr>
+          <a:xfrm>
+            <a:off x="457200" y="5269468"/>
+            <a:ext cx="296876" cy="369332"/>
+          </a:xfrm>
+          <a:prstGeom prst="rect">
+            <a:avLst/>
+          </a:prstGeom>
+          <a:noFill/>
+        </p:spPr>
+        <p:txBody>
+          <a:bodyPr wrap="none" rtlCol="0">
+            <a:spAutoFit/>
+          </a:bodyPr>
+          <a:lstStyle/>
+          <a:p>
+            <a:r>
+              <a:rPr lang="en-US" dirty="0" smtClean="0"/>
+              <a:t>F</a:t>
+            </a:r>
+            <a:endParaRPr lang="en-US" dirty="0"/>
+          </a:p>
+        </p:txBody>
+      </p:sp>
+      <p:sp>
+        <p:nvSpPr>
+          <p:cNvPr id="29" name="TextBox 28"/>
+          <p:cNvSpPr txBox="1"/>
+          <p:nvPr/>
+        </p:nvSpPr>
+        <p:spPr>
+          <a:xfrm>
+            <a:off x="1012208" y="4847524"/>
+            <a:ext cx="476412" cy="369332"/>
+          </a:xfrm>
+          <a:prstGeom prst="rect">
+            <a:avLst/>
+          </a:prstGeom>
+          <a:noFill/>
+        </p:spPr>
+        <p:txBody>
+          <a:bodyPr wrap="none" rtlCol="0">
+            <a:spAutoFit/>
+          </a:bodyPr>
+          <a:lstStyle/>
+          <a:p>
+            <a:r>
+              <a:rPr lang="en-US" dirty="0" smtClean="0"/>
+              <a:t>0.4</a:t>
+            </a:r>
+            <a:endParaRPr lang="en-US" dirty="0"/>
+          </a:p>
+        </p:txBody>
+      </p:sp>
+      <p:sp>
+        <p:nvSpPr>
+          <p:cNvPr id="30" name="TextBox 29"/>
+          <p:cNvSpPr txBox="1"/>
+          <p:nvPr/>
+        </p:nvSpPr>
+        <p:spPr>
+          <a:xfrm>
+            <a:off x="1004248" y="5257800"/>
+            <a:ext cx="476412" cy="369332"/>
+          </a:xfrm>
+          <a:prstGeom prst="rect">
+            <a:avLst/>
+          </a:prstGeom>
+          <a:noFill/>
+        </p:spPr>
+        <p:txBody>
+          <a:bodyPr wrap="none" rtlCol="0">
+            <a:spAutoFit/>
+          </a:bodyPr>
+          <a:lstStyle/>
+          <a:p>
+            <a:r>
+              <a:rPr lang="en-US" dirty="0" smtClean="0"/>
+              <a:t>0.6</a:t>
+            </a:r>
+            <a:endParaRPr lang="en-US" dirty="0"/>
+          </a:p>
+        </p:txBody>
+      </p:sp>
+      <mc:AlternateContent xmlns:mc="http://schemas.openxmlformats.org/markup-compatibility/2006">
+        <mc:Choice xmlns:a14="http://schemas.microsoft.com/office/drawing/2010/main" Requires="a14">
+          <p:sp>
+            <p:nvSpPr>
+              <p:cNvPr id="32" name="Rectangle 31"/>
+              <p:cNvSpPr/>
+              <p:nvPr/>
+            </p:nvSpPr>
+            <p:spPr>
+              <a:xfrm>
+                <a:off x="2390747" y="4342072"/>
+                <a:ext cx="918265" cy="369332"/>
+              </a:xfrm>
+              <a:prstGeom prst="rect">
+                <a:avLst/>
+              </a:prstGeom>
+            </p:spPr>
+            <p:txBody>
+              <a:bodyPr wrap="none">
+                <a:spAutoFit/>
+              </a:bodyPr>
+              <a:lstStyle/>
+              <a:p>
+                <a:pPr algn="ctr"/>
+                <a14:m>
+                  <m:oMathPara xmlns:m="http://schemas.openxmlformats.org/officeDocument/2006/math">
+                    <m:oMathParaPr>
+                      <m:jc m:val="centerGroup"/>
+                    </m:oMathParaPr>
+                    <m:oMath xmlns:m="http://schemas.openxmlformats.org/officeDocument/2006/math">
+                      <m:r>
+                        <a:rPr lang="en-US" i="1">
+                          <a:latin typeface="Cambria Math"/>
+                        </a:rPr>
+                        <m:t>𝑃</m:t>
+                      </m:r>
+                      <m:r>
+                        <a:rPr lang="en-US" i="1">
+                          <a:latin typeface="Cambria Math"/>
+                        </a:rPr>
+                        <m:t>(</m:t>
+                      </m:r>
+                      <m:r>
+                        <a:rPr lang="en-US" i="1">
+                          <a:latin typeface="Cambria Math"/>
+                        </a:rPr>
+                        <m:t>𝑠</m:t>
+                      </m:r>
+                      <m:r>
+                        <a:rPr lang="en-US" i="1">
+                          <a:latin typeface="Cambria Math"/>
+                        </a:rPr>
+                        <m:t>/</m:t>
+                      </m:r>
+                      <m:r>
+                        <a:rPr lang="en-US" i="1">
+                          <a:latin typeface="Cambria Math"/>
+                        </a:rPr>
+                        <m:t>𝑟</m:t>
+                      </m:r>
+                      <m:r>
+                        <a:rPr lang="en-US" i="1">
+                          <a:latin typeface="Cambria Math"/>
+                        </a:rPr>
+                        <m:t>)</m:t>
+                      </m:r>
+                    </m:oMath>
+                  </m:oMathPara>
+                </a14:m>
+                <a:endParaRPr lang="en-US" dirty="0"/>
+              </a:p>
+            </p:txBody>
+          </p:sp>
+        </mc:Choice>
+        <mc:Fallback>
+          <p:sp>
+            <p:nvSpPr>
+              <p:cNvPr id="32" name="Rectangle 31"/>
+              <p:cNvSpPr>
+                <a:spLocks noRot="1" noChangeAspect="1" noMove="1" noResize="1" noEditPoints="1" noAdjustHandles="1" noChangeArrowheads="1" noChangeShapeType="1" noTextEdit="1"/>
+              </p:cNvSpPr>
+              <p:nvPr/>
+            </p:nvSpPr>
+            <p:spPr>
+              <a:xfrm>
+                <a:off x="2390747" y="4342072"/>
+                <a:ext cx="918265" cy="369332"/>
+              </a:xfrm>
+              <a:prstGeom prst="rect">
+                <a:avLst/>
+              </a:prstGeom>
+              <a:blipFill rotWithShape="1">
+                <a:blip r:embed="rId6"/>
+                <a:stretch>
+                  <a:fillRect b="-11475"/>
+                </a:stretch>
+              </a:blipFill>
+            </p:spPr>
+            <p:txBody>
+              <a:bodyPr/>
+              <a:lstStyle/>
+              <a:p>
+                <a:r>
+                  <a:rPr lang="en-US">
+                    <a:noFill/>
+                  </a:rPr>
+                  <a:t> </a:t>
+                </a:r>
+              </a:p>
+            </p:txBody>
+          </p:sp>
+        </mc:Fallback>
+      </mc:AlternateContent>
+      <p:cxnSp>
+        <p:nvCxnSpPr>
+          <p:cNvPr id="34" name="Straight Connector 33"/>
+          <p:cNvCxnSpPr/>
+          <p:nvPr/>
+        </p:nvCxnSpPr>
+        <p:spPr>
+          <a:xfrm>
+            <a:off x="3309012" y="4343400"/>
+            <a:ext cx="0" cy="1676400"/>
+          </a:xfrm>
+          <a:prstGeom prst="line">
+            <a:avLst/>
+          </a:prstGeom>
+        </p:spPr>
+        <p:style>
+          <a:lnRef idx="1">
+            <a:schemeClr val="accent1"/>
+          </a:lnRef>
+          <a:fillRef idx="0">
+            <a:schemeClr val="accent1"/>
+          </a:fillRef>
+          <a:effectRef idx="0">
+            <a:schemeClr val="accent1"/>
+          </a:effectRef>
+          <a:fontRef idx="minor">
+            <a:schemeClr val="tx1"/>
+          </a:fontRef>
+        </p:style>
+      </p:cxnSp>
+      <p:cxnSp>
+        <p:nvCxnSpPr>
+          <p:cNvPr id="36" name="Straight Connector 35"/>
+          <p:cNvCxnSpPr/>
+          <p:nvPr/>
+        </p:nvCxnSpPr>
+        <p:spPr>
+          <a:xfrm flipV="1">
+            <a:off x="2390747" y="4711404"/>
+            <a:ext cx="2105053" cy="1328"/>
+          </a:xfrm>
+          <a:prstGeom prst="line">
+            <a:avLst/>
+          </a:prstGeom>
+        </p:spPr>
+        <p:style>
+          <a:lnRef idx="1">
+            <a:schemeClr val="accent1"/>
+          </a:lnRef>
+          <a:fillRef idx="0">
+            <a:schemeClr val="accent1"/>
+          </a:fillRef>
+          <a:effectRef idx="0">
+            <a:schemeClr val="accent1"/>
+          </a:effectRef>
+          <a:fontRef idx="minor">
+            <a:schemeClr val="tx1"/>
+          </a:fontRef>
+        </p:style>
+      </p:cxnSp>
+      <p:sp>
+        <p:nvSpPr>
+          <p:cNvPr id="37" name="TextBox 36"/>
+          <p:cNvSpPr txBox="1"/>
+          <p:nvPr/>
+        </p:nvSpPr>
+        <p:spPr>
+          <a:xfrm>
+            <a:off x="2701442" y="4768039"/>
+            <a:ext cx="296876" cy="369332"/>
+          </a:xfrm>
+          <a:prstGeom prst="rect">
+            <a:avLst/>
+          </a:prstGeom>
+          <a:noFill/>
+        </p:spPr>
+        <p:txBody>
+          <a:bodyPr wrap="none" rtlCol="0">
+            <a:spAutoFit/>
+          </a:bodyPr>
+          <a:lstStyle/>
+          <a:p>
+            <a:r>
+              <a:rPr lang="en-US" dirty="0" smtClean="0"/>
+              <a:t>T</a:t>
+            </a:r>
+            <a:endParaRPr lang="en-US" dirty="0"/>
+          </a:p>
+        </p:txBody>
+      </p:sp>
+      <p:sp>
+        <p:nvSpPr>
+          <p:cNvPr id="38" name="TextBox 37"/>
+          <p:cNvSpPr txBox="1"/>
+          <p:nvPr/>
+        </p:nvSpPr>
+        <p:spPr>
+          <a:xfrm>
+            <a:off x="2701442" y="5236907"/>
+            <a:ext cx="296876" cy="369332"/>
+          </a:xfrm>
+          <a:prstGeom prst="rect">
+            <a:avLst/>
+          </a:prstGeom>
+          <a:noFill/>
+        </p:spPr>
+        <p:txBody>
+          <a:bodyPr wrap="none" rtlCol="0">
+            <a:spAutoFit/>
+          </a:bodyPr>
+          <a:lstStyle/>
+          <a:p>
+            <a:r>
+              <a:rPr lang="en-US" dirty="0" smtClean="0"/>
+              <a:t>F</a:t>
+            </a:r>
+            <a:endParaRPr lang="en-US" dirty="0"/>
+          </a:p>
+        </p:txBody>
+      </p:sp>
+      <p:sp>
+        <p:nvSpPr>
+          <p:cNvPr id="39" name="TextBox 38"/>
+          <p:cNvSpPr txBox="1"/>
+          <p:nvPr/>
+        </p:nvSpPr>
+        <p:spPr>
+          <a:xfrm>
+            <a:off x="3436924" y="4298329"/>
+            <a:ext cx="296876" cy="369332"/>
+          </a:xfrm>
+          <a:prstGeom prst="rect">
+            <a:avLst/>
+          </a:prstGeom>
+          <a:noFill/>
+        </p:spPr>
+        <p:txBody>
+          <a:bodyPr wrap="none" rtlCol="0">
+            <a:spAutoFit/>
+          </a:bodyPr>
+          <a:lstStyle/>
+          <a:p>
+            <a:r>
+              <a:rPr lang="en-US" dirty="0" smtClean="0"/>
+              <a:t>T</a:t>
+            </a:r>
+            <a:endParaRPr lang="en-US" dirty="0"/>
+          </a:p>
+        </p:txBody>
+      </p:sp>
+      <p:sp>
+        <p:nvSpPr>
+          <p:cNvPr id="40" name="TextBox 39"/>
+          <p:cNvSpPr txBox="1"/>
+          <p:nvPr/>
+        </p:nvSpPr>
+        <p:spPr>
+          <a:xfrm>
+            <a:off x="4122724" y="4298329"/>
+            <a:ext cx="296876" cy="369332"/>
+          </a:xfrm>
+          <a:prstGeom prst="rect">
+            <a:avLst/>
+          </a:prstGeom>
+          <a:noFill/>
+        </p:spPr>
+        <p:txBody>
+          <a:bodyPr wrap="none" rtlCol="0">
+            <a:spAutoFit/>
+          </a:bodyPr>
+          <a:lstStyle/>
+          <a:p>
+            <a:r>
+              <a:rPr lang="en-US" dirty="0" smtClean="0"/>
+              <a:t>F</a:t>
+            </a:r>
+            <a:endParaRPr lang="en-US" dirty="0"/>
+          </a:p>
+        </p:txBody>
+      </p:sp>
+      <p:sp>
+        <p:nvSpPr>
+          <p:cNvPr id="41" name="TextBox 40"/>
+          <p:cNvSpPr txBox="1"/>
+          <p:nvPr/>
+        </p:nvSpPr>
+        <p:spPr>
+          <a:xfrm>
+            <a:off x="3978568" y="4751696"/>
+            <a:ext cx="593432" cy="369332"/>
+          </a:xfrm>
+          <a:prstGeom prst="rect">
+            <a:avLst/>
+          </a:prstGeom>
+          <a:noFill/>
+        </p:spPr>
+        <p:txBody>
+          <a:bodyPr wrap="none" rtlCol="0">
+            <a:spAutoFit/>
+          </a:bodyPr>
+          <a:lstStyle/>
+          <a:p>
+            <a:r>
+              <a:rPr lang="en-US" dirty="0" smtClean="0"/>
+              <a:t>0.01</a:t>
+            </a:r>
+            <a:endParaRPr lang="en-US" dirty="0"/>
+          </a:p>
+        </p:txBody>
+      </p:sp>
+      <p:sp>
+        <p:nvSpPr>
+          <p:cNvPr id="42" name="TextBox 41"/>
+          <p:cNvSpPr txBox="1"/>
+          <p:nvPr/>
+        </p:nvSpPr>
+        <p:spPr>
+          <a:xfrm>
+            <a:off x="3309012" y="4743861"/>
+            <a:ext cx="593432" cy="369332"/>
+          </a:xfrm>
+          <a:prstGeom prst="rect">
+            <a:avLst/>
+          </a:prstGeom>
+          <a:noFill/>
+        </p:spPr>
+        <p:txBody>
+          <a:bodyPr wrap="none" rtlCol="0">
+            <a:spAutoFit/>
+          </a:bodyPr>
+          <a:lstStyle/>
+          <a:p>
+            <a:r>
+              <a:rPr lang="en-US" dirty="0" smtClean="0"/>
+              <a:t>0.99</a:t>
+            </a:r>
+            <a:endParaRPr lang="en-US" dirty="0"/>
+          </a:p>
+        </p:txBody>
+      </p:sp>
+      <p:sp>
+        <p:nvSpPr>
+          <p:cNvPr id="43" name="TextBox 42"/>
+          <p:cNvSpPr txBox="1"/>
+          <p:nvPr/>
+        </p:nvSpPr>
+        <p:spPr>
+          <a:xfrm>
+            <a:off x="3946156" y="5230379"/>
+            <a:ext cx="593432" cy="369332"/>
+          </a:xfrm>
+          <a:prstGeom prst="rect">
+            <a:avLst/>
+          </a:prstGeom>
+          <a:noFill/>
+        </p:spPr>
+        <p:txBody>
+          <a:bodyPr wrap="none" rtlCol="0">
+            <a:spAutoFit/>
+          </a:bodyPr>
+          <a:lstStyle/>
+          <a:p>
+            <a:r>
+              <a:rPr lang="en-US" dirty="0" smtClean="0"/>
+              <a:t>0.46</a:t>
+            </a:r>
+            <a:endParaRPr lang="en-US" dirty="0"/>
+          </a:p>
+        </p:txBody>
+      </p:sp>
+      <p:sp>
+        <p:nvSpPr>
+          <p:cNvPr id="44" name="TextBox 43"/>
+          <p:cNvSpPr txBox="1"/>
+          <p:nvPr/>
+        </p:nvSpPr>
+        <p:spPr>
+          <a:xfrm>
+            <a:off x="3276600" y="5222544"/>
+            <a:ext cx="593432" cy="369332"/>
+          </a:xfrm>
+          <a:prstGeom prst="rect">
+            <a:avLst/>
+          </a:prstGeom>
+          <a:noFill/>
+        </p:spPr>
+        <p:txBody>
+          <a:bodyPr wrap="none" rtlCol="0">
+            <a:spAutoFit/>
+          </a:bodyPr>
+          <a:lstStyle/>
+          <a:p>
+            <a:r>
+              <a:rPr lang="en-US" dirty="0" smtClean="0"/>
+              <a:t>0.54</a:t>
+            </a:r>
+            <a:endParaRPr lang="en-US" dirty="0"/>
+          </a:p>
+        </p:txBody>
+      </p:sp>
+    </p:spTree>
+    <p:extLst>
+      <p:ext uri="{BB962C8B-B14F-4D97-AF65-F5344CB8AC3E}">
+        <p14:creationId xmlns:p14="http://schemas.microsoft.com/office/powerpoint/2010/main" val="1745573424"/>
+      </p:ext>
+    </p:extLst>
+  </p:cSld>
+  <p:clrMapOvr>
+    <a:masterClrMapping/>
+  </p:clrMapOvr>
 </p:sld>
 </file>
 

--- a/Latex/Presentation1.pptx
+++ b/Latex/Presentation1.pptx
@@ -7,6 +7,7 @@
   <p:sldIdLst>
     <p:sldId id="256" r:id="rId2"/>
     <p:sldId id="257" r:id="rId3"/>
+    <p:sldId id="258" r:id="rId4"/>
   </p:sldIdLst>
   <p:sldSz cx="9144000" cy="6858000" type="screen4x3"/>
   <p:notesSz cx="6858000" cy="9144000"/>
@@ -289,7 +290,7 @@
           <a:p>
             <a:fld id="{6D657F06-4D96-43BC-A84C-9C90B530D5F7}" type="datetimeFigureOut">
               <a:rPr lang="en-US" smtClean="0"/>
-              <a:t>11/22/2010</a:t>
+              <a:t>11/23/2010</a:t>
             </a:fld>
             <a:endParaRPr lang="en-US"/>
           </a:p>
@@ -459,7 +460,7 @@
           <a:p>
             <a:fld id="{6D657F06-4D96-43BC-A84C-9C90B530D5F7}" type="datetimeFigureOut">
               <a:rPr lang="en-US" smtClean="0"/>
-              <a:t>11/22/2010</a:t>
+              <a:t>11/23/2010</a:t>
             </a:fld>
             <a:endParaRPr lang="en-US"/>
           </a:p>
@@ -639,7 +640,7 @@
           <a:p>
             <a:fld id="{6D657F06-4D96-43BC-A84C-9C90B530D5F7}" type="datetimeFigureOut">
               <a:rPr lang="en-US" smtClean="0"/>
-              <a:t>11/22/2010</a:t>
+              <a:t>11/23/2010</a:t>
             </a:fld>
             <a:endParaRPr lang="en-US"/>
           </a:p>
@@ -809,7 +810,7 @@
           <a:p>
             <a:fld id="{6D657F06-4D96-43BC-A84C-9C90B530D5F7}" type="datetimeFigureOut">
               <a:rPr lang="en-US" smtClean="0"/>
-              <a:t>11/22/2010</a:t>
+              <a:t>11/23/2010</a:t>
             </a:fld>
             <a:endParaRPr lang="en-US"/>
           </a:p>
@@ -1055,7 +1056,7 @@
           <a:p>
             <a:fld id="{6D657F06-4D96-43BC-A84C-9C90B530D5F7}" type="datetimeFigureOut">
               <a:rPr lang="en-US" smtClean="0"/>
-              <a:t>11/22/2010</a:t>
+              <a:t>11/23/2010</a:t>
             </a:fld>
             <a:endParaRPr lang="en-US"/>
           </a:p>
@@ -1343,7 +1344,7 @@
           <a:p>
             <a:fld id="{6D657F06-4D96-43BC-A84C-9C90B530D5F7}" type="datetimeFigureOut">
               <a:rPr lang="en-US" smtClean="0"/>
-              <a:t>11/22/2010</a:t>
+              <a:t>11/23/2010</a:t>
             </a:fld>
             <a:endParaRPr lang="en-US"/>
           </a:p>
@@ -1765,7 +1766,7 @@
           <a:p>
             <a:fld id="{6D657F06-4D96-43BC-A84C-9C90B530D5F7}" type="datetimeFigureOut">
               <a:rPr lang="en-US" smtClean="0"/>
-              <a:t>11/22/2010</a:t>
+              <a:t>11/23/2010</a:t>
             </a:fld>
             <a:endParaRPr lang="en-US"/>
           </a:p>
@@ -1883,7 +1884,7 @@
           <a:p>
             <a:fld id="{6D657F06-4D96-43BC-A84C-9C90B530D5F7}" type="datetimeFigureOut">
               <a:rPr lang="en-US" smtClean="0"/>
-              <a:t>11/22/2010</a:t>
+              <a:t>11/23/2010</a:t>
             </a:fld>
             <a:endParaRPr lang="en-US"/>
           </a:p>
@@ -1978,7 +1979,7 @@
           <a:p>
             <a:fld id="{6D657F06-4D96-43BC-A84C-9C90B530D5F7}" type="datetimeFigureOut">
               <a:rPr lang="en-US" smtClean="0"/>
-              <a:t>11/22/2010</a:t>
+              <a:t>11/23/2010</a:t>
             </a:fld>
             <a:endParaRPr lang="en-US"/>
           </a:p>
@@ -2255,7 +2256,7 @@
           <a:p>
             <a:fld id="{6D657F06-4D96-43BC-A84C-9C90B530D5F7}" type="datetimeFigureOut">
               <a:rPr lang="en-US" smtClean="0"/>
-              <a:t>11/22/2010</a:t>
+              <a:t>11/23/2010</a:t>
             </a:fld>
             <a:endParaRPr lang="en-US"/>
           </a:p>
@@ -2508,7 +2509,7 @@
           <a:p>
             <a:fld id="{6D657F06-4D96-43BC-A84C-9C90B530D5F7}" type="datetimeFigureOut">
               <a:rPr lang="en-US" smtClean="0"/>
-              <a:t>11/22/2010</a:t>
+              <a:t>11/23/2010</a:t>
             </a:fld>
             <a:endParaRPr lang="en-US"/>
           </a:p>
@@ -2721,7 +2722,7 @@
           <a:p>
             <a:fld id="{6D657F06-4D96-43BC-A84C-9C90B530D5F7}" type="datetimeFigureOut">
               <a:rPr lang="en-US" smtClean="0"/>
-              <a:t>11/22/2010</a:t>
+              <a:t>11/23/2010</a:t>
             </a:fld>
             <a:endParaRPr lang="en-US"/>
           </a:p>
@@ -5825,8 +5826,8 @@
           <a:chExt cx="0" cy="0"/>
         </a:xfrm>
       </p:grpSpPr>
-      <mc:AlternateContent xmlns:mc="http://schemas.openxmlformats.org/markup-compatibility/2006">
-        <mc:Choice xmlns:a14="http://schemas.microsoft.com/office/drawing/2010/main" Requires="a14">
+      <mc:AlternateContent xmlns:mc="http://schemas.openxmlformats.org/markup-compatibility/2006" xmlns:a14="http://schemas.microsoft.com/office/drawing/2010/main">
+        <mc:Choice Requires="a14">
           <p:sp>
             <p:nvSpPr>
               <p:cNvPr id="4" name="Oval 3"/>
@@ -5900,7 +5901,7 @@
             </p:txBody>
           </p:sp>
         </mc:Choice>
-        <mc:Fallback>
+        <mc:Fallback xmlns="">
           <p:sp>
             <p:nvSpPr>
               <p:cNvPr id="4" name="Oval 3"/>
@@ -5939,8 +5940,8 @@
           </p:sp>
         </mc:Fallback>
       </mc:AlternateContent>
-      <mc:AlternateContent xmlns:mc="http://schemas.openxmlformats.org/markup-compatibility/2006">
-        <mc:Choice xmlns:a14="http://schemas.microsoft.com/office/drawing/2010/main" Requires="a14">
+      <mc:AlternateContent xmlns:mc="http://schemas.openxmlformats.org/markup-compatibility/2006" xmlns:a14="http://schemas.microsoft.com/office/drawing/2010/main">
+        <mc:Choice Requires="a14">
           <p:sp>
             <p:nvSpPr>
               <p:cNvPr id="5" name="Oval 4"/>
@@ -6026,7 +6027,7 @@
             </p:txBody>
           </p:sp>
         </mc:Choice>
-        <mc:Fallback>
+        <mc:Fallback xmlns="">
           <p:sp>
             <p:nvSpPr>
               <p:cNvPr id="5" name="Oval 4"/>
@@ -6065,8 +6066,8 @@
           </p:sp>
         </mc:Fallback>
       </mc:AlternateContent>
-      <mc:AlternateContent xmlns:mc="http://schemas.openxmlformats.org/markup-compatibility/2006">
-        <mc:Choice xmlns:a14="http://schemas.microsoft.com/office/drawing/2010/main" Requires="a14">
+      <mc:AlternateContent xmlns:mc="http://schemas.openxmlformats.org/markup-compatibility/2006" xmlns:a14="http://schemas.microsoft.com/office/drawing/2010/main">
+        <mc:Choice Requires="a14">
           <p:sp>
             <p:nvSpPr>
               <p:cNvPr id="6" name="Oval 5"/>
@@ -6190,7 +6191,7 @@
             </p:txBody>
           </p:sp>
         </mc:Choice>
-        <mc:Fallback>
+        <mc:Fallback xmlns="">
           <p:sp>
             <p:nvSpPr>
               <p:cNvPr id="6" name="Oval 5"/>
@@ -6346,8 +6347,8 @@
           </a:fontRef>
         </p:style>
       </p:cxnSp>
-      <mc:AlternateContent xmlns:mc="http://schemas.openxmlformats.org/markup-compatibility/2006">
-        <mc:Choice xmlns:a14="http://schemas.microsoft.com/office/drawing/2010/main" Requires="a14">
+      <mc:AlternateContent xmlns:mc="http://schemas.openxmlformats.org/markup-compatibility/2006" xmlns:a14="http://schemas.microsoft.com/office/drawing/2010/main">
+        <mc:Choice Requires="a14">
           <p:sp>
             <p:nvSpPr>
               <p:cNvPr id="18" name="Rectangle 17"/>
@@ -6408,7 +6409,7 @@
             </p:txBody>
           </p:sp>
         </mc:Choice>
-        <mc:Fallback>
+        <mc:Fallback xmlns="">
           <p:sp>
             <p:nvSpPr>
               <p:cNvPr id="18" name="Rectangle 17"/>
@@ -6627,8 +6628,8 @@
           </a:p>
         </p:txBody>
       </p:sp>
-      <mc:AlternateContent xmlns:mc="http://schemas.openxmlformats.org/markup-compatibility/2006">
-        <mc:Choice xmlns:a14="http://schemas.microsoft.com/office/drawing/2010/main" Requires="a14">
+      <mc:AlternateContent xmlns:mc="http://schemas.openxmlformats.org/markup-compatibility/2006" xmlns:a14="http://schemas.microsoft.com/office/drawing/2010/main">
+        <mc:Choice Requires="a14">
           <p:sp>
             <p:nvSpPr>
               <p:cNvPr id="32" name="Rectangle 31"/>
@@ -6701,7 +6702,7 @@
             </p:txBody>
           </p:sp>
         </mc:Choice>
-        <mc:Fallback>
+        <mc:Fallback xmlns="">
           <p:sp>
             <p:nvSpPr>
               <p:cNvPr id="32" name="Rectangle 31"/>
@@ -7050,6 +7051,3176 @@
   <p:clrMapOvr>
     <a:masterClrMapping/>
   </p:clrMapOvr>
+  <p:timing>
+    <p:tnLst>
+      <p:par>
+        <p:cTn id="1" dur="indefinite" restart="never" nodeType="tmRoot"/>
+      </p:par>
+    </p:tnLst>
+  </p:timing>
+</p:sld>
+</file>
+
+<file path=ppt/slides/slide3.xml><?xml version="1.0" encoding="utf-8"?>
+<p:sld xmlns:a="http://schemas.openxmlformats.org/drawingml/2006/main" xmlns:r="http://schemas.openxmlformats.org/officeDocument/2006/relationships" xmlns:p="http://schemas.openxmlformats.org/presentationml/2006/main">
+  <p:cSld>
+    <p:spTree>
+      <p:nvGrpSpPr>
+        <p:cNvPr id="1" name=""/>
+        <p:cNvGrpSpPr/>
+        <p:nvPr/>
+      </p:nvGrpSpPr>
+      <p:grpSpPr>
+        <a:xfrm>
+          <a:off x="0" y="0"/>
+          <a:ext cx="0" cy="0"/>
+          <a:chOff x="0" y="0"/>
+          <a:chExt cx="0" cy="0"/>
+        </a:xfrm>
+      </p:grpSpPr>
+      <p:sp>
+        <p:nvSpPr>
+          <p:cNvPr id="4" name="Rectangle 3"/>
+          <p:cNvSpPr/>
+          <p:nvPr/>
+        </p:nvSpPr>
+        <p:spPr>
+          <a:xfrm>
+            <a:off x="304800" y="2935472"/>
+            <a:ext cx="990600" cy="533400"/>
+          </a:xfrm>
+          <a:prstGeom prst="rect">
+            <a:avLst/>
+          </a:prstGeom>
+        </p:spPr>
+        <p:style>
+          <a:lnRef idx="2">
+            <a:schemeClr val="accent2">
+              <a:shade val="50000"/>
+            </a:schemeClr>
+          </a:lnRef>
+          <a:fillRef idx="1">
+            <a:schemeClr val="accent2"/>
+          </a:fillRef>
+          <a:effectRef idx="0">
+            <a:schemeClr val="accent2"/>
+          </a:effectRef>
+          <a:fontRef idx="minor">
+            <a:schemeClr val="lt1"/>
+          </a:fontRef>
+        </p:style>
+        <p:txBody>
+          <a:bodyPr rtlCol="0" anchor="ctr"/>
+          <a:lstStyle/>
+          <a:p>
+            <a:pPr algn="ctr"/>
+            <a:r>
+              <a:rPr lang="en-US" dirty="0" smtClean="0"/>
+              <a:t>Happy</a:t>
+            </a:r>
+            <a:endParaRPr lang="en-US" dirty="0"/>
+          </a:p>
+        </p:txBody>
+      </p:sp>
+      <p:sp>
+        <p:nvSpPr>
+          <p:cNvPr id="5" name="Rectangle 4"/>
+          <p:cNvSpPr/>
+          <p:nvPr/>
+        </p:nvSpPr>
+        <p:spPr>
+          <a:xfrm>
+            <a:off x="1371600" y="2935472"/>
+            <a:ext cx="990600" cy="533400"/>
+          </a:xfrm>
+          <a:prstGeom prst="rect">
+            <a:avLst/>
+          </a:prstGeom>
+        </p:spPr>
+        <p:style>
+          <a:lnRef idx="2">
+            <a:schemeClr val="accent2">
+              <a:shade val="50000"/>
+            </a:schemeClr>
+          </a:lnRef>
+          <a:fillRef idx="1">
+            <a:schemeClr val="accent2"/>
+          </a:fillRef>
+          <a:effectRef idx="0">
+            <a:schemeClr val="accent2"/>
+          </a:effectRef>
+          <a:fontRef idx="minor">
+            <a:schemeClr val="lt1"/>
+          </a:fontRef>
+        </p:style>
+        <p:txBody>
+          <a:bodyPr rtlCol="0" anchor="ctr"/>
+          <a:lstStyle/>
+          <a:p>
+            <a:pPr algn="ctr"/>
+            <a:r>
+              <a:rPr lang="en-US" dirty="0" smtClean="0"/>
+              <a:t>Sad</a:t>
+            </a:r>
+            <a:endParaRPr lang="en-US" dirty="0"/>
+          </a:p>
+        </p:txBody>
+      </p:sp>
+      <p:sp>
+        <p:nvSpPr>
+          <p:cNvPr id="6" name="Rectangle 5"/>
+          <p:cNvSpPr/>
+          <p:nvPr/>
+        </p:nvSpPr>
+        <p:spPr>
+          <a:xfrm>
+            <a:off x="2438400" y="2935472"/>
+            <a:ext cx="990600" cy="533400"/>
+          </a:xfrm>
+          <a:prstGeom prst="rect">
+            <a:avLst/>
+          </a:prstGeom>
+        </p:spPr>
+        <p:style>
+          <a:lnRef idx="2">
+            <a:schemeClr val="accent2">
+              <a:shade val="50000"/>
+            </a:schemeClr>
+          </a:lnRef>
+          <a:fillRef idx="1">
+            <a:schemeClr val="accent2"/>
+          </a:fillRef>
+          <a:effectRef idx="0">
+            <a:schemeClr val="accent2"/>
+          </a:effectRef>
+          <a:fontRef idx="minor">
+            <a:schemeClr val="lt1"/>
+          </a:fontRef>
+        </p:style>
+        <p:txBody>
+          <a:bodyPr rtlCol="0" anchor="ctr"/>
+          <a:lstStyle/>
+          <a:p>
+            <a:pPr algn="ctr"/>
+            <a:r>
+              <a:rPr lang="en-US" dirty="0" smtClean="0"/>
+              <a:t>Surprise</a:t>
+            </a:r>
+            <a:endParaRPr lang="en-US" dirty="0"/>
+          </a:p>
+        </p:txBody>
+      </p:sp>
+      <p:sp>
+        <p:nvSpPr>
+          <p:cNvPr id="7" name="Rectangle 6"/>
+          <p:cNvSpPr/>
+          <p:nvPr/>
+        </p:nvSpPr>
+        <p:spPr>
+          <a:xfrm>
+            <a:off x="3505200" y="2935472"/>
+            <a:ext cx="990600" cy="533400"/>
+          </a:xfrm>
+          <a:prstGeom prst="rect">
+            <a:avLst/>
+          </a:prstGeom>
+        </p:spPr>
+        <p:style>
+          <a:lnRef idx="2">
+            <a:schemeClr val="accent2">
+              <a:shade val="50000"/>
+            </a:schemeClr>
+          </a:lnRef>
+          <a:fillRef idx="1">
+            <a:schemeClr val="accent2"/>
+          </a:fillRef>
+          <a:effectRef idx="0">
+            <a:schemeClr val="accent2"/>
+          </a:effectRef>
+          <a:fontRef idx="minor">
+            <a:schemeClr val="lt1"/>
+          </a:fontRef>
+        </p:style>
+        <p:txBody>
+          <a:bodyPr rtlCol="0" anchor="ctr"/>
+          <a:lstStyle/>
+          <a:p>
+            <a:pPr algn="ctr"/>
+            <a:r>
+              <a:rPr lang="en-US" dirty="0" smtClean="0"/>
+              <a:t>Disgust</a:t>
+            </a:r>
+            <a:endParaRPr lang="en-US" dirty="0"/>
+          </a:p>
+        </p:txBody>
+      </p:sp>
+      <p:sp>
+        <p:nvSpPr>
+          <p:cNvPr id="8" name="Rectangle 7"/>
+          <p:cNvSpPr/>
+          <p:nvPr/>
+        </p:nvSpPr>
+        <p:spPr>
+          <a:xfrm>
+            <a:off x="4572000" y="2935472"/>
+            <a:ext cx="990600" cy="533400"/>
+          </a:xfrm>
+          <a:prstGeom prst="rect">
+            <a:avLst/>
+          </a:prstGeom>
+        </p:spPr>
+        <p:style>
+          <a:lnRef idx="2">
+            <a:schemeClr val="accent2">
+              <a:shade val="50000"/>
+            </a:schemeClr>
+          </a:lnRef>
+          <a:fillRef idx="1">
+            <a:schemeClr val="accent2"/>
+          </a:fillRef>
+          <a:effectRef idx="0">
+            <a:schemeClr val="accent2"/>
+          </a:effectRef>
+          <a:fontRef idx="minor">
+            <a:schemeClr val="lt1"/>
+          </a:fontRef>
+        </p:style>
+        <p:txBody>
+          <a:bodyPr rtlCol="0" anchor="ctr"/>
+          <a:lstStyle/>
+          <a:p>
+            <a:pPr algn="ctr"/>
+            <a:r>
+              <a:rPr lang="en-US" dirty="0" smtClean="0"/>
+              <a:t>Fear</a:t>
+            </a:r>
+            <a:endParaRPr lang="en-US" dirty="0"/>
+          </a:p>
+        </p:txBody>
+      </p:sp>
+      <p:sp>
+        <p:nvSpPr>
+          <p:cNvPr id="9" name="Rectangle 8"/>
+          <p:cNvSpPr/>
+          <p:nvPr/>
+        </p:nvSpPr>
+        <p:spPr>
+          <a:xfrm>
+            <a:off x="5638800" y="2935472"/>
+            <a:ext cx="990600" cy="533400"/>
+          </a:xfrm>
+          <a:prstGeom prst="rect">
+            <a:avLst/>
+          </a:prstGeom>
+        </p:spPr>
+        <p:style>
+          <a:lnRef idx="2">
+            <a:schemeClr val="accent2">
+              <a:shade val="50000"/>
+            </a:schemeClr>
+          </a:lnRef>
+          <a:fillRef idx="1">
+            <a:schemeClr val="accent2"/>
+          </a:fillRef>
+          <a:effectRef idx="0">
+            <a:schemeClr val="accent2"/>
+          </a:effectRef>
+          <a:fontRef idx="minor">
+            <a:schemeClr val="lt1"/>
+          </a:fontRef>
+        </p:style>
+        <p:txBody>
+          <a:bodyPr rtlCol="0" anchor="ctr"/>
+          <a:lstStyle/>
+          <a:p>
+            <a:pPr algn="ctr"/>
+            <a:r>
+              <a:rPr lang="en-US" dirty="0" smtClean="0"/>
+              <a:t>Anger</a:t>
+            </a:r>
+            <a:endParaRPr lang="en-US" dirty="0"/>
+          </a:p>
+        </p:txBody>
+      </p:sp>
+      <mc:AlternateContent xmlns:mc="http://schemas.openxmlformats.org/markup-compatibility/2006">
+        <mc:Choice xmlns:a14="http://schemas.microsoft.com/office/drawing/2010/main" Requires="a14">
+          <p:sp>
+            <p:nvSpPr>
+              <p:cNvPr id="14" name="Oval 13"/>
+              <p:cNvSpPr/>
+              <p:nvPr/>
+            </p:nvSpPr>
+            <p:spPr>
+              <a:xfrm>
+                <a:off x="3141921" y="5678672"/>
+                <a:ext cx="914400" cy="914400"/>
+              </a:xfrm>
+              <a:prstGeom prst="ellipse">
+                <a:avLst/>
+              </a:prstGeom>
+            </p:spPr>
+            <p:style>
+              <a:lnRef idx="2">
+                <a:schemeClr val="accent3">
+                  <a:shade val="50000"/>
+                </a:schemeClr>
+              </a:lnRef>
+              <a:fillRef idx="1">
+                <a:schemeClr val="accent3"/>
+              </a:fillRef>
+              <a:effectRef idx="0">
+                <a:schemeClr val="accent3"/>
+              </a:effectRef>
+              <a:fontRef idx="minor">
+                <a:schemeClr val="lt1"/>
+              </a:fontRef>
+            </p:style>
+            <p:txBody>
+              <a:bodyPr rtlCol="0" anchor="ctr"/>
+              <a:lstStyle/>
+              <a:p>
+                <a:pPr algn="ctr"/>
+                <a14:m>
+                  <m:oMathPara xmlns:m="http://schemas.openxmlformats.org/officeDocument/2006/math">
+                    <m:oMathParaPr>
+                      <m:jc m:val="centerGroup"/>
+                    </m:oMathParaPr>
+                    <m:oMath xmlns:m="http://schemas.openxmlformats.org/officeDocument/2006/math">
+                      <m:r>
+                        <a:rPr lang="en-US" b="0" i="1" smtClean="0">
+                          <a:latin typeface="Cambria Math"/>
+                        </a:rPr>
+                        <m:t>𝑋</m:t>
+                      </m:r>
+                      <m:r>
+                        <a:rPr lang="en-US" b="0" i="1" smtClean="0">
+                          <a:latin typeface="Cambria Math"/>
+                        </a:rPr>
+                        <m:t>(</m:t>
+                      </m:r>
+                      <m:r>
+                        <a:rPr lang="en-US" b="0" i="1" smtClean="0">
+                          <a:latin typeface="Cambria Math"/>
+                        </a:rPr>
+                        <m:t>𝑡</m:t>
+                      </m:r>
+                      <m:r>
+                        <a:rPr lang="en-US" b="0" i="1" smtClean="0">
+                          <a:latin typeface="Cambria Math"/>
+                        </a:rPr>
+                        <m:t>)</m:t>
+                      </m:r>
+                    </m:oMath>
+                  </m:oMathPara>
+                </a14:m>
+                <a:endParaRPr lang="en-US" dirty="0"/>
+              </a:p>
+            </p:txBody>
+          </p:sp>
+        </mc:Choice>
+        <mc:Fallback>
+          <p:sp>
+            <p:nvSpPr>
+              <p:cNvPr id="14" name="Oval 13"/>
+              <p:cNvSpPr>
+                <a:spLocks noRot="1" noChangeAspect="1" noMove="1" noResize="1" noEditPoints="1" noAdjustHandles="1" noChangeArrowheads="1" noChangeShapeType="1" noTextEdit="1"/>
+              </p:cNvSpPr>
+              <p:nvPr/>
+            </p:nvSpPr>
+            <p:spPr>
+              <a:xfrm>
+                <a:off x="3141921" y="5678672"/>
+                <a:ext cx="914400" cy="914400"/>
+              </a:xfrm>
+              <a:prstGeom prst="ellipse">
+                <a:avLst/>
+              </a:prstGeom>
+              <a:blipFill rotWithShape="1">
+                <a:blip r:embed="rId2"/>
+                <a:stretch>
+                  <a:fillRect/>
+                </a:stretch>
+              </a:blipFill>
+            </p:spPr>
+            <p:txBody>
+              <a:bodyPr/>
+              <a:lstStyle/>
+              <a:p>
+                <a:r>
+                  <a:rPr lang="en-US">
+                    <a:noFill/>
+                  </a:rPr>
+                  <a:t> </a:t>
+                </a:r>
+              </a:p>
+            </p:txBody>
+          </p:sp>
+        </mc:Fallback>
+      </mc:AlternateContent>
+      <mc:AlternateContent xmlns:mc="http://schemas.openxmlformats.org/markup-compatibility/2006">
+        <mc:Choice xmlns:a14="http://schemas.microsoft.com/office/drawing/2010/main" Requires="a14">
+          <p:sp>
+            <p:nvSpPr>
+              <p:cNvPr id="15" name="Rectangle 14"/>
+              <p:cNvSpPr/>
+              <p:nvPr/>
+            </p:nvSpPr>
+            <p:spPr>
+              <a:xfrm>
+                <a:off x="323407" y="4156444"/>
+                <a:ext cx="953386" cy="914400"/>
+              </a:xfrm>
+              <a:prstGeom prst="rect">
+                <a:avLst/>
+              </a:prstGeom>
+            </p:spPr>
+            <p:style>
+              <a:lnRef idx="2">
+                <a:schemeClr val="accent6">
+                  <a:shade val="50000"/>
+                </a:schemeClr>
+              </a:lnRef>
+              <a:fillRef idx="1">
+                <a:schemeClr val="accent6"/>
+              </a:fillRef>
+              <a:effectRef idx="0">
+                <a:schemeClr val="accent6"/>
+              </a:effectRef>
+              <a:fontRef idx="minor">
+                <a:schemeClr val="lt1"/>
+              </a:fontRef>
+            </p:style>
+            <p:txBody>
+              <a:bodyPr rtlCol="0" anchor="ctr"/>
+              <a:lstStyle/>
+              <a:p>
+                <a:pPr algn="ctr"/>
+                <a14:m>
+                  <m:oMathPara xmlns:m="http://schemas.openxmlformats.org/officeDocument/2006/math">
+                    <m:oMathParaPr>
+                      <m:jc m:val="centerGroup"/>
+                    </m:oMathParaPr>
+                    <m:oMath xmlns:m="http://schemas.openxmlformats.org/officeDocument/2006/math">
+                      <m:sSub>
+                        <m:sSubPr>
+                          <m:ctrlPr>
+                            <a:rPr lang="en-US" b="0" i="1" smtClean="0">
+                              <a:latin typeface="Cambria Math"/>
+                            </a:rPr>
+                          </m:ctrlPr>
+                        </m:sSubPr>
+                        <m:e>
+                          <m:r>
+                            <a:rPr lang="en-US" b="0" i="1" smtClean="0">
+                              <a:latin typeface="Cambria Math"/>
+                            </a:rPr>
+                            <m:t>𝐿</m:t>
+                          </m:r>
+                        </m:e>
+                        <m:sub>
+                          <m:r>
+                            <a:rPr lang="en-US" b="0" i="1" smtClean="0">
+                              <a:latin typeface="Cambria Math"/>
+                            </a:rPr>
+                            <m:t>𝐻</m:t>
+                          </m:r>
+                        </m:sub>
+                      </m:sSub>
+                      <m:r>
+                        <a:rPr lang="en-US" b="0" i="1" smtClean="0">
+                          <a:latin typeface="Cambria Math"/>
+                        </a:rPr>
+                        <m:t>(</m:t>
+                      </m:r>
+                      <m:r>
+                        <a:rPr lang="en-US" b="0" i="1" smtClean="0">
+                          <a:latin typeface="Cambria Math"/>
+                        </a:rPr>
+                        <m:t>𝑡</m:t>
+                      </m:r>
+                      <m:r>
+                        <a:rPr lang="en-US" b="0" i="1" smtClean="0">
+                          <a:latin typeface="Cambria Math"/>
+                        </a:rPr>
+                        <m:t>)</m:t>
+                      </m:r>
+                    </m:oMath>
+                  </m:oMathPara>
+                </a14:m>
+                <a:endParaRPr lang="en-US" dirty="0"/>
+              </a:p>
+            </p:txBody>
+          </p:sp>
+        </mc:Choice>
+        <mc:Fallback>
+          <p:sp>
+            <p:nvSpPr>
+              <p:cNvPr id="15" name="Rectangle 14"/>
+              <p:cNvSpPr>
+                <a:spLocks noRot="1" noChangeAspect="1" noMove="1" noResize="1" noEditPoints="1" noAdjustHandles="1" noChangeArrowheads="1" noChangeShapeType="1" noTextEdit="1"/>
+              </p:cNvSpPr>
+              <p:nvPr/>
+            </p:nvSpPr>
+            <p:spPr>
+              <a:xfrm>
+                <a:off x="323407" y="4156444"/>
+                <a:ext cx="953386" cy="914400"/>
+              </a:xfrm>
+              <a:prstGeom prst="rect">
+                <a:avLst/>
+              </a:prstGeom>
+              <a:blipFill rotWithShape="1">
+                <a:blip r:embed="rId3"/>
+                <a:stretch>
+                  <a:fillRect/>
+                </a:stretch>
+              </a:blipFill>
+            </p:spPr>
+            <p:txBody>
+              <a:bodyPr/>
+              <a:lstStyle/>
+              <a:p>
+                <a:r>
+                  <a:rPr lang="en-US">
+                    <a:noFill/>
+                  </a:rPr>
+                  <a:t> </a:t>
+                </a:r>
+              </a:p>
+            </p:txBody>
+          </p:sp>
+        </mc:Fallback>
+      </mc:AlternateContent>
+      <mc:AlternateContent xmlns:mc="http://schemas.openxmlformats.org/markup-compatibility/2006">
+        <mc:Choice xmlns:a14="http://schemas.microsoft.com/office/drawing/2010/main" Requires="a14">
+          <p:sp>
+            <p:nvSpPr>
+              <p:cNvPr id="16" name="Rectangle 15"/>
+              <p:cNvSpPr/>
+              <p:nvPr/>
+            </p:nvSpPr>
+            <p:spPr>
+              <a:xfrm>
+                <a:off x="1395522" y="4156444"/>
+                <a:ext cx="953386" cy="914400"/>
+              </a:xfrm>
+              <a:prstGeom prst="rect">
+                <a:avLst/>
+              </a:prstGeom>
+            </p:spPr>
+            <p:style>
+              <a:lnRef idx="2">
+                <a:schemeClr val="accent6">
+                  <a:shade val="50000"/>
+                </a:schemeClr>
+              </a:lnRef>
+              <a:fillRef idx="1">
+                <a:schemeClr val="accent6"/>
+              </a:fillRef>
+              <a:effectRef idx="0">
+                <a:schemeClr val="accent6"/>
+              </a:effectRef>
+              <a:fontRef idx="minor">
+                <a:schemeClr val="lt1"/>
+              </a:fontRef>
+            </p:style>
+            <p:txBody>
+              <a:bodyPr rtlCol="0" anchor="ctr"/>
+              <a:lstStyle/>
+              <a:p>
+                <a:pPr algn="ctr"/>
+                <a14:m>
+                  <m:oMathPara xmlns:m="http://schemas.openxmlformats.org/officeDocument/2006/math">
+                    <m:oMathParaPr>
+                      <m:jc m:val="centerGroup"/>
+                    </m:oMathParaPr>
+                    <m:oMath xmlns:m="http://schemas.openxmlformats.org/officeDocument/2006/math">
+                      <m:sSub>
+                        <m:sSubPr>
+                          <m:ctrlPr>
+                            <a:rPr lang="en-US" i="1" smtClean="0">
+                              <a:latin typeface="Cambria Math"/>
+                            </a:rPr>
+                          </m:ctrlPr>
+                        </m:sSubPr>
+                        <m:e>
+                          <m:r>
+                            <a:rPr lang="en-US" i="1">
+                              <a:latin typeface="Cambria Math"/>
+                            </a:rPr>
+                            <m:t>𝐿</m:t>
+                          </m:r>
+                        </m:e>
+                        <m:sub>
+                          <m:r>
+                            <a:rPr lang="en-US" b="0" i="1" smtClean="0">
+                              <a:latin typeface="Cambria Math"/>
+                            </a:rPr>
+                            <m:t>𝑆𝑎</m:t>
+                          </m:r>
+                        </m:sub>
+                      </m:sSub>
+                      <m:r>
+                        <a:rPr lang="en-US" i="1">
+                          <a:latin typeface="Cambria Math"/>
+                        </a:rPr>
+                        <m:t>(</m:t>
+                      </m:r>
+                      <m:r>
+                        <a:rPr lang="en-US" i="1">
+                          <a:latin typeface="Cambria Math"/>
+                        </a:rPr>
+                        <m:t>𝑡</m:t>
+                      </m:r>
+                      <m:r>
+                        <a:rPr lang="en-US" i="1">
+                          <a:latin typeface="Cambria Math"/>
+                        </a:rPr>
+                        <m:t>)</m:t>
+                      </m:r>
+                    </m:oMath>
+                  </m:oMathPara>
+                </a14:m>
+                <a:endParaRPr lang="en-US" dirty="0"/>
+              </a:p>
+            </p:txBody>
+          </p:sp>
+        </mc:Choice>
+        <mc:Fallback>
+          <p:sp>
+            <p:nvSpPr>
+              <p:cNvPr id="16" name="Rectangle 15"/>
+              <p:cNvSpPr>
+                <a:spLocks noRot="1" noChangeAspect="1" noMove="1" noResize="1" noEditPoints="1" noAdjustHandles="1" noChangeArrowheads="1" noChangeShapeType="1" noTextEdit="1"/>
+              </p:cNvSpPr>
+              <p:nvPr/>
+            </p:nvSpPr>
+            <p:spPr>
+              <a:xfrm>
+                <a:off x="1395522" y="4156444"/>
+                <a:ext cx="953386" cy="914400"/>
+              </a:xfrm>
+              <a:prstGeom prst="rect">
+                <a:avLst/>
+              </a:prstGeom>
+              <a:blipFill rotWithShape="1">
+                <a:blip r:embed="rId4"/>
+                <a:stretch>
+                  <a:fillRect/>
+                </a:stretch>
+              </a:blipFill>
+            </p:spPr>
+            <p:txBody>
+              <a:bodyPr/>
+              <a:lstStyle/>
+              <a:p>
+                <a:r>
+                  <a:rPr lang="en-US">
+                    <a:noFill/>
+                  </a:rPr>
+                  <a:t> </a:t>
+                </a:r>
+              </a:p>
+            </p:txBody>
+          </p:sp>
+        </mc:Fallback>
+      </mc:AlternateContent>
+      <mc:AlternateContent xmlns:mc="http://schemas.openxmlformats.org/markup-compatibility/2006">
+        <mc:Choice xmlns:a14="http://schemas.microsoft.com/office/drawing/2010/main" Requires="a14">
+          <p:sp>
+            <p:nvSpPr>
+              <p:cNvPr id="17" name="Rectangle 16"/>
+              <p:cNvSpPr/>
+              <p:nvPr/>
+            </p:nvSpPr>
+            <p:spPr>
+              <a:xfrm>
+                <a:off x="2451692" y="4156444"/>
+                <a:ext cx="953386" cy="914400"/>
+              </a:xfrm>
+              <a:prstGeom prst="rect">
+                <a:avLst/>
+              </a:prstGeom>
+            </p:spPr>
+            <p:style>
+              <a:lnRef idx="2">
+                <a:schemeClr val="accent6">
+                  <a:shade val="50000"/>
+                </a:schemeClr>
+              </a:lnRef>
+              <a:fillRef idx="1">
+                <a:schemeClr val="accent6"/>
+              </a:fillRef>
+              <a:effectRef idx="0">
+                <a:schemeClr val="accent6"/>
+              </a:effectRef>
+              <a:fontRef idx="minor">
+                <a:schemeClr val="lt1"/>
+              </a:fontRef>
+            </p:style>
+            <p:txBody>
+              <a:bodyPr rtlCol="0" anchor="ctr"/>
+              <a:lstStyle/>
+              <a:p>
+                <a:pPr algn="ctr"/>
+                <a14:m>
+                  <m:oMathPara xmlns:m="http://schemas.openxmlformats.org/officeDocument/2006/math">
+                    <m:oMathParaPr>
+                      <m:jc m:val="centerGroup"/>
+                    </m:oMathParaPr>
+                    <m:oMath xmlns:m="http://schemas.openxmlformats.org/officeDocument/2006/math">
+                      <m:sSub>
+                        <m:sSubPr>
+                          <m:ctrlPr>
+                            <a:rPr lang="en-US" i="1" smtClean="0">
+                              <a:latin typeface="Cambria Math"/>
+                            </a:rPr>
+                          </m:ctrlPr>
+                        </m:sSubPr>
+                        <m:e>
+                          <m:r>
+                            <a:rPr lang="en-US" i="1">
+                              <a:latin typeface="Cambria Math"/>
+                            </a:rPr>
+                            <m:t>𝐿</m:t>
+                          </m:r>
+                        </m:e>
+                        <m:sub>
+                          <m:r>
+                            <a:rPr lang="en-US" b="0" i="1" smtClean="0">
+                              <a:latin typeface="Cambria Math"/>
+                            </a:rPr>
+                            <m:t>𝑆𝑢</m:t>
+                          </m:r>
+                        </m:sub>
+                      </m:sSub>
+                      <m:r>
+                        <a:rPr lang="en-US" i="1">
+                          <a:latin typeface="Cambria Math"/>
+                        </a:rPr>
+                        <m:t>(</m:t>
+                      </m:r>
+                      <m:r>
+                        <a:rPr lang="en-US" i="1">
+                          <a:latin typeface="Cambria Math"/>
+                        </a:rPr>
+                        <m:t>𝑡</m:t>
+                      </m:r>
+                      <m:r>
+                        <a:rPr lang="en-US" i="1">
+                          <a:latin typeface="Cambria Math"/>
+                        </a:rPr>
+                        <m:t>)</m:t>
+                      </m:r>
+                    </m:oMath>
+                  </m:oMathPara>
+                </a14:m>
+                <a:endParaRPr lang="en-US" dirty="0"/>
+              </a:p>
+            </p:txBody>
+          </p:sp>
+        </mc:Choice>
+        <mc:Fallback>
+          <p:sp>
+            <p:nvSpPr>
+              <p:cNvPr id="17" name="Rectangle 16"/>
+              <p:cNvSpPr>
+                <a:spLocks noRot="1" noChangeAspect="1" noMove="1" noResize="1" noEditPoints="1" noAdjustHandles="1" noChangeArrowheads="1" noChangeShapeType="1" noTextEdit="1"/>
+              </p:cNvSpPr>
+              <p:nvPr/>
+            </p:nvSpPr>
+            <p:spPr>
+              <a:xfrm>
+                <a:off x="2451692" y="4156444"/>
+                <a:ext cx="953386" cy="914400"/>
+              </a:xfrm>
+              <a:prstGeom prst="rect">
+                <a:avLst/>
+              </a:prstGeom>
+              <a:blipFill rotWithShape="1">
+                <a:blip r:embed="rId5"/>
+                <a:stretch>
+                  <a:fillRect/>
+                </a:stretch>
+              </a:blipFill>
+            </p:spPr>
+            <p:txBody>
+              <a:bodyPr/>
+              <a:lstStyle/>
+              <a:p>
+                <a:r>
+                  <a:rPr lang="en-US">
+                    <a:noFill/>
+                  </a:rPr>
+                  <a:t> </a:t>
+                </a:r>
+              </a:p>
+            </p:txBody>
+          </p:sp>
+        </mc:Fallback>
+      </mc:AlternateContent>
+      <mc:AlternateContent xmlns:mc="http://schemas.openxmlformats.org/markup-compatibility/2006">
+        <mc:Choice xmlns:a14="http://schemas.microsoft.com/office/drawing/2010/main" Requires="a14">
+          <p:sp>
+            <p:nvSpPr>
+              <p:cNvPr id="18" name="Rectangle 17"/>
+              <p:cNvSpPr/>
+              <p:nvPr/>
+            </p:nvSpPr>
+            <p:spPr>
+              <a:xfrm>
+                <a:off x="3518492" y="4156444"/>
+                <a:ext cx="953386" cy="914400"/>
+              </a:xfrm>
+              <a:prstGeom prst="rect">
+                <a:avLst/>
+              </a:prstGeom>
+            </p:spPr>
+            <p:style>
+              <a:lnRef idx="2">
+                <a:schemeClr val="accent6">
+                  <a:shade val="50000"/>
+                </a:schemeClr>
+              </a:lnRef>
+              <a:fillRef idx="1">
+                <a:schemeClr val="accent6"/>
+              </a:fillRef>
+              <a:effectRef idx="0">
+                <a:schemeClr val="accent6"/>
+              </a:effectRef>
+              <a:fontRef idx="minor">
+                <a:schemeClr val="lt1"/>
+              </a:fontRef>
+            </p:style>
+            <p:txBody>
+              <a:bodyPr rtlCol="0" anchor="ctr"/>
+              <a:lstStyle/>
+              <a:p>
+                <a:pPr algn="ctr"/>
+                <a14:m>
+                  <m:oMathPara xmlns:m="http://schemas.openxmlformats.org/officeDocument/2006/math">
+                    <m:oMathParaPr>
+                      <m:jc m:val="centerGroup"/>
+                    </m:oMathParaPr>
+                    <m:oMath xmlns:m="http://schemas.openxmlformats.org/officeDocument/2006/math">
+                      <m:sSub>
+                        <m:sSubPr>
+                          <m:ctrlPr>
+                            <a:rPr lang="en-US" i="1" smtClean="0">
+                              <a:latin typeface="Cambria Math"/>
+                            </a:rPr>
+                          </m:ctrlPr>
+                        </m:sSubPr>
+                        <m:e>
+                          <m:r>
+                            <a:rPr lang="en-US" i="1">
+                              <a:latin typeface="Cambria Math"/>
+                            </a:rPr>
+                            <m:t>𝐿</m:t>
+                          </m:r>
+                        </m:e>
+                        <m:sub>
+                          <m:r>
+                            <a:rPr lang="en-US" b="0" i="1" smtClean="0">
+                              <a:latin typeface="Cambria Math"/>
+                            </a:rPr>
+                            <m:t>𝐷</m:t>
+                          </m:r>
+                        </m:sub>
+                      </m:sSub>
+                      <m:r>
+                        <a:rPr lang="en-US" i="1">
+                          <a:latin typeface="Cambria Math"/>
+                        </a:rPr>
+                        <m:t>(</m:t>
+                      </m:r>
+                      <m:r>
+                        <a:rPr lang="en-US" i="1">
+                          <a:latin typeface="Cambria Math"/>
+                        </a:rPr>
+                        <m:t>𝑡</m:t>
+                      </m:r>
+                      <m:r>
+                        <a:rPr lang="en-US" i="1">
+                          <a:latin typeface="Cambria Math"/>
+                        </a:rPr>
+                        <m:t>)</m:t>
+                      </m:r>
+                    </m:oMath>
+                  </m:oMathPara>
+                </a14:m>
+                <a:endParaRPr lang="en-US" dirty="0"/>
+              </a:p>
+            </p:txBody>
+          </p:sp>
+        </mc:Choice>
+        <mc:Fallback>
+          <p:sp>
+            <p:nvSpPr>
+              <p:cNvPr id="18" name="Rectangle 17"/>
+              <p:cNvSpPr>
+                <a:spLocks noRot="1" noChangeAspect="1" noMove="1" noResize="1" noEditPoints="1" noAdjustHandles="1" noChangeArrowheads="1" noChangeShapeType="1" noTextEdit="1"/>
+              </p:cNvSpPr>
+              <p:nvPr/>
+            </p:nvSpPr>
+            <p:spPr>
+              <a:xfrm>
+                <a:off x="3518492" y="4156444"/>
+                <a:ext cx="953386" cy="914400"/>
+              </a:xfrm>
+              <a:prstGeom prst="rect">
+                <a:avLst/>
+              </a:prstGeom>
+              <a:blipFill rotWithShape="1">
+                <a:blip r:embed="rId6"/>
+                <a:stretch>
+                  <a:fillRect/>
+                </a:stretch>
+              </a:blipFill>
+            </p:spPr>
+            <p:txBody>
+              <a:bodyPr/>
+              <a:lstStyle/>
+              <a:p>
+                <a:r>
+                  <a:rPr lang="en-US">
+                    <a:noFill/>
+                  </a:rPr>
+                  <a:t> </a:t>
+                </a:r>
+              </a:p>
+            </p:txBody>
+          </p:sp>
+        </mc:Fallback>
+      </mc:AlternateContent>
+      <mc:AlternateContent xmlns:mc="http://schemas.openxmlformats.org/markup-compatibility/2006">
+        <mc:Choice xmlns:a14="http://schemas.microsoft.com/office/drawing/2010/main" Requires="a14">
+          <p:sp>
+            <p:nvSpPr>
+              <p:cNvPr id="19" name="Rectangle 18"/>
+              <p:cNvSpPr/>
+              <p:nvPr/>
+            </p:nvSpPr>
+            <p:spPr>
+              <a:xfrm>
+                <a:off x="4603899" y="4156444"/>
+                <a:ext cx="953386" cy="914400"/>
+              </a:xfrm>
+              <a:prstGeom prst="rect">
+                <a:avLst/>
+              </a:prstGeom>
+            </p:spPr>
+            <p:style>
+              <a:lnRef idx="2">
+                <a:schemeClr val="accent6">
+                  <a:shade val="50000"/>
+                </a:schemeClr>
+              </a:lnRef>
+              <a:fillRef idx="1">
+                <a:schemeClr val="accent6"/>
+              </a:fillRef>
+              <a:effectRef idx="0">
+                <a:schemeClr val="accent6"/>
+              </a:effectRef>
+              <a:fontRef idx="minor">
+                <a:schemeClr val="lt1"/>
+              </a:fontRef>
+            </p:style>
+            <p:txBody>
+              <a:bodyPr rtlCol="0" anchor="ctr"/>
+              <a:lstStyle/>
+              <a:p>
+                <a:pPr algn="ctr"/>
+                <a14:m>
+                  <m:oMathPara xmlns:m="http://schemas.openxmlformats.org/officeDocument/2006/math">
+                    <m:oMathParaPr>
+                      <m:jc m:val="centerGroup"/>
+                    </m:oMathParaPr>
+                    <m:oMath xmlns:m="http://schemas.openxmlformats.org/officeDocument/2006/math">
+                      <m:sSub>
+                        <m:sSubPr>
+                          <m:ctrlPr>
+                            <a:rPr lang="en-US" i="1" smtClean="0">
+                              <a:latin typeface="Cambria Math"/>
+                            </a:rPr>
+                          </m:ctrlPr>
+                        </m:sSubPr>
+                        <m:e>
+                          <m:r>
+                            <a:rPr lang="en-US" i="1">
+                              <a:latin typeface="Cambria Math"/>
+                            </a:rPr>
+                            <m:t>𝐿</m:t>
+                          </m:r>
+                        </m:e>
+                        <m:sub>
+                          <m:r>
+                            <a:rPr lang="en-US" b="0" i="1" smtClean="0">
+                              <a:latin typeface="Cambria Math"/>
+                            </a:rPr>
+                            <m:t>𝐹</m:t>
+                          </m:r>
+                        </m:sub>
+                      </m:sSub>
+                      <m:r>
+                        <a:rPr lang="en-US" i="1">
+                          <a:latin typeface="Cambria Math"/>
+                        </a:rPr>
+                        <m:t>(</m:t>
+                      </m:r>
+                      <m:r>
+                        <a:rPr lang="en-US" i="1">
+                          <a:latin typeface="Cambria Math"/>
+                        </a:rPr>
+                        <m:t>𝑡</m:t>
+                      </m:r>
+                      <m:r>
+                        <a:rPr lang="en-US" i="1">
+                          <a:latin typeface="Cambria Math"/>
+                        </a:rPr>
+                        <m:t>)</m:t>
+                      </m:r>
+                    </m:oMath>
+                  </m:oMathPara>
+                </a14:m>
+                <a:endParaRPr lang="en-US" dirty="0"/>
+              </a:p>
+            </p:txBody>
+          </p:sp>
+        </mc:Choice>
+        <mc:Fallback>
+          <p:sp>
+            <p:nvSpPr>
+              <p:cNvPr id="19" name="Rectangle 18"/>
+              <p:cNvSpPr>
+                <a:spLocks noRot="1" noChangeAspect="1" noMove="1" noResize="1" noEditPoints="1" noAdjustHandles="1" noChangeArrowheads="1" noChangeShapeType="1" noTextEdit="1"/>
+              </p:cNvSpPr>
+              <p:nvPr/>
+            </p:nvSpPr>
+            <p:spPr>
+              <a:xfrm>
+                <a:off x="4603899" y="4156444"/>
+                <a:ext cx="953386" cy="914400"/>
+              </a:xfrm>
+              <a:prstGeom prst="rect">
+                <a:avLst/>
+              </a:prstGeom>
+              <a:blipFill rotWithShape="1">
+                <a:blip r:embed="rId7"/>
+                <a:stretch>
+                  <a:fillRect/>
+                </a:stretch>
+              </a:blipFill>
+            </p:spPr>
+            <p:txBody>
+              <a:bodyPr/>
+              <a:lstStyle/>
+              <a:p>
+                <a:r>
+                  <a:rPr lang="en-US">
+                    <a:noFill/>
+                  </a:rPr>
+                  <a:t> </a:t>
+                </a:r>
+              </a:p>
+            </p:txBody>
+          </p:sp>
+        </mc:Fallback>
+      </mc:AlternateContent>
+      <mc:AlternateContent xmlns:mc="http://schemas.openxmlformats.org/markup-compatibility/2006">
+        <mc:Choice xmlns:a14="http://schemas.microsoft.com/office/drawing/2010/main" Requires="a14">
+          <p:sp>
+            <p:nvSpPr>
+              <p:cNvPr id="20" name="Rectangle 19"/>
+              <p:cNvSpPr/>
+              <p:nvPr/>
+            </p:nvSpPr>
+            <p:spPr>
+              <a:xfrm>
+                <a:off x="5652092" y="4156444"/>
+                <a:ext cx="953386" cy="914400"/>
+              </a:xfrm>
+              <a:prstGeom prst="rect">
+                <a:avLst/>
+              </a:prstGeom>
+            </p:spPr>
+            <p:style>
+              <a:lnRef idx="2">
+                <a:schemeClr val="accent6">
+                  <a:shade val="50000"/>
+                </a:schemeClr>
+              </a:lnRef>
+              <a:fillRef idx="1">
+                <a:schemeClr val="accent6"/>
+              </a:fillRef>
+              <a:effectRef idx="0">
+                <a:schemeClr val="accent6"/>
+              </a:effectRef>
+              <a:fontRef idx="minor">
+                <a:schemeClr val="lt1"/>
+              </a:fontRef>
+            </p:style>
+            <p:txBody>
+              <a:bodyPr rtlCol="0" anchor="ctr"/>
+              <a:lstStyle/>
+              <a:p>
+                <a:pPr algn="ctr"/>
+                <a14:m>
+                  <m:oMathPara xmlns:m="http://schemas.openxmlformats.org/officeDocument/2006/math">
+                    <m:oMathParaPr>
+                      <m:jc m:val="centerGroup"/>
+                    </m:oMathParaPr>
+                    <m:oMath xmlns:m="http://schemas.openxmlformats.org/officeDocument/2006/math">
+                      <m:sSub>
+                        <m:sSubPr>
+                          <m:ctrlPr>
+                            <a:rPr lang="en-US" i="1" smtClean="0">
+                              <a:latin typeface="Cambria Math"/>
+                            </a:rPr>
+                          </m:ctrlPr>
+                        </m:sSubPr>
+                        <m:e>
+                          <m:r>
+                            <a:rPr lang="en-US" i="1">
+                              <a:latin typeface="Cambria Math"/>
+                            </a:rPr>
+                            <m:t>𝐿</m:t>
+                          </m:r>
+                        </m:e>
+                        <m:sub>
+                          <m:r>
+                            <a:rPr lang="en-US" b="0" i="1" smtClean="0">
+                              <a:latin typeface="Cambria Math"/>
+                            </a:rPr>
+                            <m:t>𝐴</m:t>
+                          </m:r>
+                        </m:sub>
+                      </m:sSub>
+                      <m:r>
+                        <a:rPr lang="en-US" i="1">
+                          <a:latin typeface="Cambria Math"/>
+                        </a:rPr>
+                        <m:t>(</m:t>
+                      </m:r>
+                      <m:r>
+                        <a:rPr lang="en-US" i="1">
+                          <a:latin typeface="Cambria Math"/>
+                        </a:rPr>
+                        <m:t>𝑡</m:t>
+                      </m:r>
+                      <m:r>
+                        <a:rPr lang="en-US" i="1">
+                          <a:latin typeface="Cambria Math"/>
+                        </a:rPr>
+                        <m:t>)</m:t>
+                      </m:r>
+                    </m:oMath>
+                  </m:oMathPara>
+                </a14:m>
+                <a:endParaRPr lang="en-US" dirty="0"/>
+              </a:p>
+            </p:txBody>
+          </p:sp>
+        </mc:Choice>
+        <mc:Fallback>
+          <p:sp>
+            <p:nvSpPr>
+              <p:cNvPr id="20" name="Rectangle 19"/>
+              <p:cNvSpPr>
+                <a:spLocks noRot="1" noChangeAspect="1" noMove="1" noResize="1" noEditPoints="1" noAdjustHandles="1" noChangeArrowheads="1" noChangeShapeType="1" noTextEdit="1"/>
+              </p:cNvSpPr>
+              <p:nvPr/>
+            </p:nvSpPr>
+            <p:spPr>
+              <a:xfrm>
+                <a:off x="5652092" y="4156444"/>
+                <a:ext cx="953386" cy="914400"/>
+              </a:xfrm>
+              <a:prstGeom prst="rect">
+                <a:avLst/>
+              </a:prstGeom>
+              <a:blipFill rotWithShape="1">
+                <a:blip r:embed="rId8"/>
+                <a:stretch>
+                  <a:fillRect/>
+                </a:stretch>
+              </a:blipFill>
+            </p:spPr>
+            <p:txBody>
+              <a:bodyPr/>
+              <a:lstStyle/>
+              <a:p>
+                <a:r>
+                  <a:rPr lang="en-US">
+                    <a:noFill/>
+                  </a:rPr>
+                  <a:t> </a:t>
+                </a:r>
+              </a:p>
+            </p:txBody>
+          </p:sp>
+        </mc:Fallback>
+      </mc:AlternateContent>
+      <mc:AlternateContent xmlns:mc="http://schemas.openxmlformats.org/markup-compatibility/2006">
+        <mc:Choice xmlns:a14="http://schemas.microsoft.com/office/drawing/2010/main" Requires="a14">
+          <p:sp>
+            <p:nvSpPr>
+              <p:cNvPr id="21" name="Oval 20"/>
+              <p:cNvSpPr/>
+              <p:nvPr/>
+            </p:nvSpPr>
+            <p:spPr>
+              <a:xfrm>
+                <a:off x="3390900" y="838200"/>
+                <a:ext cx="1219200" cy="1143000"/>
+              </a:xfrm>
+              <a:prstGeom prst="ellipse">
+                <a:avLst/>
+              </a:prstGeom>
+            </p:spPr>
+            <p:style>
+              <a:lnRef idx="2">
+                <a:schemeClr val="accent4">
+                  <a:shade val="50000"/>
+                </a:schemeClr>
+              </a:lnRef>
+              <a:fillRef idx="1">
+                <a:schemeClr val="accent4"/>
+              </a:fillRef>
+              <a:effectRef idx="0">
+                <a:schemeClr val="accent4"/>
+              </a:effectRef>
+              <a:fontRef idx="minor">
+                <a:schemeClr val="lt1"/>
+              </a:fontRef>
+            </p:style>
+            <p:txBody>
+              <a:bodyPr rtlCol="0" anchor="ctr"/>
+              <a:lstStyle/>
+              <a:p>
+                <a:pPr algn="ctr"/>
+                <a14:m>
+                  <m:oMathPara xmlns:m="http://schemas.openxmlformats.org/officeDocument/2006/math">
+                    <m:oMathParaPr>
+                      <m:jc m:val="centerGroup"/>
+                    </m:oMathParaPr>
+                    <m:oMath xmlns:m="http://schemas.openxmlformats.org/officeDocument/2006/math">
+                      <m:r>
+                        <a:rPr lang="en-US" b="0" i="1" smtClean="0">
+                          <a:latin typeface="Cambria Math"/>
+                        </a:rPr>
+                        <m:t>𝐻</m:t>
+                      </m:r>
+                      <m:r>
+                        <a:rPr lang="en-US" b="0" i="1" smtClean="0">
+                          <a:latin typeface="Cambria Math"/>
+                        </a:rPr>
+                        <m:t>(</m:t>
+                      </m:r>
+                      <m:r>
+                        <a:rPr lang="en-US" b="0" i="1" smtClean="0">
+                          <a:latin typeface="Cambria Math"/>
+                        </a:rPr>
+                        <m:t>𝑡</m:t>
+                      </m:r>
+                      <m:r>
+                        <a:rPr lang="en-US" b="0" i="1" smtClean="0">
+                          <a:latin typeface="Cambria Math"/>
+                        </a:rPr>
+                        <m:t>)</m:t>
+                      </m:r>
+                    </m:oMath>
+                  </m:oMathPara>
+                </a14:m>
+                <a:endParaRPr lang="en-US" dirty="0"/>
+              </a:p>
+            </p:txBody>
+          </p:sp>
+        </mc:Choice>
+        <mc:Fallback>
+          <p:sp>
+            <p:nvSpPr>
+              <p:cNvPr id="21" name="Oval 20"/>
+              <p:cNvSpPr>
+                <a:spLocks noRot="1" noChangeAspect="1" noMove="1" noResize="1" noEditPoints="1" noAdjustHandles="1" noChangeArrowheads="1" noChangeShapeType="1" noTextEdit="1"/>
+              </p:cNvSpPr>
+              <p:nvPr/>
+            </p:nvSpPr>
+            <p:spPr>
+              <a:xfrm>
+                <a:off x="3390900" y="838200"/>
+                <a:ext cx="1219200" cy="1143000"/>
+              </a:xfrm>
+              <a:prstGeom prst="ellipse">
+                <a:avLst/>
+              </a:prstGeom>
+              <a:blipFill rotWithShape="1">
+                <a:blip r:embed="rId9"/>
+                <a:stretch>
+                  <a:fillRect/>
+                </a:stretch>
+              </a:blipFill>
+            </p:spPr>
+            <p:txBody>
+              <a:bodyPr/>
+              <a:lstStyle/>
+              <a:p>
+                <a:r>
+                  <a:rPr lang="en-US">
+                    <a:noFill/>
+                  </a:rPr>
+                  <a:t> </a:t>
+                </a:r>
+              </a:p>
+            </p:txBody>
+          </p:sp>
+        </mc:Fallback>
+      </mc:AlternateContent>
+      <p:cxnSp>
+        <p:nvCxnSpPr>
+          <p:cNvPr id="23" name="Straight Arrow Connector 22"/>
+          <p:cNvCxnSpPr>
+            <a:stCxn id="21" idx="4"/>
+            <a:endCxn id="4" idx="0"/>
+          </p:cNvCxnSpPr>
+          <p:nvPr/>
+        </p:nvCxnSpPr>
+        <p:spPr>
+          <a:xfrm flipH="1">
+            <a:off x="800100" y="1981200"/>
+            <a:ext cx="3200400" cy="954272"/>
+          </a:xfrm>
+          <a:prstGeom prst="straightConnector1">
+            <a:avLst/>
+          </a:prstGeom>
+          <a:ln w="31750">
+            <a:solidFill>
+              <a:schemeClr val="tx1">
+                <a:lumMod val="50000"/>
+                <a:lumOff val="50000"/>
+              </a:schemeClr>
+            </a:solidFill>
+            <a:tailEnd type="stealth"/>
+          </a:ln>
+        </p:spPr>
+        <p:style>
+          <a:lnRef idx="1">
+            <a:schemeClr val="accent1"/>
+          </a:lnRef>
+          <a:fillRef idx="0">
+            <a:schemeClr val="accent1"/>
+          </a:fillRef>
+          <a:effectRef idx="0">
+            <a:schemeClr val="accent1"/>
+          </a:effectRef>
+          <a:fontRef idx="minor">
+            <a:schemeClr val="tx1"/>
+          </a:fontRef>
+        </p:style>
+      </p:cxnSp>
+      <p:cxnSp>
+        <p:nvCxnSpPr>
+          <p:cNvPr id="26" name="Straight Arrow Connector 25"/>
+          <p:cNvCxnSpPr>
+            <a:stCxn id="21" idx="4"/>
+            <a:endCxn id="5" idx="0"/>
+          </p:cNvCxnSpPr>
+          <p:nvPr/>
+        </p:nvCxnSpPr>
+        <p:spPr>
+          <a:xfrm flipH="1">
+            <a:off x="1866900" y="1981200"/>
+            <a:ext cx="2133600" cy="954272"/>
+          </a:xfrm>
+          <a:prstGeom prst="straightConnector1">
+            <a:avLst/>
+          </a:prstGeom>
+          <a:ln w="31750">
+            <a:solidFill>
+              <a:schemeClr val="tx1">
+                <a:lumMod val="50000"/>
+                <a:lumOff val="50000"/>
+              </a:schemeClr>
+            </a:solidFill>
+            <a:tailEnd type="stealth"/>
+          </a:ln>
+        </p:spPr>
+        <p:style>
+          <a:lnRef idx="1">
+            <a:schemeClr val="accent1"/>
+          </a:lnRef>
+          <a:fillRef idx="0">
+            <a:schemeClr val="accent1"/>
+          </a:fillRef>
+          <a:effectRef idx="0">
+            <a:schemeClr val="accent1"/>
+          </a:effectRef>
+          <a:fontRef idx="minor">
+            <a:schemeClr val="tx1"/>
+          </a:fontRef>
+        </p:style>
+      </p:cxnSp>
+      <p:cxnSp>
+        <p:nvCxnSpPr>
+          <p:cNvPr id="28" name="Straight Arrow Connector 27"/>
+          <p:cNvCxnSpPr>
+            <a:stCxn id="21" idx="4"/>
+            <a:endCxn id="6" idx="0"/>
+          </p:cNvCxnSpPr>
+          <p:nvPr/>
+        </p:nvCxnSpPr>
+        <p:spPr>
+          <a:xfrm flipH="1">
+            <a:off x="2933700" y="1981200"/>
+            <a:ext cx="1066800" cy="954272"/>
+          </a:xfrm>
+          <a:prstGeom prst="straightConnector1">
+            <a:avLst/>
+          </a:prstGeom>
+          <a:ln w="31750">
+            <a:solidFill>
+              <a:schemeClr val="tx1">
+                <a:lumMod val="50000"/>
+                <a:lumOff val="50000"/>
+              </a:schemeClr>
+            </a:solidFill>
+            <a:tailEnd type="stealth"/>
+          </a:ln>
+        </p:spPr>
+        <p:style>
+          <a:lnRef idx="1">
+            <a:schemeClr val="accent1"/>
+          </a:lnRef>
+          <a:fillRef idx="0">
+            <a:schemeClr val="accent1"/>
+          </a:fillRef>
+          <a:effectRef idx="0">
+            <a:schemeClr val="accent1"/>
+          </a:effectRef>
+          <a:fontRef idx="minor">
+            <a:schemeClr val="tx1"/>
+          </a:fontRef>
+        </p:style>
+      </p:cxnSp>
+      <p:cxnSp>
+        <p:nvCxnSpPr>
+          <p:cNvPr id="30" name="Straight Arrow Connector 29"/>
+          <p:cNvCxnSpPr>
+            <a:stCxn id="21" idx="4"/>
+            <a:endCxn id="7" idx="0"/>
+          </p:cNvCxnSpPr>
+          <p:nvPr/>
+        </p:nvCxnSpPr>
+        <p:spPr>
+          <a:xfrm>
+            <a:off x="4000500" y="1981200"/>
+            <a:ext cx="0" cy="954272"/>
+          </a:xfrm>
+          <a:prstGeom prst="straightConnector1">
+            <a:avLst/>
+          </a:prstGeom>
+          <a:ln w="31750">
+            <a:solidFill>
+              <a:schemeClr val="tx1">
+                <a:lumMod val="50000"/>
+                <a:lumOff val="50000"/>
+              </a:schemeClr>
+            </a:solidFill>
+            <a:tailEnd type="stealth"/>
+          </a:ln>
+        </p:spPr>
+        <p:style>
+          <a:lnRef idx="1">
+            <a:schemeClr val="accent1"/>
+          </a:lnRef>
+          <a:fillRef idx="0">
+            <a:schemeClr val="accent1"/>
+          </a:fillRef>
+          <a:effectRef idx="0">
+            <a:schemeClr val="accent1"/>
+          </a:effectRef>
+          <a:fontRef idx="minor">
+            <a:schemeClr val="tx1"/>
+          </a:fontRef>
+        </p:style>
+      </p:cxnSp>
+      <p:cxnSp>
+        <p:nvCxnSpPr>
+          <p:cNvPr id="32" name="Straight Arrow Connector 31"/>
+          <p:cNvCxnSpPr>
+            <a:stCxn id="21" idx="4"/>
+            <a:endCxn id="8" idx="0"/>
+          </p:cNvCxnSpPr>
+          <p:nvPr/>
+        </p:nvCxnSpPr>
+        <p:spPr>
+          <a:xfrm>
+            <a:off x="4000500" y="1981200"/>
+            <a:ext cx="1066800" cy="954272"/>
+          </a:xfrm>
+          <a:prstGeom prst="straightConnector1">
+            <a:avLst/>
+          </a:prstGeom>
+          <a:ln w="31750">
+            <a:solidFill>
+              <a:schemeClr val="tx1">
+                <a:lumMod val="50000"/>
+                <a:lumOff val="50000"/>
+              </a:schemeClr>
+            </a:solidFill>
+            <a:tailEnd type="stealth"/>
+          </a:ln>
+        </p:spPr>
+        <p:style>
+          <a:lnRef idx="1">
+            <a:schemeClr val="accent1"/>
+          </a:lnRef>
+          <a:fillRef idx="0">
+            <a:schemeClr val="accent1"/>
+          </a:fillRef>
+          <a:effectRef idx="0">
+            <a:schemeClr val="accent1"/>
+          </a:effectRef>
+          <a:fontRef idx="minor">
+            <a:schemeClr val="tx1"/>
+          </a:fontRef>
+        </p:style>
+      </p:cxnSp>
+      <p:cxnSp>
+        <p:nvCxnSpPr>
+          <p:cNvPr id="34" name="Straight Arrow Connector 33"/>
+          <p:cNvCxnSpPr>
+            <a:stCxn id="21" idx="4"/>
+            <a:endCxn id="9" idx="0"/>
+          </p:cNvCxnSpPr>
+          <p:nvPr/>
+        </p:nvCxnSpPr>
+        <p:spPr>
+          <a:xfrm>
+            <a:off x="4000500" y="1981200"/>
+            <a:ext cx="2133600" cy="954272"/>
+          </a:xfrm>
+          <a:prstGeom prst="straightConnector1">
+            <a:avLst/>
+          </a:prstGeom>
+          <a:ln w="31750">
+            <a:solidFill>
+              <a:schemeClr val="tx1">
+                <a:lumMod val="50000"/>
+                <a:lumOff val="50000"/>
+              </a:schemeClr>
+            </a:solidFill>
+            <a:tailEnd type="stealth"/>
+          </a:ln>
+        </p:spPr>
+        <p:style>
+          <a:lnRef idx="1">
+            <a:schemeClr val="accent1"/>
+          </a:lnRef>
+          <a:fillRef idx="0">
+            <a:schemeClr val="accent1"/>
+          </a:fillRef>
+          <a:effectRef idx="0">
+            <a:schemeClr val="accent1"/>
+          </a:effectRef>
+          <a:fontRef idx="minor">
+            <a:schemeClr val="tx1"/>
+          </a:fontRef>
+        </p:style>
+      </p:cxnSp>
+      <p:cxnSp>
+        <p:nvCxnSpPr>
+          <p:cNvPr id="46" name="Straight Arrow Connector 45"/>
+          <p:cNvCxnSpPr>
+            <a:stCxn id="15" idx="0"/>
+            <a:endCxn id="4" idx="2"/>
+          </p:cNvCxnSpPr>
+          <p:nvPr/>
+        </p:nvCxnSpPr>
+        <p:spPr>
+          <a:xfrm flipV="1">
+            <a:off x="800100" y="3468872"/>
+            <a:ext cx="0" cy="687572"/>
+          </a:xfrm>
+          <a:prstGeom prst="straightConnector1">
+            <a:avLst/>
+          </a:prstGeom>
+          <a:ln w="31750">
+            <a:solidFill>
+              <a:schemeClr val="tx1">
+                <a:lumMod val="50000"/>
+                <a:lumOff val="50000"/>
+              </a:schemeClr>
+            </a:solidFill>
+            <a:tailEnd type="stealth"/>
+          </a:ln>
+        </p:spPr>
+        <p:style>
+          <a:lnRef idx="1">
+            <a:schemeClr val="accent1"/>
+          </a:lnRef>
+          <a:fillRef idx="0">
+            <a:schemeClr val="accent1"/>
+          </a:fillRef>
+          <a:effectRef idx="0">
+            <a:schemeClr val="accent1"/>
+          </a:effectRef>
+          <a:fontRef idx="minor">
+            <a:schemeClr val="tx1"/>
+          </a:fontRef>
+        </p:style>
+      </p:cxnSp>
+      <p:cxnSp>
+        <p:nvCxnSpPr>
+          <p:cNvPr id="50" name="Straight Arrow Connector 49"/>
+          <p:cNvCxnSpPr>
+            <a:stCxn id="16" idx="0"/>
+            <a:endCxn id="5" idx="2"/>
+          </p:cNvCxnSpPr>
+          <p:nvPr/>
+        </p:nvCxnSpPr>
+        <p:spPr>
+          <a:xfrm flipH="1" flipV="1">
+            <a:off x="1866900" y="3468872"/>
+            <a:ext cx="5315" cy="687572"/>
+          </a:xfrm>
+          <a:prstGeom prst="straightConnector1">
+            <a:avLst/>
+          </a:prstGeom>
+          <a:ln w="31750">
+            <a:solidFill>
+              <a:schemeClr val="tx1">
+                <a:lumMod val="50000"/>
+                <a:lumOff val="50000"/>
+              </a:schemeClr>
+            </a:solidFill>
+            <a:tailEnd type="stealth"/>
+          </a:ln>
+        </p:spPr>
+        <p:style>
+          <a:lnRef idx="1">
+            <a:schemeClr val="accent1"/>
+          </a:lnRef>
+          <a:fillRef idx="0">
+            <a:schemeClr val="accent1"/>
+          </a:fillRef>
+          <a:effectRef idx="0">
+            <a:schemeClr val="accent1"/>
+          </a:effectRef>
+          <a:fontRef idx="minor">
+            <a:schemeClr val="tx1"/>
+          </a:fontRef>
+        </p:style>
+      </p:cxnSp>
+      <p:cxnSp>
+        <p:nvCxnSpPr>
+          <p:cNvPr id="52" name="Straight Arrow Connector 51"/>
+          <p:cNvCxnSpPr>
+            <a:stCxn id="17" idx="0"/>
+            <a:endCxn id="6" idx="2"/>
+          </p:cNvCxnSpPr>
+          <p:nvPr/>
+        </p:nvCxnSpPr>
+        <p:spPr>
+          <a:xfrm flipV="1">
+            <a:off x="2928385" y="3468872"/>
+            <a:ext cx="5315" cy="687572"/>
+          </a:xfrm>
+          <a:prstGeom prst="straightConnector1">
+            <a:avLst/>
+          </a:prstGeom>
+          <a:ln w="31750">
+            <a:solidFill>
+              <a:schemeClr val="tx1">
+                <a:lumMod val="50000"/>
+                <a:lumOff val="50000"/>
+              </a:schemeClr>
+            </a:solidFill>
+            <a:tailEnd type="stealth"/>
+          </a:ln>
+        </p:spPr>
+        <p:style>
+          <a:lnRef idx="1">
+            <a:schemeClr val="accent1"/>
+          </a:lnRef>
+          <a:fillRef idx="0">
+            <a:schemeClr val="accent1"/>
+          </a:fillRef>
+          <a:effectRef idx="0">
+            <a:schemeClr val="accent1"/>
+          </a:effectRef>
+          <a:fontRef idx="minor">
+            <a:schemeClr val="tx1"/>
+          </a:fontRef>
+        </p:style>
+      </p:cxnSp>
+      <p:cxnSp>
+        <p:nvCxnSpPr>
+          <p:cNvPr id="54" name="Straight Arrow Connector 53"/>
+          <p:cNvCxnSpPr>
+            <a:stCxn id="18" idx="0"/>
+            <a:endCxn id="7" idx="2"/>
+          </p:cNvCxnSpPr>
+          <p:nvPr/>
+        </p:nvCxnSpPr>
+        <p:spPr>
+          <a:xfrm flipV="1">
+            <a:off x="3995185" y="3468872"/>
+            <a:ext cx="5315" cy="687572"/>
+          </a:xfrm>
+          <a:prstGeom prst="straightConnector1">
+            <a:avLst/>
+          </a:prstGeom>
+          <a:ln w="31750">
+            <a:solidFill>
+              <a:schemeClr val="tx1">
+                <a:lumMod val="50000"/>
+                <a:lumOff val="50000"/>
+              </a:schemeClr>
+            </a:solidFill>
+            <a:tailEnd type="stealth"/>
+          </a:ln>
+        </p:spPr>
+        <p:style>
+          <a:lnRef idx="1">
+            <a:schemeClr val="accent1"/>
+          </a:lnRef>
+          <a:fillRef idx="0">
+            <a:schemeClr val="accent1"/>
+          </a:fillRef>
+          <a:effectRef idx="0">
+            <a:schemeClr val="accent1"/>
+          </a:effectRef>
+          <a:fontRef idx="minor">
+            <a:schemeClr val="tx1"/>
+          </a:fontRef>
+        </p:style>
+      </p:cxnSp>
+      <p:cxnSp>
+        <p:nvCxnSpPr>
+          <p:cNvPr id="56" name="Straight Arrow Connector 55"/>
+          <p:cNvCxnSpPr>
+            <a:stCxn id="19" idx="0"/>
+            <a:endCxn id="8" idx="2"/>
+          </p:cNvCxnSpPr>
+          <p:nvPr/>
+        </p:nvCxnSpPr>
+        <p:spPr>
+          <a:xfrm flipH="1" flipV="1">
+            <a:off x="5067300" y="3468872"/>
+            <a:ext cx="13292" cy="687572"/>
+          </a:xfrm>
+          <a:prstGeom prst="straightConnector1">
+            <a:avLst/>
+          </a:prstGeom>
+          <a:ln w="31750">
+            <a:solidFill>
+              <a:schemeClr val="tx1">
+                <a:lumMod val="50000"/>
+                <a:lumOff val="50000"/>
+              </a:schemeClr>
+            </a:solidFill>
+            <a:tailEnd type="stealth"/>
+          </a:ln>
+        </p:spPr>
+        <p:style>
+          <a:lnRef idx="1">
+            <a:schemeClr val="accent1"/>
+          </a:lnRef>
+          <a:fillRef idx="0">
+            <a:schemeClr val="accent1"/>
+          </a:fillRef>
+          <a:effectRef idx="0">
+            <a:schemeClr val="accent1"/>
+          </a:effectRef>
+          <a:fontRef idx="minor">
+            <a:schemeClr val="tx1"/>
+          </a:fontRef>
+        </p:style>
+      </p:cxnSp>
+      <p:cxnSp>
+        <p:nvCxnSpPr>
+          <p:cNvPr id="58" name="Straight Arrow Connector 57"/>
+          <p:cNvCxnSpPr>
+            <a:stCxn id="20" idx="0"/>
+            <a:endCxn id="9" idx="2"/>
+          </p:cNvCxnSpPr>
+          <p:nvPr/>
+        </p:nvCxnSpPr>
+        <p:spPr>
+          <a:xfrm flipV="1">
+            <a:off x="6128785" y="3468872"/>
+            <a:ext cx="5315" cy="687572"/>
+          </a:xfrm>
+          <a:prstGeom prst="straightConnector1">
+            <a:avLst/>
+          </a:prstGeom>
+          <a:ln w="31750">
+            <a:solidFill>
+              <a:schemeClr val="tx1">
+                <a:lumMod val="50000"/>
+                <a:lumOff val="50000"/>
+              </a:schemeClr>
+            </a:solidFill>
+            <a:tailEnd type="stealth"/>
+          </a:ln>
+        </p:spPr>
+        <p:style>
+          <a:lnRef idx="1">
+            <a:schemeClr val="accent1"/>
+          </a:lnRef>
+          <a:fillRef idx="0">
+            <a:schemeClr val="accent1"/>
+          </a:fillRef>
+          <a:effectRef idx="0">
+            <a:schemeClr val="accent1"/>
+          </a:effectRef>
+          <a:fontRef idx="minor">
+            <a:schemeClr val="tx1"/>
+          </a:fontRef>
+        </p:style>
+      </p:cxnSp>
+      <p:cxnSp>
+        <p:nvCxnSpPr>
+          <p:cNvPr id="60" name="Straight Arrow Connector 59"/>
+          <p:cNvCxnSpPr>
+            <a:stCxn id="14" idx="1"/>
+            <a:endCxn id="15" idx="2"/>
+          </p:cNvCxnSpPr>
+          <p:nvPr/>
+        </p:nvCxnSpPr>
+        <p:spPr>
+          <a:xfrm flipH="1" flipV="1">
+            <a:off x="800100" y="5070844"/>
+            <a:ext cx="2475732" cy="741739"/>
+          </a:xfrm>
+          <a:prstGeom prst="straightConnector1">
+            <a:avLst/>
+          </a:prstGeom>
+          <a:ln w="31750">
+            <a:solidFill>
+              <a:schemeClr val="tx1">
+                <a:lumMod val="50000"/>
+                <a:lumOff val="50000"/>
+              </a:schemeClr>
+            </a:solidFill>
+            <a:tailEnd type="stealth"/>
+          </a:ln>
+        </p:spPr>
+        <p:style>
+          <a:lnRef idx="1">
+            <a:schemeClr val="accent1"/>
+          </a:lnRef>
+          <a:fillRef idx="0">
+            <a:schemeClr val="accent1"/>
+          </a:fillRef>
+          <a:effectRef idx="0">
+            <a:schemeClr val="accent1"/>
+          </a:effectRef>
+          <a:fontRef idx="minor">
+            <a:schemeClr val="tx1"/>
+          </a:fontRef>
+        </p:style>
+      </p:cxnSp>
+      <p:cxnSp>
+        <p:nvCxnSpPr>
+          <p:cNvPr id="65" name="Straight Arrow Connector 64"/>
+          <p:cNvCxnSpPr>
+            <a:stCxn id="14" idx="0"/>
+            <a:endCxn id="17" idx="2"/>
+          </p:cNvCxnSpPr>
+          <p:nvPr/>
+        </p:nvCxnSpPr>
+        <p:spPr>
+          <a:xfrm flipH="1" flipV="1">
+            <a:off x="2928385" y="5070844"/>
+            <a:ext cx="670736" cy="607828"/>
+          </a:xfrm>
+          <a:prstGeom prst="straightConnector1">
+            <a:avLst/>
+          </a:prstGeom>
+          <a:ln w="31750">
+            <a:solidFill>
+              <a:schemeClr val="tx1">
+                <a:lumMod val="50000"/>
+                <a:lumOff val="50000"/>
+              </a:schemeClr>
+            </a:solidFill>
+            <a:tailEnd type="stealth"/>
+          </a:ln>
+        </p:spPr>
+        <p:style>
+          <a:lnRef idx="1">
+            <a:schemeClr val="accent1"/>
+          </a:lnRef>
+          <a:fillRef idx="0">
+            <a:schemeClr val="accent1"/>
+          </a:fillRef>
+          <a:effectRef idx="0">
+            <a:schemeClr val="accent1"/>
+          </a:effectRef>
+          <a:fontRef idx="minor">
+            <a:schemeClr val="tx1"/>
+          </a:fontRef>
+        </p:style>
+      </p:cxnSp>
+      <p:cxnSp>
+        <p:nvCxnSpPr>
+          <p:cNvPr id="67" name="Straight Arrow Connector 66"/>
+          <p:cNvCxnSpPr>
+            <a:stCxn id="14" idx="0"/>
+            <a:endCxn id="18" idx="2"/>
+          </p:cNvCxnSpPr>
+          <p:nvPr/>
+        </p:nvCxnSpPr>
+        <p:spPr>
+          <a:xfrm flipV="1">
+            <a:off x="3599121" y="5070844"/>
+            <a:ext cx="396064" cy="607828"/>
+          </a:xfrm>
+          <a:prstGeom prst="straightConnector1">
+            <a:avLst/>
+          </a:prstGeom>
+          <a:ln w="31750">
+            <a:solidFill>
+              <a:schemeClr val="tx1">
+                <a:lumMod val="50000"/>
+                <a:lumOff val="50000"/>
+              </a:schemeClr>
+            </a:solidFill>
+            <a:tailEnd type="stealth"/>
+          </a:ln>
+        </p:spPr>
+        <p:style>
+          <a:lnRef idx="1">
+            <a:schemeClr val="accent1"/>
+          </a:lnRef>
+          <a:fillRef idx="0">
+            <a:schemeClr val="accent1"/>
+          </a:fillRef>
+          <a:effectRef idx="0">
+            <a:schemeClr val="accent1"/>
+          </a:effectRef>
+          <a:fontRef idx="minor">
+            <a:schemeClr val="tx1"/>
+          </a:fontRef>
+        </p:style>
+      </p:cxnSp>
+      <p:cxnSp>
+        <p:nvCxnSpPr>
+          <p:cNvPr id="69" name="Straight Arrow Connector 68"/>
+          <p:cNvCxnSpPr>
+            <a:stCxn id="14" idx="7"/>
+            <a:endCxn id="19" idx="2"/>
+          </p:cNvCxnSpPr>
+          <p:nvPr/>
+        </p:nvCxnSpPr>
+        <p:spPr>
+          <a:xfrm flipV="1">
+            <a:off x="3922410" y="5070844"/>
+            <a:ext cx="1158182" cy="741739"/>
+          </a:xfrm>
+          <a:prstGeom prst="straightConnector1">
+            <a:avLst/>
+          </a:prstGeom>
+          <a:ln w="31750">
+            <a:solidFill>
+              <a:schemeClr val="tx1">
+                <a:lumMod val="50000"/>
+                <a:lumOff val="50000"/>
+              </a:schemeClr>
+            </a:solidFill>
+            <a:tailEnd type="stealth"/>
+          </a:ln>
+        </p:spPr>
+        <p:style>
+          <a:lnRef idx="1">
+            <a:schemeClr val="accent1"/>
+          </a:lnRef>
+          <a:fillRef idx="0">
+            <a:schemeClr val="accent1"/>
+          </a:fillRef>
+          <a:effectRef idx="0">
+            <a:schemeClr val="accent1"/>
+          </a:effectRef>
+          <a:fontRef idx="minor">
+            <a:schemeClr val="tx1"/>
+          </a:fontRef>
+        </p:style>
+      </p:cxnSp>
+      <p:cxnSp>
+        <p:nvCxnSpPr>
+          <p:cNvPr id="71" name="Straight Arrow Connector 70"/>
+          <p:cNvCxnSpPr>
+            <a:stCxn id="14" idx="7"/>
+            <a:endCxn id="20" idx="2"/>
+          </p:cNvCxnSpPr>
+          <p:nvPr/>
+        </p:nvCxnSpPr>
+        <p:spPr>
+          <a:xfrm flipV="1">
+            <a:off x="3922410" y="5070844"/>
+            <a:ext cx="2206375" cy="741739"/>
+          </a:xfrm>
+          <a:prstGeom prst="straightConnector1">
+            <a:avLst/>
+          </a:prstGeom>
+          <a:ln w="31750">
+            <a:solidFill>
+              <a:schemeClr val="tx1">
+                <a:lumMod val="50000"/>
+                <a:lumOff val="50000"/>
+              </a:schemeClr>
+            </a:solidFill>
+            <a:tailEnd type="stealth"/>
+          </a:ln>
+        </p:spPr>
+        <p:style>
+          <a:lnRef idx="1">
+            <a:schemeClr val="accent1"/>
+          </a:lnRef>
+          <a:fillRef idx="0">
+            <a:schemeClr val="accent1"/>
+          </a:fillRef>
+          <a:effectRef idx="0">
+            <a:schemeClr val="accent1"/>
+          </a:effectRef>
+          <a:fontRef idx="minor">
+            <a:schemeClr val="tx1"/>
+          </a:fontRef>
+        </p:style>
+      </p:cxnSp>
+      <p:cxnSp>
+        <p:nvCxnSpPr>
+          <p:cNvPr id="73" name="Straight Arrow Connector 72"/>
+          <p:cNvCxnSpPr>
+            <a:stCxn id="14" idx="1"/>
+            <a:endCxn id="16" idx="2"/>
+          </p:cNvCxnSpPr>
+          <p:nvPr/>
+        </p:nvCxnSpPr>
+        <p:spPr>
+          <a:xfrm flipH="1" flipV="1">
+            <a:off x="1872215" y="5070844"/>
+            <a:ext cx="1403617" cy="741739"/>
+          </a:xfrm>
+          <a:prstGeom prst="straightConnector1">
+            <a:avLst/>
+          </a:prstGeom>
+          <a:ln w="31750">
+            <a:solidFill>
+              <a:schemeClr val="tx1">
+                <a:lumMod val="50000"/>
+                <a:lumOff val="50000"/>
+              </a:schemeClr>
+            </a:solidFill>
+            <a:tailEnd type="stealth"/>
+          </a:ln>
+        </p:spPr>
+        <p:style>
+          <a:lnRef idx="1">
+            <a:schemeClr val="accent1"/>
+          </a:lnRef>
+          <a:fillRef idx="0">
+            <a:schemeClr val="accent1"/>
+          </a:fillRef>
+          <a:effectRef idx="0">
+            <a:schemeClr val="accent1"/>
+          </a:effectRef>
+          <a:fontRef idx="minor">
+            <a:schemeClr val="tx1"/>
+          </a:fontRef>
+        </p:style>
+      </p:cxnSp>
+      <p:cxnSp>
+        <p:nvCxnSpPr>
+          <p:cNvPr id="75" name="Straight Connector 74"/>
+          <p:cNvCxnSpPr/>
+          <p:nvPr/>
+        </p:nvCxnSpPr>
+        <p:spPr>
+          <a:xfrm>
+            <a:off x="304800" y="5374758"/>
+            <a:ext cx="8534400" cy="0"/>
+          </a:xfrm>
+          <a:prstGeom prst="line">
+            <a:avLst/>
+          </a:prstGeom>
+          <a:ln>
+            <a:solidFill>
+              <a:schemeClr val="tx1"/>
+            </a:solidFill>
+            <a:prstDash val="dash"/>
+          </a:ln>
+        </p:spPr>
+        <p:style>
+          <a:lnRef idx="1">
+            <a:schemeClr val="accent1"/>
+          </a:lnRef>
+          <a:fillRef idx="0">
+            <a:schemeClr val="accent1"/>
+          </a:fillRef>
+          <a:effectRef idx="0">
+            <a:schemeClr val="accent1"/>
+          </a:effectRef>
+          <a:fontRef idx="minor">
+            <a:schemeClr val="tx1"/>
+          </a:fontRef>
+        </p:style>
+      </p:cxnSp>
+      <p:cxnSp>
+        <p:nvCxnSpPr>
+          <p:cNvPr id="77" name="Straight Connector 76"/>
+          <p:cNvCxnSpPr/>
+          <p:nvPr/>
+        </p:nvCxnSpPr>
+        <p:spPr>
+          <a:xfrm>
+            <a:off x="304800" y="3812658"/>
+            <a:ext cx="8534400" cy="0"/>
+          </a:xfrm>
+          <a:prstGeom prst="line">
+            <a:avLst/>
+          </a:prstGeom>
+          <a:ln>
+            <a:solidFill>
+              <a:schemeClr val="tx1"/>
+            </a:solidFill>
+            <a:prstDash val="dash"/>
+          </a:ln>
+        </p:spPr>
+        <p:style>
+          <a:lnRef idx="1">
+            <a:schemeClr val="accent1"/>
+          </a:lnRef>
+          <a:fillRef idx="0">
+            <a:schemeClr val="accent1"/>
+          </a:fillRef>
+          <a:effectRef idx="0">
+            <a:schemeClr val="accent1"/>
+          </a:effectRef>
+          <a:fontRef idx="minor">
+            <a:schemeClr val="tx1"/>
+          </a:fontRef>
+        </p:style>
+      </p:cxnSp>
+      <mc:AlternateContent xmlns:mc="http://schemas.openxmlformats.org/markup-compatibility/2006">
+        <mc:Choice xmlns:a14="http://schemas.microsoft.com/office/drawing/2010/main" Requires="a14">
+          <p:sp>
+            <p:nvSpPr>
+              <p:cNvPr id="78" name="TextBox 77"/>
+              <p:cNvSpPr txBox="1"/>
+              <p:nvPr/>
+            </p:nvSpPr>
+            <p:spPr>
+              <a:xfrm>
+                <a:off x="6605478" y="6019800"/>
+                <a:ext cx="2254463" cy="369332"/>
+              </a:xfrm>
+              <a:prstGeom prst="rect">
+                <a:avLst/>
+              </a:prstGeom>
+              <a:noFill/>
+            </p:spPr>
+            <p:txBody>
+              <a:bodyPr wrap="none" rtlCol="0">
+                <a:spAutoFit/>
+              </a:bodyPr>
+              <a:lstStyle/>
+              <a:p>
+                <a:r>
+                  <a:rPr lang="en-US" b="1" dirty="0" smtClean="0"/>
+                  <a:t>Observation:</a:t>
+                </a:r>
+                <a:r>
+                  <a:rPr lang="en-US" dirty="0" smtClean="0"/>
+                  <a:t> </a:t>
+                </a:r>
+                <a14:m>
+                  <m:oMath xmlns:m="http://schemas.openxmlformats.org/officeDocument/2006/math">
+                    <m:r>
+                      <a:rPr lang="en-US" b="0" i="1" smtClean="0">
+                        <a:latin typeface="Cambria Math"/>
+                      </a:rPr>
+                      <m:t>𝑃</m:t>
+                    </m:r>
+                    <m:r>
+                      <a:rPr lang="en-US" b="0" i="1" smtClean="0">
+                        <a:latin typeface="Cambria Math"/>
+                      </a:rPr>
+                      <m:t>(</m:t>
+                    </m:r>
+                    <m:r>
+                      <a:rPr lang="en-US" b="0" i="1" smtClean="0">
+                        <a:latin typeface="Cambria Math"/>
+                      </a:rPr>
+                      <m:t>𝑋</m:t>
+                    </m:r>
+                    <m:d>
+                      <m:dPr>
+                        <m:ctrlPr>
+                          <a:rPr lang="en-US" b="0" i="1" smtClean="0">
+                            <a:latin typeface="Cambria Math"/>
+                          </a:rPr>
+                        </m:ctrlPr>
+                      </m:dPr>
+                      <m:e>
+                        <m:r>
+                          <a:rPr lang="en-US" b="0" i="1" smtClean="0">
+                            <a:latin typeface="Cambria Math"/>
+                          </a:rPr>
+                          <m:t>𝑡</m:t>
+                        </m:r>
+                      </m:e>
+                    </m:d>
+                    <m:r>
+                      <a:rPr lang="en-US" b="0" i="1" smtClean="0">
+                        <a:latin typeface="Cambria Math"/>
+                      </a:rPr>
+                      <m:t>)</m:t>
+                    </m:r>
+                  </m:oMath>
+                </a14:m>
+                <a:endParaRPr lang="en-US" dirty="0"/>
+              </a:p>
+            </p:txBody>
+          </p:sp>
+        </mc:Choice>
+        <mc:Fallback>
+          <p:sp>
+            <p:nvSpPr>
+              <p:cNvPr id="78" name="TextBox 77"/>
+              <p:cNvSpPr txBox="1">
+                <a:spLocks noRot="1" noChangeAspect="1" noMove="1" noResize="1" noEditPoints="1" noAdjustHandles="1" noChangeArrowheads="1" noChangeShapeType="1" noTextEdit="1"/>
+              </p:cNvSpPr>
+              <p:nvPr/>
+            </p:nvSpPr>
+            <p:spPr>
+              <a:xfrm>
+                <a:off x="6605478" y="6019800"/>
+                <a:ext cx="2254463" cy="369332"/>
+              </a:xfrm>
+              <a:prstGeom prst="rect">
+                <a:avLst/>
+              </a:prstGeom>
+              <a:blipFill rotWithShape="1">
+                <a:blip r:embed="rId10"/>
+                <a:stretch>
+                  <a:fillRect l="-2439" t="-8333" r="-271" b="-25000"/>
+                </a:stretch>
+              </a:blipFill>
+            </p:spPr>
+            <p:txBody>
+              <a:bodyPr/>
+              <a:lstStyle/>
+              <a:p>
+                <a:r>
+                  <a:rPr lang="en-US">
+                    <a:noFill/>
+                  </a:rPr>
+                  <a:t> </a:t>
+                </a:r>
+              </a:p>
+            </p:txBody>
+          </p:sp>
+        </mc:Fallback>
+      </mc:AlternateContent>
+      <mc:AlternateContent xmlns:mc="http://schemas.openxmlformats.org/markup-compatibility/2006">
+        <mc:Choice xmlns:a14="http://schemas.microsoft.com/office/drawing/2010/main" Requires="a14">
+          <p:sp>
+            <p:nvSpPr>
+              <p:cNvPr id="80" name="TextBox 79"/>
+              <p:cNvSpPr txBox="1"/>
+              <p:nvPr/>
+            </p:nvSpPr>
+            <p:spPr>
+              <a:xfrm>
+                <a:off x="6720664" y="4180218"/>
+                <a:ext cx="2360198" cy="923330"/>
+              </a:xfrm>
+              <a:prstGeom prst="rect">
+                <a:avLst/>
+              </a:prstGeom>
+              <a:noFill/>
+            </p:spPr>
+            <p:txBody>
+              <a:bodyPr wrap="none" rtlCol="0">
+                <a:spAutoFit/>
+              </a:bodyPr>
+              <a:lstStyle/>
+              <a:p>
+                <a:r>
+                  <a:rPr lang="en-US" b="1" dirty="0" smtClean="0"/>
+                  <a:t>Exemplar:</a:t>
+                </a:r>
+                <a:r>
+                  <a:rPr lang="en-US" dirty="0" smtClean="0"/>
+                  <a:t> </a:t>
+                </a:r>
+                <a:endParaRPr lang="en-US" b="0" i="1" dirty="0" smtClean="0">
+                  <a:latin typeface="Cambria Math"/>
+                </a:endParaRPr>
+              </a:p>
+              <a:p>
+                <a14:m>
+                  <m:oMathPara xmlns:m="http://schemas.openxmlformats.org/officeDocument/2006/math">
+                    <m:oMathParaPr>
+                      <m:jc m:val="centerGroup"/>
+                    </m:oMathParaPr>
+                    <m:oMath xmlns:m="http://schemas.openxmlformats.org/officeDocument/2006/math">
+                      <m:r>
+                        <a:rPr lang="en-US" b="0" i="1" smtClean="0">
+                          <a:latin typeface="Cambria Math"/>
+                        </a:rPr>
+                        <m:t>𝑃</m:t>
+                      </m:r>
+                      <m:r>
+                        <a:rPr lang="en-US" b="0" i="1" smtClean="0">
+                          <a:latin typeface="Cambria Math"/>
+                        </a:rPr>
+                        <m:t>(</m:t>
+                      </m:r>
+                      <m:sSub>
+                        <m:sSubPr>
+                          <m:ctrlPr>
+                            <a:rPr lang="en-US" b="0" i="1" smtClean="0">
+                              <a:latin typeface="Cambria Math"/>
+                            </a:rPr>
+                          </m:ctrlPr>
+                        </m:sSubPr>
+                        <m:e>
+                          <m:r>
+                            <a:rPr lang="en-US" b="0" i="1" smtClean="0">
+                              <a:latin typeface="Cambria Math"/>
+                            </a:rPr>
+                            <m:t>𝐿</m:t>
+                          </m:r>
+                        </m:e>
+                        <m:sub>
+                          <m:r>
+                            <a:rPr lang="en-US" b="0" i="1" smtClean="0">
+                              <a:latin typeface="Cambria Math"/>
+                            </a:rPr>
+                            <m:t>𝑖</m:t>
+                          </m:r>
+                        </m:sub>
+                      </m:sSub>
+                      <m:r>
+                        <a:rPr lang="en-US" b="0" i="1" smtClean="0">
+                          <a:latin typeface="Cambria Math"/>
+                        </a:rPr>
+                        <m:t>(</m:t>
+                      </m:r>
+                      <m:r>
+                        <a:rPr lang="en-US" b="0" i="1" smtClean="0">
+                          <a:latin typeface="Cambria Math"/>
+                        </a:rPr>
+                        <m:t>𝑡</m:t>
+                      </m:r>
+                      <m:r>
+                        <a:rPr lang="en-US" b="0" i="1" smtClean="0">
+                          <a:latin typeface="Cambria Math"/>
+                        </a:rPr>
+                        <m:t>)/</m:t>
+                      </m:r>
+                      <m:r>
+                        <a:rPr lang="en-US" b="0" i="1" smtClean="0">
+                          <a:latin typeface="Cambria Math"/>
+                        </a:rPr>
+                        <m:t>𝑋</m:t>
+                      </m:r>
+                      <m:d>
+                        <m:dPr>
+                          <m:ctrlPr>
+                            <a:rPr lang="en-US" b="0" i="1" smtClean="0">
+                              <a:latin typeface="Cambria Math"/>
+                            </a:rPr>
+                          </m:ctrlPr>
+                        </m:dPr>
+                        <m:e>
+                          <m:r>
+                            <a:rPr lang="en-US" b="0" i="1" smtClean="0">
+                              <a:latin typeface="Cambria Math"/>
+                            </a:rPr>
+                            <m:t>𝑡</m:t>
+                          </m:r>
+                        </m:e>
+                      </m:d>
+                      <m:r>
+                        <a:rPr lang="en-US" b="0" i="1" smtClean="0">
+                          <a:latin typeface="Cambria Math"/>
+                        </a:rPr>
+                        <m:t>)</m:t>
+                      </m:r>
+                    </m:oMath>
+                  </m:oMathPara>
+                </a14:m>
+                <a:endParaRPr lang="en-US" dirty="0" smtClean="0"/>
+              </a:p>
+              <a:p>
+                <a14:m>
+                  <m:oMathPara xmlns:m="http://schemas.openxmlformats.org/officeDocument/2006/math">
+                    <m:oMathParaPr>
+                      <m:jc m:val="centerGroup"/>
+                    </m:oMathParaPr>
+                    <m:oMath xmlns:m="http://schemas.openxmlformats.org/officeDocument/2006/math">
+                      <m:r>
+                        <a:rPr lang="en-US" b="0" i="1" smtClean="0">
+                          <a:latin typeface="Cambria Math"/>
+                        </a:rPr>
+                        <m:t>𝑖</m:t>
+                      </m:r>
+                      <m:r>
+                        <a:rPr lang="en-US" b="0" i="1" smtClean="0">
+                          <a:latin typeface="Cambria Math"/>
+                          <a:ea typeface="Cambria Math"/>
+                        </a:rPr>
+                        <m:t>∈</m:t>
+                      </m:r>
+                      <m:r>
+                        <a:rPr lang="en-US" b="0" i="1" smtClean="0">
+                          <a:latin typeface="Cambria Math"/>
+                        </a:rPr>
+                        <m:t>{</m:t>
+                      </m:r>
+                      <m:r>
+                        <a:rPr lang="en-US" b="0" i="1" smtClean="0">
+                          <a:latin typeface="Cambria Math"/>
+                        </a:rPr>
+                        <m:t>𝐻</m:t>
+                      </m:r>
+                      <m:r>
+                        <a:rPr lang="en-US" b="0" i="1" smtClean="0">
+                          <a:latin typeface="Cambria Math"/>
+                        </a:rPr>
+                        <m:t>,</m:t>
+                      </m:r>
+                      <m:r>
+                        <a:rPr lang="en-US" b="0" i="1" smtClean="0">
+                          <a:latin typeface="Cambria Math"/>
+                        </a:rPr>
+                        <m:t>𝑆𝑎</m:t>
+                      </m:r>
+                      <m:r>
+                        <a:rPr lang="en-US" b="0" i="1" smtClean="0">
+                          <a:latin typeface="Cambria Math"/>
+                        </a:rPr>
+                        <m:t>, </m:t>
+                      </m:r>
+                      <m:r>
+                        <a:rPr lang="en-US" b="0" i="1" smtClean="0">
+                          <a:latin typeface="Cambria Math"/>
+                        </a:rPr>
+                        <m:t>𝑆𝑢</m:t>
+                      </m:r>
+                      <m:r>
+                        <a:rPr lang="en-US" b="0" i="1" smtClean="0">
+                          <a:latin typeface="Cambria Math"/>
+                        </a:rPr>
+                        <m:t>, </m:t>
+                      </m:r>
+                      <m:r>
+                        <a:rPr lang="en-US" b="0" i="1" smtClean="0">
+                          <a:latin typeface="Cambria Math"/>
+                        </a:rPr>
+                        <m:t>𝐷</m:t>
+                      </m:r>
+                      <m:r>
+                        <a:rPr lang="en-US" b="0" i="1" smtClean="0">
+                          <a:latin typeface="Cambria Math"/>
+                        </a:rPr>
+                        <m:t>, </m:t>
+                      </m:r>
+                      <m:r>
+                        <a:rPr lang="en-US" b="0" i="1" smtClean="0">
+                          <a:latin typeface="Cambria Math"/>
+                        </a:rPr>
+                        <m:t>𝐹</m:t>
+                      </m:r>
+                      <m:r>
+                        <a:rPr lang="en-US" b="0" i="1" smtClean="0">
+                          <a:latin typeface="Cambria Math"/>
+                        </a:rPr>
+                        <m:t>,</m:t>
+                      </m:r>
+                      <m:r>
+                        <a:rPr lang="en-US" b="0" i="1" smtClean="0">
+                          <a:latin typeface="Cambria Math"/>
+                        </a:rPr>
+                        <m:t>𝐴</m:t>
+                      </m:r>
+                      <m:r>
+                        <a:rPr lang="en-US" b="0" i="1" smtClean="0">
+                          <a:latin typeface="Cambria Math"/>
+                        </a:rPr>
+                        <m:t>}</m:t>
+                      </m:r>
+                    </m:oMath>
+                  </m:oMathPara>
+                </a14:m>
+                <a:endParaRPr lang="en-US" dirty="0"/>
+              </a:p>
+            </p:txBody>
+          </p:sp>
+        </mc:Choice>
+        <mc:Fallback>
+          <p:sp>
+            <p:nvSpPr>
+              <p:cNvPr id="80" name="TextBox 79"/>
+              <p:cNvSpPr txBox="1">
+                <a:spLocks noRot="1" noChangeAspect="1" noMove="1" noResize="1" noEditPoints="1" noAdjustHandles="1" noChangeArrowheads="1" noChangeShapeType="1" noTextEdit="1"/>
+              </p:cNvSpPr>
+              <p:nvPr/>
+            </p:nvSpPr>
+            <p:spPr>
+              <a:xfrm>
+                <a:off x="6720664" y="4180218"/>
+                <a:ext cx="2360198" cy="923330"/>
+              </a:xfrm>
+              <a:prstGeom prst="rect">
+                <a:avLst/>
+              </a:prstGeom>
+              <a:blipFill rotWithShape="1">
+                <a:blip r:embed="rId11"/>
+                <a:stretch>
+                  <a:fillRect l="-2062" t="-3311" b="-5960"/>
+                </a:stretch>
+              </a:blipFill>
+            </p:spPr>
+            <p:txBody>
+              <a:bodyPr/>
+              <a:lstStyle/>
+              <a:p>
+                <a:r>
+                  <a:rPr lang="en-US">
+                    <a:noFill/>
+                  </a:rPr>
+                  <a:t> </a:t>
+                </a:r>
+              </a:p>
+            </p:txBody>
+          </p:sp>
+        </mc:Fallback>
+      </mc:AlternateContent>
+      <mc:AlternateContent xmlns:mc="http://schemas.openxmlformats.org/markup-compatibility/2006">
+        <mc:Choice xmlns:a14="http://schemas.microsoft.com/office/drawing/2010/main" Requires="a14">
+          <p:sp>
+            <p:nvSpPr>
+              <p:cNvPr id="81" name="TextBox 80"/>
+              <p:cNvSpPr txBox="1"/>
+              <p:nvPr/>
+            </p:nvSpPr>
+            <p:spPr>
+              <a:xfrm>
+                <a:off x="6697627" y="2740507"/>
+                <a:ext cx="2416944" cy="958980"/>
+              </a:xfrm>
+              <a:prstGeom prst="rect">
+                <a:avLst/>
+              </a:prstGeom>
+              <a:noFill/>
+            </p:spPr>
+            <p:txBody>
+              <a:bodyPr wrap="none" rtlCol="0">
+                <a:spAutoFit/>
+              </a:bodyPr>
+              <a:lstStyle/>
+              <a:p>
+                <a:r>
+                  <a:rPr lang="en-US" b="1" dirty="0" smtClean="0"/>
+                  <a:t>Decision:</a:t>
+                </a:r>
+                <a:r>
+                  <a:rPr lang="en-US" dirty="0" smtClean="0"/>
+                  <a:t> </a:t>
+                </a:r>
+                <a:endParaRPr lang="en-US" b="0" i="1" dirty="0" smtClean="0">
+                  <a:latin typeface="Cambria Math"/>
+                </a:endParaRPr>
+              </a:p>
+              <a:p>
+                <a14:m>
+                  <m:oMathPara xmlns:m="http://schemas.openxmlformats.org/officeDocument/2006/math">
+                    <m:oMathParaPr>
+                      <m:jc m:val="centerGroup"/>
+                    </m:oMathParaPr>
+                    <m:oMath xmlns:m="http://schemas.openxmlformats.org/officeDocument/2006/math">
+                      <m:r>
+                        <a:rPr lang="en-US" b="0" i="1" smtClean="0">
+                          <a:latin typeface="Cambria Math"/>
+                        </a:rPr>
+                        <m:t>𝑃</m:t>
+                      </m:r>
+                      <m:d>
+                        <m:dPr>
+                          <m:ctrlPr>
+                            <a:rPr lang="en-US" b="0" i="1" smtClean="0">
+                              <a:latin typeface="Cambria Math"/>
+                            </a:rPr>
+                          </m:ctrlPr>
+                        </m:dPr>
+                        <m:e>
+                          <m:sSub>
+                            <m:sSubPr>
+                              <m:ctrlPr>
+                                <a:rPr lang="en-US" i="1">
+                                  <a:latin typeface="Cambria Math"/>
+                                </a:rPr>
+                              </m:ctrlPr>
+                            </m:sSubPr>
+                            <m:e>
+                              <m:r>
+                                <a:rPr lang="en-US" i="1">
+                                  <a:latin typeface="Cambria Math"/>
+                                </a:rPr>
+                                <m:t>𝑌</m:t>
+                              </m:r>
+                            </m:e>
+                            <m:sub>
+                              <m:r>
+                                <a:rPr lang="en-US" i="1">
+                                  <a:latin typeface="Cambria Math"/>
+                                </a:rPr>
+                                <m:t>𝑖</m:t>
+                              </m:r>
+                            </m:sub>
+                          </m:sSub>
+                          <m:r>
+                            <a:rPr lang="en-US" i="1">
+                              <a:latin typeface="Cambria Math"/>
+                            </a:rPr>
+                            <m:t>(</m:t>
+                          </m:r>
+                          <m:r>
+                            <a:rPr lang="en-US" i="1">
+                              <a:latin typeface="Cambria Math"/>
+                            </a:rPr>
+                            <m:t>𝑡</m:t>
+                          </m:r>
+                          <m:r>
+                            <a:rPr lang="en-US" i="1">
+                              <a:latin typeface="Cambria Math"/>
+                            </a:rPr>
+                            <m:t>)/</m:t>
+                          </m:r>
+                          <m:d>
+                            <m:dPr>
+                              <m:ctrlPr>
+                                <a:rPr lang="en-US" i="1">
+                                  <a:latin typeface="Cambria Math"/>
+                                </a:rPr>
+                              </m:ctrlPr>
+                            </m:dPr>
+                            <m:e>
+                              <m:r>
+                                <a:rPr lang="en-US" i="1">
+                                  <a:latin typeface="Cambria Math"/>
+                                </a:rPr>
+                                <m:t>𝑋</m:t>
+                              </m:r>
+                              <m:d>
+                                <m:dPr>
+                                  <m:ctrlPr>
+                                    <a:rPr lang="en-US" i="1">
+                                      <a:latin typeface="Cambria Math"/>
+                                    </a:rPr>
+                                  </m:ctrlPr>
+                                </m:dPr>
+                                <m:e>
+                                  <m:r>
+                                    <a:rPr lang="en-US" i="1">
+                                      <a:latin typeface="Cambria Math"/>
+                                    </a:rPr>
+                                    <m:t>𝑡</m:t>
+                                  </m:r>
+                                </m:e>
+                              </m:d>
+                              <m:r>
+                                <a:rPr lang="en-US" i="1">
+                                  <a:latin typeface="Cambria Math"/>
+                                </a:rPr>
+                                <m:t>,</m:t>
+                              </m:r>
+                              <m:r>
+                                <a:rPr lang="en-US" i="1">
+                                  <a:latin typeface="Cambria Math"/>
+                                </a:rPr>
+                                <m:t>𝐻</m:t>
+                              </m:r>
+                              <m:r>
+                                <a:rPr lang="en-US" i="1">
+                                  <a:latin typeface="Cambria Math"/>
+                                </a:rPr>
+                                <m:t>(</m:t>
+                              </m:r>
+                              <m:r>
+                                <a:rPr lang="en-US" i="1">
+                                  <a:latin typeface="Cambria Math"/>
+                                </a:rPr>
+                                <m:t>𝑡</m:t>
+                              </m:r>
+                              <m:r>
+                                <a:rPr lang="en-US" i="1">
+                                  <a:latin typeface="Cambria Math"/>
+                                </a:rPr>
+                                <m:t>)</m:t>
+                              </m:r>
+                            </m:e>
+                          </m:d>
+                        </m:e>
+                      </m:d>
+                    </m:oMath>
+                  </m:oMathPara>
+                </a14:m>
+                <a:endParaRPr lang="en-US" dirty="0" smtClean="0"/>
+              </a:p>
+              <a:p>
+                <a14:m>
+                  <m:oMathPara xmlns:m="http://schemas.openxmlformats.org/officeDocument/2006/math">
+                    <m:oMathParaPr>
+                      <m:jc m:val="centerGroup"/>
+                    </m:oMathParaPr>
+                    <m:oMath xmlns:m="http://schemas.openxmlformats.org/officeDocument/2006/math">
+                      <m:r>
+                        <a:rPr lang="en-US" b="0" i="1" smtClean="0">
+                          <a:latin typeface="Cambria Math"/>
+                        </a:rPr>
+                        <m:t>𝑖</m:t>
+                      </m:r>
+                      <m:r>
+                        <a:rPr lang="en-US" b="0" i="1" smtClean="0">
+                          <a:latin typeface="Cambria Math"/>
+                          <a:ea typeface="Cambria Math"/>
+                        </a:rPr>
+                        <m:t>∈</m:t>
+                      </m:r>
+                      <m:r>
+                        <a:rPr lang="en-US" b="0" i="1" smtClean="0">
+                          <a:latin typeface="Cambria Math"/>
+                        </a:rPr>
+                        <m:t>{</m:t>
+                      </m:r>
+                      <m:r>
+                        <a:rPr lang="en-US" b="0" i="1" smtClean="0">
+                          <a:latin typeface="Cambria Math"/>
+                        </a:rPr>
+                        <m:t>𝐻</m:t>
+                      </m:r>
+                      <m:r>
+                        <a:rPr lang="en-US" b="0" i="1" smtClean="0">
+                          <a:latin typeface="Cambria Math"/>
+                        </a:rPr>
+                        <m:t>,</m:t>
+                      </m:r>
+                      <m:r>
+                        <a:rPr lang="en-US" b="0" i="1" smtClean="0">
+                          <a:latin typeface="Cambria Math"/>
+                        </a:rPr>
+                        <m:t>𝑆𝑎</m:t>
+                      </m:r>
+                      <m:r>
+                        <a:rPr lang="en-US" b="0" i="1" smtClean="0">
+                          <a:latin typeface="Cambria Math"/>
+                        </a:rPr>
+                        <m:t>, </m:t>
+                      </m:r>
+                      <m:r>
+                        <a:rPr lang="en-US" b="0" i="1" smtClean="0">
+                          <a:latin typeface="Cambria Math"/>
+                        </a:rPr>
+                        <m:t>𝑆𝑢</m:t>
+                      </m:r>
+                      <m:r>
+                        <a:rPr lang="en-US" b="0" i="1" smtClean="0">
+                          <a:latin typeface="Cambria Math"/>
+                        </a:rPr>
+                        <m:t>, </m:t>
+                      </m:r>
+                      <m:r>
+                        <a:rPr lang="en-US" b="0" i="1" smtClean="0">
+                          <a:latin typeface="Cambria Math"/>
+                        </a:rPr>
+                        <m:t>𝐷</m:t>
+                      </m:r>
+                      <m:r>
+                        <a:rPr lang="en-US" b="0" i="1" smtClean="0">
+                          <a:latin typeface="Cambria Math"/>
+                        </a:rPr>
+                        <m:t>, </m:t>
+                      </m:r>
+                      <m:r>
+                        <a:rPr lang="en-US" b="0" i="1" smtClean="0">
+                          <a:latin typeface="Cambria Math"/>
+                        </a:rPr>
+                        <m:t>𝐹</m:t>
+                      </m:r>
+                      <m:r>
+                        <a:rPr lang="en-US" b="0" i="1" smtClean="0">
+                          <a:latin typeface="Cambria Math"/>
+                        </a:rPr>
+                        <m:t>,</m:t>
+                      </m:r>
+                      <m:r>
+                        <a:rPr lang="en-US" b="0" i="1" smtClean="0">
+                          <a:latin typeface="Cambria Math"/>
+                        </a:rPr>
+                        <m:t>𝐴</m:t>
+                      </m:r>
+                      <m:r>
+                        <a:rPr lang="en-US" b="0" i="1" smtClean="0">
+                          <a:latin typeface="Cambria Math"/>
+                        </a:rPr>
+                        <m:t>}</m:t>
+                      </m:r>
+                    </m:oMath>
+                  </m:oMathPara>
+                </a14:m>
+                <a:endParaRPr lang="en-US" dirty="0"/>
+              </a:p>
+            </p:txBody>
+          </p:sp>
+        </mc:Choice>
+        <mc:Fallback>
+          <p:sp>
+            <p:nvSpPr>
+              <p:cNvPr id="81" name="TextBox 80"/>
+              <p:cNvSpPr txBox="1">
+                <a:spLocks noRot="1" noChangeAspect="1" noMove="1" noResize="1" noEditPoints="1" noAdjustHandles="1" noChangeArrowheads="1" noChangeShapeType="1" noTextEdit="1"/>
+              </p:cNvSpPr>
+              <p:nvPr/>
+            </p:nvSpPr>
+            <p:spPr>
+              <a:xfrm>
+                <a:off x="6697627" y="2740507"/>
+                <a:ext cx="2416944" cy="958980"/>
+              </a:xfrm>
+              <a:prstGeom prst="rect">
+                <a:avLst/>
+              </a:prstGeom>
+              <a:blipFill rotWithShape="1">
+                <a:blip r:embed="rId12"/>
+                <a:stretch>
+                  <a:fillRect l="-2273" t="-3185" b="-1911"/>
+                </a:stretch>
+              </a:blipFill>
+            </p:spPr>
+            <p:txBody>
+              <a:bodyPr/>
+              <a:lstStyle/>
+              <a:p>
+                <a:r>
+                  <a:rPr lang="en-US">
+                    <a:noFill/>
+                  </a:rPr>
+                  <a:t> </a:t>
+                </a:r>
+              </a:p>
+            </p:txBody>
+          </p:sp>
+        </mc:Fallback>
+      </mc:AlternateContent>
+      <mc:AlternateContent xmlns:mc="http://schemas.openxmlformats.org/markup-compatibility/2006">
+        <mc:Choice xmlns:a14="http://schemas.microsoft.com/office/drawing/2010/main" Requires="a14">
+          <p:sp>
+            <p:nvSpPr>
+              <p:cNvPr id="82" name="TextBox 81"/>
+              <p:cNvSpPr txBox="1"/>
+              <p:nvPr/>
+            </p:nvSpPr>
+            <p:spPr>
+              <a:xfrm>
+                <a:off x="5080592" y="990600"/>
+                <a:ext cx="3765254" cy="584775"/>
+              </a:xfrm>
+              <a:prstGeom prst="rect">
+                <a:avLst/>
+              </a:prstGeom>
+              <a:noFill/>
+            </p:spPr>
+            <p:txBody>
+              <a:bodyPr wrap="square" rtlCol="0">
+                <a:spAutoFit/>
+              </a:bodyPr>
+              <a:lstStyle/>
+              <a:p>
+                <a:r>
+                  <a:rPr lang="en-US" b="1" dirty="0" smtClean="0"/>
+                  <a:t>Prior Knowledge:</a:t>
+                </a:r>
+                <a:r>
+                  <a:rPr lang="en-US" dirty="0" smtClean="0"/>
+                  <a:t> </a:t>
+                </a:r>
+                <a:endParaRPr lang="en-US" b="0" i="1" dirty="0" smtClean="0">
+                  <a:latin typeface="Cambria Math"/>
+                </a:endParaRPr>
+              </a:p>
+              <a:p>
+                <a14:m>
+                  <m:oMathPara xmlns:m="http://schemas.openxmlformats.org/officeDocument/2006/math">
+                    <m:oMathParaPr>
+                      <m:jc m:val="centerGroup"/>
+                    </m:oMathParaPr>
+                    <m:oMath xmlns:m="http://schemas.openxmlformats.org/officeDocument/2006/math">
+                      <m:r>
+                        <a:rPr lang="en-US" sz="1400" b="0" i="1" smtClean="0">
+                          <a:latin typeface="Cambria Math"/>
+                        </a:rPr>
+                        <m:t>𝐻</m:t>
+                      </m:r>
+                      <m:d>
+                        <m:dPr>
+                          <m:ctrlPr>
+                            <a:rPr lang="en-US" sz="1400" b="0" i="1" smtClean="0">
+                              <a:latin typeface="Cambria Math"/>
+                            </a:rPr>
+                          </m:ctrlPr>
+                        </m:dPr>
+                        <m:e>
+                          <m:r>
+                            <a:rPr lang="en-US" sz="1400" b="0" i="1" smtClean="0">
+                              <a:latin typeface="Cambria Math"/>
+                            </a:rPr>
+                            <m:t>𝑡</m:t>
+                          </m:r>
+                        </m:e>
+                      </m:d>
+                      <m:r>
+                        <a:rPr lang="en-US" sz="1400" b="0" i="1" smtClean="0">
+                          <a:latin typeface="Cambria Math"/>
+                        </a:rPr>
+                        <m:t>=</m:t>
+                      </m:r>
+                      <m:r>
+                        <a:rPr lang="en-US" sz="1400" b="0" i="1" smtClean="0">
+                          <a:latin typeface="Cambria Math"/>
+                        </a:rPr>
+                        <m:t>𝑃</m:t>
+                      </m:r>
+                      <m:d>
+                        <m:dPr>
+                          <m:ctrlPr>
+                            <a:rPr lang="en-US" sz="1400" b="0" i="1" smtClean="0">
+                              <a:latin typeface="Cambria Math"/>
+                            </a:rPr>
+                          </m:ctrlPr>
+                        </m:dPr>
+                        <m:e>
+                          <m:sSub>
+                            <m:sSubPr>
+                              <m:ctrlPr>
+                                <a:rPr lang="en-US" sz="1400" b="0" i="1" smtClean="0">
+                                  <a:latin typeface="Cambria Math"/>
+                                </a:rPr>
+                              </m:ctrlPr>
+                            </m:sSubPr>
+                            <m:e>
+                              <m:r>
+                                <a:rPr lang="en-US" sz="1400" b="0" i="1" smtClean="0">
+                                  <a:latin typeface="Cambria Math"/>
+                                </a:rPr>
+                                <m:t>𝑌</m:t>
+                              </m:r>
+                            </m:e>
+                            <m:sub>
+                              <m:r>
+                                <a:rPr lang="en-US" sz="1400" b="0" i="1" smtClean="0">
+                                  <a:latin typeface="Cambria Math"/>
+                                </a:rPr>
+                                <m:t>𝑖</m:t>
+                              </m:r>
+                            </m:sub>
+                          </m:sSub>
+                          <m:r>
+                            <a:rPr lang="en-US" sz="1400" b="0" i="1" smtClean="0">
+                              <a:latin typeface="Cambria Math"/>
+                            </a:rPr>
+                            <m:t>(</m:t>
+                          </m:r>
+                          <m:r>
+                            <a:rPr lang="en-US" sz="1400" b="0" i="1" smtClean="0">
+                              <a:latin typeface="Cambria Math"/>
+                            </a:rPr>
+                            <m:t>𝑡</m:t>
+                          </m:r>
+                          <m:r>
+                            <a:rPr lang="en-US" sz="1400" b="0" i="1" smtClean="0">
+                              <a:latin typeface="Cambria Math"/>
+                            </a:rPr>
+                            <m:t>−1)/</m:t>
+                          </m:r>
+                          <m:d>
+                            <m:dPr>
+                              <m:ctrlPr>
+                                <a:rPr lang="en-US" sz="1400" b="0" i="1" smtClean="0">
+                                  <a:latin typeface="Cambria Math"/>
+                                </a:rPr>
+                              </m:ctrlPr>
+                            </m:dPr>
+                            <m:e>
+                              <m:r>
+                                <a:rPr lang="en-US" sz="1400" i="1">
+                                  <a:latin typeface="Cambria Math"/>
+                                </a:rPr>
+                                <m:t>𝑋</m:t>
+                              </m:r>
+                              <m:d>
+                                <m:dPr>
+                                  <m:ctrlPr>
+                                    <a:rPr lang="en-US" sz="1400" i="1">
+                                      <a:latin typeface="Cambria Math"/>
+                                    </a:rPr>
+                                  </m:ctrlPr>
+                                </m:dPr>
+                                <m:e>
+                                  <m:r>
+                                    <a:rPr lang="en-US" sz="1400" i="1">
+                                      <a:latin typeface="Cambria Math"/>
+                                    </a:rPr>
+                                    <m:t>𝑡</m:t>
+                                  </m:r>
+                                  <m:r>
+                                    <a:rPr lang="en-US" sz="1400" i="1">
+                                      <a:latin typeface="Cambria Math"/>
+                                    </a:rPr>
+                                    <m:t>−1</m:t>
+                                  </m:r>
+                                </m:e>
+                              </m:d>
+                              <m:r>
+                                <a:rPr lang="en-US" sz="1400" i="1">
+                                  <a:latin typeface="Cambria Math"/>
+                                </a:rPr>
+                                <m:t>, </m:t>
+                              </m:r>
+                              <m:r>
+                                <a:rPr lang="en-US" sz="1400" i="1">
+                                  <a:latin typeface="Cambria Math"/>
+                                </a:rPr>
+                                <m:t>𝐻</m:t>
+                              </m:r>
+                              <m:r>
+                                <a:rPr lang="en-US" sz="1400" i="1">
+                                  <a:latin typeface="Cambria Math"/>
+                                </a:rPr>
+                                <m:t>(</m:t>
+                              </m:r>
+                              <m:r>
+                                <a:rPr lang="en-US" sz="1400" i="1">
+                                  <a:latin typeface="Cambria Math"/>
+                                </a:rPr>
+                                <m:t>𝑡</m:t>
+                              </m:r>
+                              <m:r>
+                                <a:rPr lang="en-US" sz="1400" i="1">
+                                  <a:latin typeface="Cambria Math"/>
+                                </a:rPr>
+                                <m:t>−1)</m:t>
+                              </m:r>
+                            </m:e>
+                          </m:d>
+                        </m:e>
+                      </m:d>
+                    </m:oMath>
+                  </m:oMathPara>
+                </a14:m>
+                <a:endParaRPr lang="en-US" sz="1400" dirty="0"/>
+              </a:p>
+            </p:txBody>
+          </p:sp>
+        </mc:Choice>
+        <mc:Fallback>
+          <p:sp>
+            <p:nvSpPr>
+              <p:cNvPr id="82" name="TextBox 81"/>
+              <p:cNvSpPr txBox="1">
+                <a:spLocks noRot="1" noChangeAspect="1" noMove="1" noResize="1" noEditPoints="1" noAdjustHandles="1" noChangeArrowheads="1" noChangeShapeType="1" noTextEdit="1"/>
+              </p:cNvSpPr>
+              <p:nvPr/>
+            </p:nvSpPr>
+            <p:spPr>
+              <a:xfrm>
+                <a:off x="5080592" y="990600"/>
+                <a:ext cx="3765254" cy="584775"/>
+              </a:xfrm>
+              <a:prstGeom prst="rect">
+                <a:avLst/>
+              </a:prstGeom>
+              <a:blipFill rotWithShape="1">
+                <a:blip r:embed="rId13"/>
+                <a:stretch>
+                  <a:fillRect l="-1294" t="-5263" b="-3158"/>
+                </a:stretch>
+              </a:blipFill>
+            </p:spPr>
+            <p:txBody>
+              <a:bodyPr/>
+              <a:lstStyle/>
+              <a:p>
+                <a:r>
+                  <a:rPr lang="en-US">
+                    <a:noFill/>
+                  </a:rPr>
+                  <a:t> </a:t>
+                </a:r>
+              </a:p>
+            </p:txBody>
+          </p:sp>
+        </mc:Fallback>
+      </mc:AlternateContent>
+      <p:cxnSp>
+        <p:nvCxnSpPr>
+          <p:cNvPr id="107" name="Straight Connector 106"/>
+          <p:cNvCxnSpPr/>
+          <p:nvPr/>
+        </p:nvCxnSpPr>
+        <p:spPr>
+          <a:xfrm>
+            <a:off x="342900" y="2286000"/>
+            <a:ext cx="8534400" cy="0"/>
+          </a:xfrm>
+          <a:prstGeom prst="line">
+            <a:avLst/>
+          </a:prstGeom>
+          <a:ln>
+            <a:solidFill>
+              <a:schemeClr val="tx1"/>
+            </a:solidFill>
+            <a:prstDash val="dash"/>
+          </a:ln>
+        </p:spPr>
+        <p:style>
+          <a:lnRef idx="1">
+            <a:schemeClr val="accent1"/>
+          </a:lnRef>
+          <a:fillRef idx="0">
+            <a:schemeClr val="accent1"/>
+          </a:fillRef>
+          <a:effectRef idx="0">
+            <a:schemeClr val="accent1"/>
+          </a:effectRef>
+          <a:fontRef idx="minor">
+            <a:schemeClr val="tx1"/>
+          </a:fontRef>
+        </p:style>
+      </p:cxnSp>
+    </p:spTree>
+    <p:extLst>
+      <p:ext uri="{BB962C8B-B14F-4D97-AF65-F5344CB8AC3E}">
+        <p14:creationId xmlns:p14="http://schemas.microsoft.com/office/powerpoint/2010/main" val="4045974319"/>
+      </p:ext>
+    </p:extLst>
+  </p:cSld>
+  <p:clrMapOvr>
+    <a:masterClrMapping/>
+  </p:clrMapOvr>
+  <p:timing>
+    <p:tnLst>
+      <p:par>
+        <p:cTn id="1" dur="indefinite" restart="never" nodeType="tmRoot"/>
+      </p:par>
+    </p:tnLst>
+  </p:timing>
 </p:sld>
 </file>
 

--- a/Latex/Presentation1.pptx
+++ b/Latex/Presentation1.pptx
@@ -7342,8 +7342,8 @@
           </a:p>
         </p:txBody>
       </p:sp>
-      <mc:AlternateContent xmlns:mc="http://schemas.openxmlformats.org/markup-compatibility/2006">
-        <mc:Choice xmlns:a14="http://schemas.microsoft.com/office/drawing/2010/main" Requires="a14">
+      <mc:AlternateContent xmlns:mc="http://schemas.openxmlformats.org/markup-compatibility/2006" xmlns:a14="http://schemas.microsoft.com/office/drawing/2010/main">
+        <mc:Choice Requires="a14">
           <p:sp>
             <p:nvSpPr>
               <p:cNvPr id="14" name="Oval 13"/>
@@ -7418,7 +7418,7 @@
             </p:txBody>
           </p:sp>
         </mc:Choice>
-        <mc:Fallback>
+        <mc:Fallback xmlns="">
           <p:sp>
             <p:nvSpPr>
               <p:cNvPr id="14" name="Oval 13"/>
@@ -7457,8 +7457,8 @@
           </p:sp>
         </mc:Fallback>
       </mc:AlternateContent>
-      <mc:AlternateContent xmlns:mc="http://schemas.openxmlformats.org/markup-compatibility/2006">
-        <mc:Choice xmlns:a14="http://schemas.microsoft.com/office/drawing/2010/main" Requires="a14">
+      <mc:AlternateContent xmlns:mc="http://schemas.openxmlformats.org/markup-compatibility/2006" xmlns:a14="http://schemas.microsoft.com/office/drawing/2010/main">
+        <mc:Choice Requires="a14">
           <p:sp>
             <p:nvSpPr>
               <p:cNvPr id="15" name="Rectangle 14"/>
@@ -7552,7 +7552,7 @@
             </p:txBody>
           </p:sp>
         </mc:Choice>
-        <mc:Fallback>
+        <mc:Fallback xmlns="">
           <p:sp>
             <p:nvSpPr>
               <p:cNvPr id="15" name="Rectangle 14"/>
@@ -7591,8 +7591,8 @@
           </p:sp>
         </mc:Fallback>
       </mc:AlternateContent>
-      <mc:AlternateContent xmlns:mc="http://schemas.openxmlformats.org/markup-compatibility/2006">
-        <mc:Choice xmlns:a14="http://schemas.microsoft.com/office/drawing/2010/main" Requires="a14">
+      <mc:AlternateContent xmlns:mc="http://schemas.openxmlformats.org/markup-compatibility/2006" xmlns:a14="http://schemas.microsoft.com/office/drawing/2010/main">
+        <mc:Choice Requires="a14">
           <p:sp>
             <p:nvSpPr>
               <p:cNvPr id="16" name="Rectangle 15"/>
@@ -7686,7 +7686,7 @@
             </p:txBody>
           </p:sp>
         </mc:Choice>
-        <mc:Fallback>
+        <mc:Fallback xmlns="">
           <p:sp>
             <p:nvSpPr>
               <p:cNvPr id="16" name="Rectangle 15"/>
@@ -7725,8 +7725,8 @@
           </p:sp>
         </mc:Fallback>
       </mc:AlternateContent>
-      <mc:AlternateContent xmlns:mc="http://schemas.openxmlformats.org/markup-compatibility/2006">
-        <mc:Choice xmlns:a14="http://schemas.microsoft.com/office/drawing/2010/main" Requires="a14">
+      <mc:AlternateContent xmlns:mc="http://schemas.openxmlformats.org/markup-compatibility/2006" xmlns:a14="http://schemas.microsoft.com/office/drawing/2010/main">
+        <mc:Choice Requires="a14">
           <p:sp>
             <p:nvSpPr>
               <p:cNvPr id="17" name="Rectangle 16"/>
@@ -7820,7 +7820,7 @@
             </p:txBody>
           </p:sp>
         </mc:Choice>
-        <mc:Fallback>
+        <mc:Fallback xmlns="">
           <p:sp>
             <p:nvSpPr>
               <p:cNvPr id="17" name="Rectangle 16"/>
@@ -7859,8 +7859,8 @@
           </p:sp>
         </mc:Fallback>
       </mc:AlternateContent>
-      <mc:AlternateContent xmlns:mc="http://schemas.openxmlformats.org/markup-compatibility/2006">
-        <mc:Choice xmlns:a14="http://schemas.microsoft.com/office/drawing/2010/main" Requires="a14">
+      <mc:AlternateContent xmlns:mc="http://schemas.openxmlformats.org/markup-compatibility/2006" xmlns:a14="http://schemas.microsoft.com/office/drawing/2010/main">
+        <mc:Choice Requires="a14">
           <p:sp>
             <p:nvSpPr>
               <p:cNvPr id="18" name="Rectangle 17"/>
@@ -7954,7 +7954,7 @@
             </p:txBody>
           </p:sp>
         </mc:Choice>
-        <mc:Fallback>
+        <mc:Fallback xmlns="">
           <p:sp>
             <p:nvSpPr>
               <p:cNvPr id="18" name="Rectangle 17"/>
@@ -7993,8 +7993,8 @@
           </p:sp>
         </mc:Fallback>
       </mc:AlternateContent>
-      <mc:AlternateContent xmlns:mc="http://schemas.openxmlformats.org/markup-compatibility/2006">
-        <mc:Choice xmlns:a14="http://schemas.microsoft.com/office/drawing/2010/main" Requires="a14">
+      <mc:AlternateContent xmlns:mc="http://schemas.openxmlformats.org/markup-compatibility/2006" xmlns:a14="http://schemas.microsoft.com/office/drawing/2010/main">
+        <mc:Choice Requires="a14">
           <p:sp>
             <p:nvSpPr>
               <p:cNvPr id="19" name="Rectangle 18"/>
@@ -8088,7 +8088,7 @@
             </p:txBody>
           </p:sp>
         </mc:Choice>
-        <mc:Fallback>
+        <mc:Fallback xmlns="">
           <p:sp>
             <p:nvSpPr>
               <p:cNvPr id="19" name="Rectangle 18"/>
@@ -8127,8 +8127,8 @@
           </p:sp>
         </mc:Fallback>
       </mc:AlternateContent>
-      <mc:AlternateContent xmlns:mc="http://schemas.openxmlformats.org/markup-compatibility/2006">
-        <mc:Choice xmlns:a14="http://schemas.microsoft.com/office/drawing/2010/main" Requires="a14">
+      <mc:AlternateContent xmlns:mc="http://schemas.openxmlformats.org/markup-compatibility/2006" xmlns:a14="http://schemas.microsoft.com/office/drawing/2010/main">
+        <mc:Choice Requires="a14">
           <p:sp>
             <p:nvSpPr>
               <p:cNvPr id="20" name="Rectangle 19"/>
@@ -8222,7 +8222,7 @@
             </p:txBody>
           </p:sp>
         </mc:Choice>
-        <mc:Fallback>
+        <mc:Fallback xmlns="">
           <p:sp>
             <p:nvSpPr>
               <p:cNvPr id="20" name="Rectangle 19"/>
@@ -8271,7 +8271,7 @@
             </p:nvSpPr>
             <p:spPr>
               <a:xfrm>
-                <a:off x="3390900" y="838200"/>
+                <a:off x="2895600" y="831112"/>
                 <a:ext cx="1219200" cy="1143000"/>
               </a:xfrm>
               <a:prstGeom prst="ellipse">
@@ -8348,7 +8348,7 @@
             </p:nvSpPr>
             <p:spPr>
               <a:xfrm>
-                <a:off x="3390900" y="838200"/>
+                <a:off x="2895600" y="831112"/>
                 <a:ext cx="1219200" cy="1143000"/>
               </a:xfrm>
               <a:prstGeom prst="ellipse">
@@ -8387,18 +8387,15 @@
         </p:nvCxnSpPr>
         <p:spPr>
           <a:xfrm flipH="1">
-            <a:off x="800100" y="1981200"/>
-            <a:ext cx="3200400" cy="954272"/>
+            <a:off x="800100" y="1974112"/>
+            <a:ext cx="2705100" cy="961360"/>
           </a:xfrm>
           <a:prstGeom prst="straightConnector1">
             <a:avLst/>
           </a:prstGeom>
           <a:ln w="31750">
             <a:solidFill>
-              <a:schemeClr val="tx1">
-                <a:lumMod val="50000"/>
-                <a:lumOff val="50000"/>
-              </a:schemeClr>
+              <a:schemeClr val="tx1"/>
             </a:solidFill>
             <a:tailEnd type="stealth"/>
           </a:ln>
@@ -8429,18 +8426,15 @@
         </p:nvCxnSpPr>
         <p:spPr>
           <a:xfrm flipH="1">
-            <a:off x="1866900" y="1981200"/>
-            <a:ext cx="2133600" cy="954272"/>
+            <a:off x="1866900" y="1974112"/>
+            <a:ext cx="1638300" cy="961360"/>
           </a:xfrm>
           <a:prstGeom prst="straightConnector1">
             <a:avLst/>
           </a:prstGeom>
           <a:ln w="31750">
             <a:solidFill>
-              <a:schemeClr val="tx1">
-                <a:lumMod val="50000"/>
-                <a:lumOff val="50000"/>
-              </a:schemeClr>
+              <a:schemeClr val="tx1"/>
             </a:solidFill>
             <a:tailEnd type="stealth"/>
           </a:ln>
@@ -8471,18 +8465,15 @@
         </p:nvCxnSpPr>
         <p:spPr>
           <a:xfrm flipH="1">
-            <a:off x="2933700" y="1981200"/>
-            <a:ext cx="1066800" cy="954272"/>
+            <a:off x="2933700" y="1974112"/>
+            <a:ext cx="571500" cy="961360"/>
           </a:xfrm>
           <a:prstGeom prst="straightConnector1">
             <a:avLst/>
           </a:prstGeom>
           <a:ln w="31750">
             <a:solidFill>
-              <a:schemeClr val="tx1">
-                <a:lumMod val="50000"/>
-                <a:lumOff val="50000"/>
-              </a:schemeClr>
+              <a:schemeClr val="tx1"/>
             </a:solidFill>
             <a:tailEnd type="stealth"/>
           </a:ln>
@@ -8513,18 +8504,15 @@
         </p:nvCxnSpPr>
         <p:spPr>
           <a:xfrm>
-            <a:off x="4000500" y="1981200"/>
-            <a:ext cx="0" cy="954272"/>
+            <a:off x="3505200" y="1974112"/>
+            <a:ext cx="495300" cy="961360"/>
           </a:xfrm>
           <a:prstGeom prst="straightConnector1">
             <a:avLst/>
           </a:prstGeom>
           <a:ln w="31750">
             <a:solidFill>
-              <a:schemeClr val="tx1">
-                <a:lumMod val="50000"/>
-                <a:lumOff val="50000"/>
-              </a:schemeClr>
+              <a:schemeClr val="tx1"/>
             </a:solidFill>
             <a:tailEnd type="stealth"/>
           </a:ln>
@@ -8555,18 +8543,15 @@
         </p:nvCxnSpPr>
         <p:spPr>
           <a:xfrm>
-            <a:off x="4000500" y="1981200"/>
-            <a:ext cx="1066800" cy="954272"/>
+            <a:off x="3505200" y="1974112"/>
+            <a:ext cx="1562100" cy="961360"/>
           </a:xfrm>
           <a:prstGeom prst="straightConnector1">
             <a:avLst/>
           </a:prstGeom>
           <a:ln w="31750">
             <a:solidFill>
-              <a:schemeClr val="tx1">
-                <a:lumMod val="50000"/>
-                <a:lumOff val="50000"/>
-              </a:schemeClr>
+              <a:schemeClr val="tx1"/>
             </a:solidFill>
             <a:tailEnd type="stealth"/>
           </a:ln>
@@ -8597,18 +8582,15 @@
         </p:nvCxnSpPr>
         <p:spPr>
           <a:xfrm>
-            <a:off x="4000500" y="1981200"/>
-            <a:ext cx="2133600" cy="954272"/>
+            <a:off x="3505200" y="1974112"/>
+            <a:ext cx="2628900" cy="961360"/>
           </a:xfrm>
           <a:prstGeom prst="straightConnector1">
             <a:avLst/>
           </a:prstGeom>
           <a:ln w="31750">
             <a:solidFill>
-              <a:schemeClr val="tx1">
-                <a:lumMod val="50000"/>
-                <a:lumOff val="50000"/>
-              </a:schemeClr>
+              <a:schemeClr val="tx1"/>
             </a:solidFill>
             <a:tailEnd type="stealth"/>
           </a:ln>
@@ -8647,10 +8629,7 @@
           </a:prstGeom>
           <a:ln w="31750">
             <a:solidFill>
-              <a:schemeClr val="tx1">
-                <a:lumMod val="50000"/>
-                <a:lumOff val="50000"/>
-              </a:schemeClr>
+              <a:schemeClr val="tx1"/>
             </a:solidFill>
             <a:tailEnd type="stealth"/>
           </a:ln>
@@ -8689,10 +8668,7 @@
           </a:prstGeom>
           <a:ln w="31750">
             <a:solidFill>
-              <a:schemeClr val="tx1">
-                <a:lumMod val="50000"/>
-                <a:lumOff val="50000"/>
-              </a:schemeClr>
+              <a:schemeClr val="tx1"/>
             </a:solidFill>
             <a:tailEnd type="stealth"/>
           </a:ln>
@@ -8731,10 +8707,7 @@
           </a:prstGeom>
           <a:ln w="31750">
             <a:solidFill>
-              <a:schemeClr val="tx1">
-                <a:lumMod val="50000"/>
-                <a:lumOff val="50000"/>
-              </a:schemeClr>
+              <a:schemeClr val="tx1"/>
             </a:solidFill>
             <a:tailEnd type="stealth"/>
           </a:ln>
@@ -8773,10 +8746,7 @@
           </a:prstGeom>
           <a:ln w="31750">
             <a:solidFill>
-              <a:schemeClr val="tx1">
-                <a:lumMod val="50000"/>
-                <a:lumOff val="50000"/>
-              </a:schemeClr>
+              <a:schemeClr val="tx1"/>
             </a:solidFill>
             <a:tailEnd type="stealth"/>
           </a:ln>
@@ -8815,10 +8785,7 @@
           </a:prstGeom>
           <a:ln w="31750">
             <a:solidFill>
-              <a:schemeClr val="tx1">
-                <a:lumMod val="50000"/>
-                <a:lumOff val="50000"/>
-              </a:schemeClr>
+              <a:schemeClr val="tx1"/>
             </a:solidFill>
             <a:tailEnd type="stealth"/>
           </a:ln>
@@ -8857,10 +8824,7 @@
           </a:prstGeom>
           <a:ln w="31750">
             <a:solidFill>
-              <a:schemeClr val="tx1">
-                <a:lumMod val="50000"/>
-                <a:lumOff val="50000"/>
-              </a:schemeClr>
+              <a:schemeClr val="tx1"/>
             </a:solidFill>
             <a:tailEnd type="stealth"/>
           </a:ln>
@@ -8899,10 +8863,7 @@
           </a:prstGeom>
           <a:ln w="31750">
             <a:solidFill>
-              <a:schemeClr val="tx1">
-                <a:lumMod val="50000"/>
-                <a:lumOff val="50000"/>
-              </a:schemeClr>
+              <a:schemeClr val="tx1"/>
             </a:solidFill>
             <a:tailEnd type="stealth"/>
           </a:ln>
@@ -8941,10 +8902,7 @@
           </a:prstGeom>
           <a:ln w="31750">
             <a:solidFill>
-              <a:schemeClr val="tx1">
-                <a:lumMod val="50000"/>
-                <a:lumOff val="50000"/>
-              </a:schemeClr>
+              <a:schemeClr val="tx1"/>
             </a:solidFill>
             <a:tailEnd type="stealth"/>
           </a:ln>
@@ -8983,10 +8941,7 @@
           </a:prstGeom>
           <a:ln w="31750">
             <a:solidFill>
-              <a:schemeClr val="tx1">
-                <a:lumMod val="50000"/>
-                <a:lumOff val="50000"/>
-              </a:schemeClr>
+              <a:schemeClr val="tx1"/>
             </a:solidFill>
             <a:tailEnd type="stealth"/>
           </a:ln>
@@ -9025,10 +8980,7 @@
           </a:prstGeom>
           <a:ln w="31750">
             <a:solidFill>
-              <a:schemeClr val="tx1">
-                <a:lumMod val="50000"/>
-                <a:lumOff val="50000"/>
-              </a:schemeClr>
+              <a:schemeClr val="tx1"/>
             </a:solidFill>
             <a:tailEnd type="stealth"/>
           </a:ln>
@@ -9067,10 +9019,7 @@
           </a:prstGeom>
           <a:ln w="31750">
             <a:solidFill>
-              <a:schemeClr val="tx1">
-                <a:lumMod val="50000"/>
-                <a:lumOff val="50000"/>
-              </a:schemeClr>
+              <a:schemeClr val="tx1"/>
             </a:solidFill>
             <a:tailEnd type="stealth"/>
           </a:ln>
@@ -9109,10 +9058,7 @@
           </a:prstGeom>
           <a:ln w="31750">
             <a:solidFill>
-              <a:schemeClr val="tx1">
-                <a:lumMod val="50000"/>
-                <a:lumOff val="50000"/>
-              </a:schemeClr>
+              <a:schemeClr val="tx1"/>
             </a:solidFill>
             <a:tailEnd type="stealth"/>
           </a:ln>
@@ -9148,7 +9094,10 @@
           </a:prstGeom>
           <a:ln>
             <a:solidFill>
-              <a:schemeClr val="tx1"/>
+              <a:schemeClr val="tx1">
+                <a:lumMod val="65000"/>
+                <a:lumOff val="35000"/>
+              </a:schemeClr>
             </a:solidFill>
             <a:prstDash val="dash"/>
           </a:ln>
@@ -9184,7 +9133,10 @@
           </a:prstGeom>
           <a:ln>
             <a:solidFill>
-              <a:schemeClr val="tx1"/>
+              <a:schemeClr val="tx1">
+                <a:lumMod val="65000"/>
+                <a:lumOff val="35000"/>
+              </a:schemeClr>
             </a:solidFill>
             <a:prstDash val="dash"/>
           </a:ln>
@@ -9204,8 +9156,8 @@
           </a:fontRef>
         </p:style>
       </p:cxnSp>
-      <mc:AlternateContent xmlns:mc="http://schemas.openxmlformats.org/markup-compatibility/2006">
-        <mc:Choice xmlns:a14="http://schemas.microsoft.com/office/drawing/2010/main" Requires="a14">
+      <mc:AlternateContent xmlns:mc="http://schemas.openxmlformats.org/markup-compatibility/2006" xmlns:a14="http://schemas.microsoft.com/office/drawing/2010/main">
+        <mc:Choice Requires="a14">
           <p:sp>
             <p:nvSpPr>
               <p:cNvPr id="78" name="TextBox 77"/>
@@ -9286,7 +9238,7 @@
             </p:txBody>
           </p:sp>
         </mc:Choice>
-        <mc:Fallback>
+        <mc:Fallback xmlns="">
           <p:sp>
             <p:nvSpPr>
               <p:cNvPr id="78" name="TextBox 77"/>
@@ -9325,8 +9277,8 @@
           </p:sp>
         </mc:Fallback>
       </mc:AlternateContent>
-      <mc:AlternateContent xmlns:mc="http://schemas.openxmlformats.org/markup-compatibility/2006">
-        <mc:Choice xmlns:a14="http://schemas.microsoft.com/office/drawing/2010/main" Requires="a14">
+      <mc:AlternateContent xmlns:mc="http://schemas.openxmlformats.org/markup-compatibility/2006" xmlns:a14="http://schemas.microsoft.com/office/drawing/2010/main">
+        <mc:Choice Requires="a14">
           <p:sp>
             <p:nvSpPr>
               <p:cNvPr id="80" name="TextBox 79"/>
@@ -9362,6 +9314,7 @@
                 </a:endParaRPr>
               </a:p>
               <a:p>
+                <a:pPr/>
                 <a14:m>
                   <m:oMathPara xmlns:m="http://schemas.openxmlformats.org/officeDocument/2006/math">
                     <m:oMathParaPr>
@@ -9458,6 +9411,7 @@
                 <a:endParaRPr lang="en-US" dirty="0" smtClean="0"/>
               </a:p>
               <a:p>
+                <a:pPr/>
                 <a14:m>
                   <m:oMathPara xmlns:m="http://schemas.openxmlformats.org/officeDocument/2006/math">
                     <m:oMathParaPr>
@@ -9563,7 +9517,7 @@
             </p:txBody>
           </p:sp>
         </mc:Choice>
-        <mc:Fallback>
+        <mc:Fallback xmlns="">
           <p:sp>
             <p:nvSpPr>
               <p:cNvPr id="80" name="TextBox 79"/>
@@ -9602,8 +9556,8 @@
           </p:sp>
         </mc:Fallback>
       </mc:AlternateContent>
-      <mc:AlternateContent xmlns:mc="http://schemas.openxmlformats.org/markup-compatibility/2006">
-        <mc:Choice xmlns:a14="http://schemas.microsoft.com/office/drawing/2010/main" Requires="a14">
+      <mc:AlternateContent xmlns:mc="http://schemas.openxmlformats.org/markup-compatibility/2006" xmlns:a14="http://schemas.microsoft.com/office/drawing/2010/main">
+        <mc:Choice Requires="a14">
           <p:sp>
             <p:nvSpPr>
               <p:cNvPr id="81" name="TextBox 80"/>
@@ -9639,6 +9593,7 @@
                 </a:endParaRPr>
               </a:p>
               <a:p>
+                <a:pPr/>
                 <a14:m>
                   <m:oMathPara xmlns:m="http://schemas.openxmlformats.org/officeDocument/2006/math">
                     <m:oMathParaPr>
@@ -9775,6 +9730,7 @@
                 <a:endParaRPr lang="en-US" dirty="0" smtClean="0"/>
               </a:p>
               <a:p>
+                <a:pPr/>
                 <a14:m>
                   <m:oMathPara xmlns:m="http://schemas.openxmlformats.org/officeDocument/2006/math">
                     <m:oMathParaPr>
@@ -9880,7 +9836,7 @@
             </p:txBody>
           </p:sp>
         </mc:Choice>
-        <mc:Fallback>
+        <mc:Fallback xmlns="">
           <p:sp>
             <p:nvSpPr>
               <p:cNvPr id="81" name="TextBox 80"/>
@@ -9929,8 +9885,8 @@
             </p:nvSpPr>
             <p:spPr>
               <a:xfrm>
-                <a:off x="5080592" y="990600"/>
-                <a:ext cx="3765254" cy="584775"/>
+                <a:off x="5365454" y="1066800"/>
+                <a:ext cx="3511846" cy="584775"/>
               </a:xfrm>
               <a:prstGeom prst="rect">
                 <a:avLst/>
@@ -9956,6 +9912,7 @@
                 </a:endParaRPr>
               </a:p>
               <a:p>
+                <a:pPr/>
                 <a14:m>
                   <m:oMathPara xmlns:m="http://schemas.openxmlformats.org/officeDocument/2006/math">
                     <m:oMathParaPr>
@@ -10140,8 +10097,8 @@
             </p:nvSpPr>
             <p:spPr>
               <a:xfrm>
-                <a:off x="5080592" y="990600"/>
-                <a:ext cx="3765254" cy="584775"/>
+                <a:off x="5365454" y="1066800"/>
+                <a:ext cx="3511846" cy="584775"/>
               </a:xfrm>
               <a:prstGeom prst="rect">
                 <a:avLst/>
@@ -10149,7 +10106,7 @@
               <a:blipFill rotWithShape="1">
                 <a:blip r:embed="rId13"/>
                 <a:stretch>
-                  <a:fillRect l="-1294" t="-5263" b="-3158"/>
+                  <a:fillRect l="-1389" t="-5208" b="-3125"/>
                 </a:stretch>
               </a:blipFill>
             </p:spPr>
@@ -10184,7 +10141,10 @@
           </a:prstGeom>
           <a:ln>
             <a:solidFill>
-              <a:schemeClr val="tx1"/>
+              <a:schemeClr val="tx1">
+                <a:lumMod val="65000"/>
+                <a:lumOff val="35000"/>
+              </a:schemeClr>
             </a:solidFill>
             <a:prstDash val="dash"/>
           </a:ln>

--- a/Latex/Presentation1.pptx
+++ b/Latex/Presentation1.pptx
@@ -6,9 +6,10 @@
   </p:sldMasterIdLst>
   <p:sldIdLst>
     <p:sldId id="256" r:id="rId2"/>
-    <p:sldId id="257" r:id="rId3"/>
-    <p:sldId id="258" r:id="rId4"/>
-    <p:sldId id="259" r:id="rId5"/>
+    <p:sldId id="260" r:id="rId3"/>
+    <p:sldId id="257" r:id="rId4"/>
+    <p:sldId id="258" r:id="rId5"/>
+    <p:sldId id="259" r:id="rId6"/>
   </p:sldIdLst>
   <p:sldSz cx="9144000" cy="6858000" type="screen4x3"/>
   <p:notesSz cx="6858000" cy="9144000"/>
@@ -291,7 +292,7 @@
           <a:p>
             <a:fld id="{6D657F06-4D96-43BC-A84C-9C90B530D5F7}" type="datetimeFigureOut">
               <a:rPr lang="en-US" smtClean="0"/>
-              <a:t>11/23/2010</a:t>
+              <a:t>11/24/2010</a:t>
             </a:fld>
             <a:endParaRPr lang="en-US"/>
           </a:p>
@@ -461,7 +462,7 @@
           <a:p>
             <a:fld id="{6D657F06-4D96-43BC-A84C-9C90B530D5F7}" type="datetimeFigureOut">
               <a:rPr lang="en-US" smtClean="0"/>
-              <a:t>11/23/2010</a:t>
+              <a:t>11/24/2010</a:t>
             </a:fld>
             <a:endParaRPr lang="en-US"/>
           </a:p>
@@ -641,7 +642,7 @@
           <a:p>
             <a:fld id="{6D657F06-4D96-43BC-A84C-9C90B530D5F7}" type="datetimeFigureOut">
               <a:rPr lang="en-US" smtClean="0"/>
-              <a:t>11/23/2010</a:t>
+              <a:t>11/24/2010</a:t>
             </a:fld>
             <a:endParaRPr lang="en-US"/>
           </a:p>
@@ -811,7 +812,7 @@
           <a:p>
             <a:fld id="{6D657F06-4D96-43BC-A84C-9C90B530D5F7}" type="datetimeFigureOut">
               <a:rPr lang="en-US" smtClean="0"/>
-              <a:t>11/23/2010</a:t>
+              <a:t>11/24/2010</a:t>
             </a:fld>
             <a:endParaRPr lang="en-US"/>
           </a:p>
@@ -1057,7 +1058,7 @@
           <a:p>
             <a:fld id="{6D657F06-4D96-43BC-A84C-9C90B530D5F7}" type="datetimeFigureOut">
               <a:rPr lang="en-US" smtClean="0"/>
-              <a:t>11/23/2010</a:t>
+              <a:t>11/24/2010</a:t>
             </a:fld>
             <a:endParaRPr lang="en-US"/>
           </a:p>
@@ -1345,7 +1346,7 @@
           <a:p>
             <a:fld id="{6D657F06-4D96-43BC-A84C-9C90B530D5F7}" type="datetimeFigureOut">
               <a:rPr lang="en-US" smtClean="0"/>
-              <a:t>11/23/2010</a:t>
+              <a:t>11/24/2010</a:t>
             </a:fld>
             <a:endParaRPr lang="en-US"/>
           </a:p>
@@ -1767,7 +1768,7 @@
           <a:p>
             <a:fld id="{6D657F06-4D96-43BC-A84C-9C90B530D5F7}" type="datetimeFigureOut">
               <a:rPr lang="en-US" smtClean="0"/>
-              <a:t>11/23/2010</a:t>
+              <a:t>11/24/2010</a:t>
             </a:fld>
             <a:endParaRPr lang="en-US"/>
           </a:p>
@@ -1885,7 +1886,7 @@
           <a:p>
             <a:fld id="{6D657F06-4D96-43BC-A84C-9C90B530D5F7}" type="datetimeFigureOut">
               <a:rPr lang="en-US" smtClean="0"/>
-              <a:t>11/23/2010</a:t>
+              <a:t>11/24/2010</a:t>
             </a:fld>
             <a:endParaRPr lang="en-US"/>
           </a:p>
@@ -1980,7 +1981,7 @@
           <a:p>
             <a:fld id="{6D657F06-4D96-43BC-A84C-9C90B530D5F7}" type="datetimeFigureOut">
               <a:rPr lang="en-US" smtClean="0"/>
-              <a:t>11/23/2010</a:t>
+              <a:t>11/24/2010</a:t>
             </a:fld>
             <a:endParaRPr lang="en-US"/>
           </a:p>
@@ -2257,7 +2258,7 @@
           <a:p>
             <a:fld id="{6D657F06-4D96-43BC-A84C-9C90B530D5F7}" type="datetimeFigureOut">
               <a:rPr lang="en-US" smtClean="0"/>
-              <a:t>11/23/2010</a:t>
+              <a:t>11/24/2010</a:t>
             </a:fld>
             <a:endParaRPr lang="en-US"/>
           </a:p>
@@ -2510,7 +2511,7 @@
           <a:p>
             <a:fld id="{6D657F06-4D96-43BC-A84C-9C90B530D5F7}" type="datetimeFigureOut">
               <a:rPr lang="en-US" smtClean="0"/>
-              <a:t>11/23/2010</a:t>
+              <a:t>11/24/2010</a:t>
             </a:fld>
             <a:endParaRPr lang="en-US"/>
           </a:p>
@@ -2723,7 +2724,7 @@
           <a:p>
             <a:fld id="{6D657F06-4D96-43BC-A84C-9C90B530D5F7}" type="datetimeFigureOut">
               <a:rPr lang="en-US" smtClean="0"/>
-              <a:t>11/23/2010</a:t>
+              <a:t>11/24/2010</a:t>
             </a:fld>
             <a:endParaRPr lang="en-US"/>
           </a:p>
@@ -5811,6 +5812,83 @@
 </file>
 
 <file path=ppt/slides/slide2.xml><?xml version="1.0" encoding="utf-8"?>
+<p:sld xmlns:a="http://schemas.openxmlformats.org/drawingml/2006/main" xmlns:r="http://schemas.openxmlformats.org/officeDocument/2006/relationships" xmlns:p="http://schemas.openxmlformats.org/presentationml/2006/main">
+  <p:cSld>
+    <p:spTree>
+      <p:nvGrpSpPr>
+        <p:cNvPr id="1" name=""/>
+        <p:cNvGrpSpPr/>
+        <p:nvPr/>
+      </p:nvGrpSpPr>
+      <p:grpSpPr>
+        <a:xfrm>
+          <a:off x="0" y="0"/>
+          <a:ext cx="0" cy="0"/>
+          <a:chOff x="0" y="0"/>
+          <a:chExt cx="0" cy="0"/>
+        </a:xfrm>
+      </p:grpSpPr>
+      <p:sp>
+        <p:nvSpPr>
+          <p:cNvPr id="4" name="Oval 3"/>
+          <p:cNvSpPr/>
+          <p:nvPr/>
+        </p:nvSpPr>
+        <p:spPr>
+          <a:xfrm>
+            <a:off x="4114800" y="3124200"/>
+            <a:ext cx="914400" cy="914400"/>
+          </a:xfrm>
+          <a:prstGeom prst="ellipse">
+            <a:avLst/>
+          </a:prstGeom>
+        </p:spPr>
+        <p:style>
+          <a:lnRef idx="2">
+            <a:schemeClr val="accent1">
+              <a:shade val="50000"/>
+            </a:schemeClr>
+          </a:lnRef>
+          <a:fillRef idx="1">
+            <a:schemeClr val="accent1"/>
+          </a:fillRef>
+          <a:effectRef idx="0">
+            <a:schemeClr val="accent1"/>
+          </a:effectRef>
+          <a:fontRef idx="minor">
+            <a:schemeClr val="lt1"/>
+          </a:fontRef>
+        </p:style>
+        <p:txBody>
+          <a:bodyPr rtlCol="0" anchor="ctr"/>
+          <a:lstStyle/>
+          <a:p>
+            <a:pPr algn="ctr"/>
+            <a:endParaRPr lang="en-US"/>
+          </a:p>
+        </p:txBody>
+      </p:sp>
+    </p:spTree>
+    <p:extLst>
+      <p:ext uri="{BB962C8B-B14F-4D97-AF65-F5344CB8AC3E}">
+        <p14:creationId xmlns:p14="http://schemas.microsoft.com/office/powerpoint/2010/main" val="1648517885"/>
+      </p:ext>
+    </p:extLst>
+  </p:cSld>
+  <p:clrMapOvr>
+    <a:masterClrMapping/>
+  </p:clrMapOvr>
+  <p:timing>
+    <p:tnLst>
+      <p:par>
+        <p:cTn id="1" dur="indefinite" restart="never" nodeType="tmRoot"/>
+      </p:par>
+    </p:tnLst>
+  </p:timing>
+</p:sld>
+</file>
+
+<file path=ppt/slides/slide3.xml><?xml version="1.0" encoding="utf-8"?>
 <p:sld xmlns:a="http://schemas.openxmlformats.org/drawingml/2006/main" xmlns:r="http://schemas.openxmlformats.org/officeDocument/2006/relationships" xmlns:p="http://schemas.openxmlformats.org/presentationml/2006/main">
   <p:cSld>
     <p:spTree>
@@ -7062,7 +7140,7 @@
 </p:sld>
 </file>
 
-<file path=ppt/slides/slide3.xml><?xml version="1.0" encoding="utf-8"?>
+<file path=ppt/slides/slide4.xml><?xml version="1.0" encoding="utf-8"?>
 <p:sld xmlns:a="http://schemas.openxmlformats.org/drawingml/2006/main" xmlns:r="http://schemas.openxmlformats.org/officeDocument/2006/relationships" xmlns:p="http://schemas.openxmlformats.org/presentationml/2006/main">
   <p:cSld>
     <p:spTree>
@@ -8262,8 +8340,8 @@
           </p:sp>
         </mc:Fallback>
       </mc:AlternateContent>
-      <mc:AlternateContent xmlns:mc="http://schemas.openxmlformats.org/markup-compatibility/2006">
-        <mc:Choice xmlns:a14="http://schemas.microsoft.com/office/drawing/2010/main" Requires="a14">
+      <mc:AlternateContent xmlns:mc="http://schemas.openxmlformats.org/markup-compatibility/2006" xmlns:a14="http://schemas.microsoft.com/office/drawing/2010/main">
+        <mc:Choice Requires="a14">
           <p:sp>
             <p:nvSpPr>
               <p:cNvPr id="21" name="Oval 20"/>
@@ -8338,7 +8416,7 @@
             </p:txBody>
           </p:sp>
         </mc:Choice>
-        <mc:Fallback>
+        <mc:Fallback xmlns="">
           <p:sp>
             <p:nvSpPr>
               <p:cNvPr id="21" name="Oval 20"/>
@@ -9876,8 +9954,8 @@
           </p:sp>
         </mc:Fallback>
       </mc:AlternateContent>
-      <mc:AlternateContent xmlns:mc="http://schemas.openxmlformats.org/markup-compatibility/2006">
-        <mc:Choice xmlns:a14="http://schemas.microsoft.com/office/drawing/2010/main" Requires="a14">
+      <mc:AlternateContent xmlns:mc="http://schemas.openxmlformats.org/markup-compatibility/2006" xmlns:a14="http://schemas.microsoft.com/office/drawing/2010/main">
+        <mc:Choice Requires="a14">
           <p:sp>
             <p:nvSpPr>
               <p:cNvPr id="82" name="TextBox 81"/>
@@ -10087,7 +10165,7 @@
             </p:txBody>
           </p:sp>
         </mc:Choice>
-        <mc:Fallback>
+        <mc:Fallback xmlns="">
           <p:sp>
             <p:nvSpPr>
               <p:cNvPr id="82" name="TextBox 81"/>
@@ -10185,7 +10263,7 @@
 </p:sld>
 </file>
 
-<file path=ppt/slides/slide4.xml><?xml version="1.0" encoding="utf-8"?>
+<file path=ppt/slides/slide5.xml><?xml version="1.0" encoding="utf-8"?>
 <p:sld xmlns:a="http://schemas.openxmlformats.org/drawingml/2006/main" xmlns:r="http://schemas.openxmlformats.org/officeDocument/2006/relationships" xmlns:p="http://schemas.openxmlformats.org/presentationml/2006/main">
   <p:cSld>
     <p:spTree>
@@ -14430,8 +14508,8 @@
           </a:p>
         </p:txBody>
       </p:sp>
-      <mc:AlternateContent xmlns:mc="http://schemas.openxmlformats.org/markup-compatibility/2006">
-        <mc:Choice xmlns:a14="http://schemas.microsoft.com/office/drawing/2010/main" Requires="a14">
+      <mc:AlternateContent xmlns:mc="http://schemas.openxmlformats.org/markup-compatibility/2006" xmlns:a14="http://schemas.microsoft.com/office/drawing/2010/main">
+        <mc:Choice Requires="a14">
           <p:sp>
             <p:nvSpPr>
               <p:cNvPr id="108" name="TextBox 107"/>
@@ -14494,7 +14572,7 @@
             </p:txBody>
           </p:sp>
         </mc:Choice>
-        <mc:Fallback>
+        <mc:Fallback xmlns="">
           <p:sp>
             <p:nvSpPr>
               <p:cNvPr id="108" name="TextBox 107"/>
@@ -14533,8 +14611,8 @@
           </p:sp>
         </mc:Fallback>
       </mc:AlternateContent>
-      <mc:AlternateContent xmlns:mc="http://schemas.openxmlformats.org/markup-compatibility/2006">
-        <mc:Choice xmlns:a14="http://schemas.microsoft.com/office/drawing/2010/main" Requires="a14">
+      <mc:AlternateContent xmlns:mc="http://schemas.openxmlformats.org/markup-compatibility/2006" xmlns:a14="http://schemas.microsoft.com/office/drawing/2010/main">
+        <mc:Choice Requires="a14">
           <p:sp>
             <p:nvSpPr>
               <p:cNvPr id="109" name="TextBox 108"/>
@@ -14605,7 +14683,7 @@
             </p:txBody>
           </p:sp>
         </mc:Choice>
-        <mc:Fallback>
+        <mc:Fallback xmlns="">
           <p:sp>
             <p:nvSpPr>
               <p:cNvPr id="109" name="TextBox 108"/>
@@ -14644,8 +14722,8 @@
           </p:sp>
         </mc:Fallback>
       </mc:AlternateContent>
-      <mc:AlternateContent xmlns:mc="http://schemas.openxmlformats.org/markup-compatibility/2006">
-        <mc:Choice xmlns:a14="http://schemas.microsoft.com/office/drawing/2010/main" Requires="a14">
+      <mc:AlternateContent xmlns:mc="http://schemas.openxmlformats.org/markup-compatibility/2006" xmlns:a14="http://schemas.microsoft.com/office/drawing/2010/main">
+        <mc:Choice Requires="a14">
           <p:sp>
             <p:nvSpPr>
               <p:cNvPr id="110" name="TextBox 109"/>
@@ -14668,6 +14746,7 @@
               </a:bodyPr>
               <a:lstStyle/>
               <a:p>
+                <a:pPr/>
                 <a14:m>
                   <m:oMathPara xmlns:m="http://schemas.openxmlformats.org/officeDocument/2006/math">
                     <m:oMathParaPr>
@@ -14707,7 +14786,7 @@
             </p:txBody>
           </p:sp>
         </mc:Choice>
-        <mc:Fallback>
+        <mc:Fallback xmlns="">
           <p:sp>
             <p:nvSpPr>
               <p:cNvPr id="110" name="TextBox 109"/>
@@ -14746,8 +14825,8 @@
           </p:sp>
         </mc:Fallback>
       </mc:AlternateContent>
-      <mc:AlternateContent xmlns:mc="http://schemas.openxmlformats.org/markup-compatibility/2006">
-        <mc:Choice xmlns:a14="http://schemas.microsoft.com/office/drawing/2010/main" Requires="a14">
+      <mc:AlternateContent xmlns:mc="http://schemas.openxmlformats.org/markup-compatibility/2006" xmlns:a14="http://schemas.microsoft.com/office/drawing/2010/main">
+        <mc:Choice Requires="a14">
           <p:sp>
             <p:nvSpPr>
               <p:cNvPr id="111" name="TextBox 110"/>
@@ -14770,6 +14849,7 @@
               </a:bodyPr>
               <a:lstStyle/>
               <a:p>
+                <a:pPr/>
                 <a14:m>
                   <m:oMathPara xmlns:m="http://schemas.openxmlformats.org/officeDocument/2006/math">
                     <m:oMathParaPr>
@@ -14809,7 +14889,7 @@
             </p:txBody>
           </p:sp>
         </mc:Choice>
-        <mc:Fallback>
+        <mc:Fallback xmlns="">
           <p:sp>
             <p:nvSpPr>
               <p:cNvPr id="111" name="TextBox 110"/>
@@ -14848,8 +14928,8 @@
           </p:sp>
         </mc:Fallback>
       </mc:AlternateContent>
-      <mc:AlternateContent xmlns:mc="http://schemas.openxmlformats.org/markup-compatibility/2006">
-        <mc:Choice xmlns:a14="http://schemas.microsoft.com/office/drawing/2010/main" Requires="a14">
+      <mc:AlternateContent xmlns:mc="http://schemas.openxmlformats.org/markup-compatibility/2006" xmlns:a14="http://schemas.microsoft.com/office/drawing/2010/main">
+        <mc:Choice Requires="a14">
           <p:sp>
             <p:nvSpPr>
               <p:cNvPr id="112" name="TextBox 111"/>
@@ -14872,6 +14952,7 @@
               </a:bodyPr>
               <a:lstStyle/>
               <a:p>
+                <a:pPr/>
                 <a14:m>
                   <m:oMathPara xmlns:m="http://schemas.openxmlformats.org/officeDocument/2006/math">
                     <m:oMathParaPr>
@@ -14911,7 +14992,7 @@
             </p:txBody>
           </p:sp>
         </mc:Choice>
-        <mc:Fallback>
+        <mc:Fallback xmlns="">
           <p:sp>
             <p:nvSpPr>
               <p:cNvPr id="112" name="TextBox 111"/>
@@ -14950,8 +15031,8 @@
           </p:sp>
         </mc:Fallback>
       </mc:AlternateContent>
-      <mc:AlternateContent xmlns:mc="http://schemas.openxmlformats.org/markup-compatibility/2006">
-        <mc:Choice xmlns:a14="http://schemas.microsoft.com/office/drawing/2010/main" Requires="a14">
+      <mc:AlternateContent xmlns:mc="http://schemas.openxmlformats.org/markup-compatibility/2006" xmlns:a14="http://schemas.microsoft.com/office/drawing/2010/main">
+        <mc:Choice Requires="a14">
           <p:sp>
             <p:nvSpPr>
               <p:cNvPr id="113" name="TextBox 112"/>
@@ -14974,6 +15055,7 @@
               </a:bodyPr>
               <a:lstStyle/>
               <a:p>
+                <a:pPr/>
                 <a14:m>
                   <m:oMathPara xmlns:m="http://schemas.openxmlformats.org/officeDocument/2006/math">
                     <m:oMathParaPr>
@@ -15013,7 +15095,7 @@
             </p:txBody>
           </p:sp>
         </mc:Choice>
-        <mc:Fallback>
+        <mc:Fallback xmlns="">
           <p:sp>
             <p:nvSpPr>
               <p:cNvPr id="113" name="TextBox 112"/>
@@ -15052,8 +15134,8 @@
           </p:sp>
         </mc:Fallback>
       </mc:AlternateContent>
-      <mc:AlternateContent xmlns:mc="http://schemas.openxmlformats.org/markup-compatibility/2006">
-        <mc:Choice xmlns:a14="http://schemas.microsoft.com/office/drawing/2010/main" Requires="a14">
+      <mc:AlternateContent xmlns:mc="http://schemas.openxmlformats.org/markup-compatibility/2006" xmlns:a14="http://schemas.microsoft.com/office/drawing/2010/main">
+        <mc:Choice Requires="a14">
           <p:sp>
             <p:nvSpPr>
               <p:cNvPr id="114" name="TextBox 113"/>
@@ -15076,6 +15158,7 @@
               </a:bodyPr>
               <a:lstStyle/>
               <a:p>
+                <a:pPr/>
                 <a14:m>
                   <m:oMathPara xmlns:m="http://schemas.openxmlformats.org/officeDocument/2006/math">
                     <m:oMathParaPr>
@@ -15115,7 +15198,7 @@
             </p:txBody>
           </p:sp>
         </mc:Choice>
-        <mc:Fallback>
+        <mc:Fallback xmlns="">
           <p:sp>
             <p:nvSpPr>
               <p:cNvPr id="114" name="TextBox 113"/>
@@ -15154,8 +15237,8 @@
           </p:sp>
         </mc:Fallback>
       </mc:AlternateContent>
-      <mc:AlternateContent xmlns:mc="http://schemas.openxmlformats.org/markup-compatibility/2006">
-        <mc:Choice xmlns:a14="http://schemas.microsoft.com/office/drawing/2010/main" Requires="a14">
+      <mc:AlternateContent xmlns:mc="http://schemas.openxmlformats.org/markup-compatibility/2006" xmlns:a14="http://schemas.microsoft.com/office/drawing/2010/main">
+        <mc:Choice Requires="a14">
           <p:sp>
             <p:nvSpPr>
               <p:cNvPr id="115" name="TextBox 114"/>
@@ -15178,6 +15261,7 @@
               </a:bodyPr>
               <a:lstStyle/>
               <a:p>
+                <a:pPr/>
                 <a14:m>
                   <m:oMathPara xmlns:m="http://schemas.openxmlformats.org/officeDocument/2006/math">
                     <m:oMathParaPr>
@@ -15217,7 +15301,7 @@
             </p:txBody>
           </p:sp>
         </mc:Choice>
-        <mc:Fallback>
+        <mc:Fallback xmlns="">
           <p:sp>
             <p:nvSpPr>
               <p:cNvPr id="115" name="TextBox 114"/>
@@ -16065,8 +16149,8 @@
           </a:p>
         </p:txBody>
       </p:sp>
-      <mc:AlternateContent xmlns:mc="http://schemas.openxmlformats.org/markup-compatibility/2006">
-        <mc:Choice xmlns:a14="http://schemas.microsoft.com/office/drawing/2010/main" Requires="a14">
+      <mc:AlternateContent xmlns:mc="http://schemas.openxmlformats.org/markup-compatibility/2006" xmlns:a14="http://schemas.microsoft.com/office/drawing/2010/main">
+        <mc:Choice Requires="a14">
           <p:sp>
             <p:nvSpPr>
               <p:cNvPr id="156" name="TextBox 155"/>
@@ -16093,6 +16177,7 @@
               </a:bodyPr>
               <a:lstStyle/>
               <a:p>
+                <a:pPr/>
                 <a14:m>
                   <m:oMathPara xmlns:m="http://schemas.openxmlformats.org/officeDocument/2006/math">
                     <m:oMathParaPr>
@@ -16132,7 +16217,7 @@
             </p:txBody>
           </p:sp>
         </mc:Choice>
-        <mc:Fallback>
+        <mc:Fallback xmlns="">
           <p:sp>
             <p:nvSpPr>
               <p:cNvPr id="156" name="TextBox 155"/>
@@ -17701,8 +17786,8 @@
           </a:p>
         </p:txBody>
       </p:sp>
-      <mc:AlternateContent xmlns:mc="http://schemas.openxmlformats.org/markup-compatibility/2006">
-        <mc:Choice xmlns:a14="http://schemas.microsoft.com/office/drawing/2010/main" Requires="a14">
+      <mc:AlternateContent xmlns:mc="http://schemas.openxmlformats.org/markup-compatibility/2006" xmlns:a14="http://schemas.microsoft.com/office/drawing/2010/main">
+        <mc:Choice Requires="a14">
           <p:sp>
             <p:nvSpPr>
               <p:cNvPr id="206" name="TextBox 205"/>
@@ -17729,6 +17814,7 @@
               </a:bodyPr>
               <a:lstStyle/>
               <a:p>
+                <a:pPr/>
                 <a14:m>
                   <m:oMathPara xmlns:m="http://schemas.openxmlformats.org/officeDocument/2006/math">
                     <m:oMathParaPr>
@@ -17768,7 +17854,7 @@
             </p:txBody>
           </p:sp>
         </mc:Choice>
-        <mc:Fallback>
+        <mc:Fallback xmlns="">
           <p:sp>
             <p:nvSpPr>
               <p:cNvPr id="206" name="TextBox 205"/>
@@ -17807,8 +17893,8 @@
           </p:sp>
         </mc:Fallback>
       </mc:AlternateContent>
-      <mc:AlternateContent xmlns:mc="http://schemas.openxmlformats.org/markup-compatibility/2006">
-        <mc:Choice xmlns:a14="http://schemas.microsoft.com/office/drawing/2010/main" Requires="a14">
+      <mc:AlternateContent xmlns:mc="http://schemas.openxmlformats.org/markup-compatibility/2006" xmlns:a14="http://schemas.microsoft.com/office/drawing/2010/main">
+        <mc:Choice Requires="a14">
           <p:sp>
             <p:nvSpPr>
               <p:cNvPr id="207" name="TextBox 206"/>
@@ -17835,6 +17921,7 @@
               </a:bodyPr>
               <a:lstStyle/>
               <a:p>
+                <a:pPr/>
                 <a14:m>
                   <m:oMathPara xmlns:m="http://schemas.openxmlformats.org/officeDocument/2006/math">
                     <m:oMathParaPr>
@@ -17874,7 +17961,7 @@
             </p:txBody>
           </p:sp>
         </mc:Choice>
-        <mc:Fallback>
+        <mc:Fallback xmlns="">
           <p:sp>
             <p:nvSpPr>
               <p:cNvPr id="207" name="TextBox 206"/>
@@ -17913,8 +18000,8 @@
           </p:sp>
         </mc:Fallback>
       </mc:AlternateContent>
-      <mc:AlternateContent xmlns:mc="http://schemas.openxmlformats.org/markup-compatibility/2006">
-        <mc:Choice xmlns:a14="http://schemas.microsoft.com/office/drawing/2010/main" Requires="a14">
+      <mc:AlternateContent xmlns:mc="http://schemas.openxmlformats.org/markup-compatibility/2006" xmlns:a14="http://schemas.microsoft.com/office/drawing/2010/main">
+        <mc:Choice Requires="a14">
           <p:sp>
             <p:nvSpPr>
               <p:cNvPr id="208" name="TextBox 207"/>
@@ -17941,6 +18028,7 @@
               </a:bodyPr>
               <a:lstStyle/>
               <a:p>
+                <a:pPr/>
                 <a14:m>
                   <m:oMathPara xmlns:m="http://schemas.openxmlformats.org/officeDocument/2006/math">
                     <m:oMathParaPr>
@@ -17980,7 +18068,7 @@
             </p:txBody>
           </p:sp>
         </mc:Choice>
-        <mc:Fallback>
+        <mc:Fallback xmlns="">
           <p:sp>
             <p:nvSpPr>
               <p:cNvPr id="208" name="TextBox 207"/>
@@ -18019,8 +18107,8 @@
           </p:sp>
         </mc:Fallback>
       </mc:AlternateContent>
-      <mc:AlternateContent xmlns:mc="http://schemas.openxmlformats.org/markup-compatibility/2006">
-        <mc:Choice xmlns:a14="http://schemas.microsoft.com/office/drawing/2010/main" Requires="a14">
+      <mc:AlternateContent xmlns:mc="http://schemas.openxmlformats.org/markup-compatibility/2006" xmlns:a14="http://schemas.microsoft.com/office/drawing/2010/main">
+        <mc:Choice Requires="a14">
           <p:sp>
             <p:nvSpPr>
               <p:cNvPr id="209" name="TextBox 208"/>
@@ -18047,6 +18135,7 @@
               </a:bodyPr>
               <a:lstStyle/>
               <a:p>
+                <a:pPr/>
                 <a14:m>
                   <m:oMathPara xmlns:m="http://schemas.openxmlformats.org/officeDocument/2006/math">
                     <m:oMathParaPr>
@@ -18086,7 +18175,7 @@
             </p:txBody>
           </p:sp>
         </mc:Choice>
-        <mc:Fallback>
+        <mc:Fallback xmlns="">
           <p:sp>
             <p:nvSpPr>
               <p:cNvPr id="209" name="TextBox 208"/>
@@ -18125,8 +18214,8 @@
           </p:sp>
         </mc:Fallback>
       </mc:AlternateContent>
-      <mc:AlternateContent xmlns:mc="http://schemas.openxmlformats.org/markup-compatibility/2006">
-        <mc:Choice xmlns:a14="http://schemas.microsoft.com/office/drawing/2010/main" Requires="a14">
+      <mc:AlternateContent xmlns:mc="http://schemas.openxmlformats.org/markup-compatibility/2006" xmlns:a14="http://schemas.microsoft.com/office/drawing/2010/main">
+        <mc:Choice Requires="a14">
           <p:sp>
             <p:nvSpPr>
               <p:cNvPr id="210" name="TextBox 209"/>
@@ -18153,6 +18242,7 @@
               </a:bodyPr>
               <a:lstStyle/>
               <a:p>
+                <a:pPr/>
                 <a14:m>
                   <m:oMathPara xmlns:m="http://schemas.openxmlformats.org/officeDocument/2006/math">
                     <m:oMathParaPr>
@@ -18192,7 +18282,7 @@
             </p:txBody>
           </p:sp>
         </mc:Choice>
-        <mc:Fallback>
+        <mc:Fallback xmlns="">
           <p:sp>
             <p:nvSpPr>
               <p:cNvPr id="210" name="TextBox 209"/>
@@ -18583,8 +18673,8 @@
           </a:fontRef>
         </p:style>
       </p:cxnSp>
-      <mc:AlternateContent xmlns:mc="http://schemas.openxmlformats.org/markup-compatibility/2006">
-        <mc:Choice xmlns:a14="http://schemas.microsoft.com/office/drawing/2010/main" Requires="a14">
+      <mc:AlternateContent xmlns:mc="http://schemas.openxmlformats.org/markup-compatibility/2006" xmlns:a14="http://schemas.microsoft.com/office/drawing/2010/main">
+        <mc:Choice Requires="a14">
           <p:sp>
             <p:nvSpPr>
               <p:cNvPr id="222" name="TextBox 221"/>
@@ -18607,6 +18697,7 @@
               </a:bodyPr>
               <a:lstStyle/>
               <a:p>
+                <a:pPr/>
                 <a14:m>
                   <m:oMathPara xmlns:m="http://schemas.openxmlformats.org/officeDocument/2006/math">
                     <m:oMathParaPr>
@@ -18665,7 +18756,7 @@
             </p:txBody>
           </p:sp>
         </mc:Choice>
-        <mc:Fallback>
+        <mc:Fallback xmlns="">
           <p:sp>
             <p:nvSpPr>
               <p:cNvPr id="222" name="TextBox 221"/>
@@ -19894,8 +19985,8 @@
           </a:fontRef>
         </p:style>
       </p:cxnSp>
-      <mc:AlternateContent xmlns:mc="http://schemas.openxmlformats.org/markup-compatibility/2006">
-        <mc:Choice xmlns:a14="http://schemas.microsoft.com/office/drawing/2010/main" Requires="a14">
+      <mc:AlternateContent xmlns:mc="http://schemas.openxmlformats.org/markup-compatibility/2006" xmlns:a14="http://schemas.microsoft.com/office/drawing/2010/main">
+        <mc:Choice Requires="a14">
           <p:sp>
             <p:nvSpPr>
               <p:cNvPr id="253" name="TextBox 252"/>
@@ -19918,6 +20009,7 @@
               </a:bodyPr>
               <a:lstStyle/>
               <a:p>
+                <a:pPr/>
                 <a14:m>
                   <m:oMathPara xmlns:m="http://schemas.openxmlformats.org/officeDocument/2006/math">
                     <m:oMathParaPr>
@@ -19976,7 +20068,7 @@
             </p:txBody>
           </p:sp>
         </mc:Choice>
-        <mc:Fallback>
+        <mc:Fallback xmlns="">
           <p:sp>
             <p:nvSpPr>
               <p:cNvPr id="253" name="TextBox 252"/>
@@ -20015,8 +20107,8 @@
           </p:sp>
         </mc:Fallback>
       </mc:AlternateContent>
-      <mc:AlternateContent xmlns:mc="http://schemas.openxmlformats.org/markup-compatibility/2006">
-        <mc:Choice xmlns:a14="http://schemas.microsoft.com/office/drawing/2010/main" Requires="a14">
+      <mc:AlternateContent xmlns:mc="http://schemas.openxmlformats.org/markup-compatibility/2006" xmlns:a14="http://schemas.microsoft.com/office/drawing/2010/main">
+        <mc:Choice Requires="a14">
           <p:sp>
             <p:nvSpPr>
               <p:cNvPr id="254" name="TextBox 253"/>
@@ -20039,6 +20131,7 @@
               </a:bodyPr>
               <a:lstStyle/>
               <a:p>
+                <a:pPr/>
                 <a14:m>
                   <m:oMathPara xmlns:m="http://schemas.openxmlformats.org/officeDocument/2006/math">
                     <m:oMathParaPr>
@@ -20097,7 +20190,7 @@
             </p:txBody>
           </p:sp>
         </mc:Choice>
-        <mc:Fallback>
+        <mc:Fallback xmlns="">
           <p:sp>
             <p:nvSpPr>
               <p:cNvPr id="254" name="TextBox 253"/>
@@ -20136,8 +20229,8 @@
           </p:sp>
         </mc:Fallback>
       </mc:AlternateContent>
-      <mc:AlternateContent xmlns:mc="http://schemas.openxmlformats.org/markup-compatibility/2006">
-        <mc:Choice xmlns:a14="http://schemas.microsoft.com/office/drawing/2010/main" Requires="a14">
+      <mc:AlternateContent xmlns:mc="http://schemas.openxmlformats.org/markup-compatibility/2006" xmlns:a14="http://schemas.microsoft.com/office/drawing/2010/main">
+        <mc:Choice Requires="a14">
           <p:sp>
             <p:nvSpPr>
               <p:cNvPr id="255" name="TextBox 254"/>
@@ -20160,6 +20253,7 @@
               </a:bodyPr>
               <a:lstStyle/>
               <a:p>
+                <a:pPr/>
                 <a14:m>
                   <m:oMathPara xmlns:m="http://schemas.openxmlformats.org/officeDocument/2006/math">
                     <m:oMathParaPr>
@@ -20218,7 +20312,7 @@
             </p:txBody>
           </p:sp>
         </mc:Choice>
-        <mc:Fallback>
+        <mc:Fallback xmlns="">
           <p:sp>
             <p:nvSpPr>
               <p:cNvPr id="255" name="TextBox 254"/>
@@ -20257,8 +20351,8 @@
           </p:sp>
         </mc:Fallback>
       </mc:AlternateContent>
-      <mc:AlternateContent xmlns:mc="http://schemas.openxmlformats.org/markup-compatibility/2006">
-        <mc:Choice xmlns:a14="http://schemas.microsoft.com/office/drawing/2010/main" Requires="a14">
+      <mc:AlternateContent xmlns:mc="http://schemas.openxmlformats.org/markup-compatibility/2006" xmlns:a14="http://schemas.microsoft.com/office/drawing/2010/main">
+        <mc:Choice Requires="a14">
           <p:sp>
             <p:nvSpPr>
               <p:cNvPr id="256" name="TextBox 255"/>
@@ -20281,6 +20375,7 @@
               </a:bodyPr>
               <a:lstStyle/>
               <a:p>
+                <a:pPr/>
                 <a14:m>
                   <m:oMathPara xmlns:m="http://schemas.openxmlformats.org/officeDocument/2006/math">
                     <m:oMathParaPr>
@@ -20339,7 +20434,7 @@
             </p:txBody>
           </p:sp>
         </mc:Choice>
-        <mc:Fallback>
+        <mc:Fallback xmlns="">
           <p:sp>
             <p:nvSpPr>
               <p:cNvPr id="256" name="TextBox 255"/>
@@ -20378,8 +20473,8 @@
           </p:sp>
         </mc:Fallback>
       </mc:AlternateContent>
-      <mc:AlternateContent xmlns:mc="http://schemas.openxmlformats.org/markup-compatibility/2006">
-        <mc:Choice xmlns:a14="http://schemas.microsoft.com/office/drawing/2010/main" Requires="a14">
+      <mc:AlternateContent xmlns:mc="http://schemas.openxmlformats.org/markup-compatibility/2006" xmlns:a14="http://schemas.microsoft.com/office/drawing/2010/main">
+        <mc:Choice Requires="a14">
           <p:sp>
             <p:nvSpPr>
               <p:cNvPr id="257" name="TextBox 256"/>
@@ -20402,6 +20497,7 @@
               </a:bodyPr>
               <a:lstStyle/>
               <a:p>
+                <a:pPr/>
                 <a14:m>
                   <m:oMathPara xmlns:m="http://schemas.openxmlformats.org/officeDocument/2006/math">
                     <m:oMathParaPr>
@@ -20460,7 +20556,7 @@
             </p:txBody>
           </p:sp>
         </mc:Choice>
-        <mc:Fallback>
+        <mc:Fallback xmlns="">
           <p:sp>
             <p:nvSpPr>
               <p:cNvPr id="257" name="TextBox 256"/>
@@ -22968,8 +23064,8 @@
           </a:p>
         </p:txBody>
       </p:sp>
-      <mc:AlternateContent xmlns:mc="http://schemas.openxmlformats.org/markup-compatibility/2006">
-        <mc:Choice xmlns:a14="http://schemas.microsoft.com/office/drawing/2010/main" Requires="a14">
+      <mc:AlternateContent xmlns:mc="http://schemas.openxmlformats.org/markup-compatibility/2006" xmlns:a14="http://schemas.microsoft.com/office/drawing/2010/main">
+        <mc:Choice Requires="a14">
           <p:sp>
             <p:nvSpPr>
               <p:cNvPr id="383" name="TextBox 382"/>
@@ -22992,6 +23088,7 @@
               </a:bodyPr>
               <a:lstStyle/>
               <a:p>
+                <a:pPr/>
                 <a14:m>
                   <m:oMathPara xmlns:m="http://schemas.openxmlformats.org/officeDocument/2006/math">
                     <m:oMathParaPr>
@@ -23052,7 +23149,7 @@
             </p:txBody>
           </p:sp>
         </mc:Choice>
-        <mc:Fallback>
+        <mc:Fallback xmlns="">
           <p:sp>
             <p:nvSpPr>
               <p:cNvPr id="383" name="TextBox 382"/>
@@ -23183,8 +23280,8 @@
           </a:p>
         </p:txBody>
       </p:sp>
-      <mc:AlternateContent xmlns:mc="http://schemas.openxmlformats.org/markup-compatibility/2006">
-        <mc:Choice xmlns:a14="http://schemas.microsoft.com/office/drawing/2010/main" Requires="a14">
+      <mc:AlternateContent xmlns:mc="http://schemas.openxmlformats.org/markup-compatibility/2006" xmlns:a14="http://schemas.microsoft.com/office/drawing/2010/main">
+        <mc:Choice Requires="a14">
           <p:sp>
             <p:nvSpPr>
               <p:cNvPr id="386" name="TextBox 385"/>
@@ -23207,6 +23304,7 @@
               </a:bodyPr>
               <a:lstStyle/>
               <a:p>
+                <a:pPr/>
                 <a14:m>
                   <m:oMathPara xmlns:m="http://schemas.openxmlformats.org/officeDocument/2006/math">
                     <m:oMathParaPr>
@@ -23249,7 +23347,7 @@
             </p:txBody>
           </p:sp>
         </mc:Choice>
-        <mc:Fallback>
+        <mc:Fallback xmlns="">
           <p:sp>
             <p:nvSpPr>
               <p:cNvPr id="386" name="TextBox 385"/>
@@ -23288,8 +23386,8 @@
           </p:sp>
         </mc:Fallback>
       </mc:AlternateContent>
-      <mc:AlternateContent xmlns:mc="http://schemas.openxmlformats.org/markup-compatibility/2006">
-        <mc:Choice xmlns:a14="http://schemas.microsoft.com/office/drawing/2010/main" Requires="a14">
+      <mc:AlternateContent xmlns:mc="http://schemas.openxmlformats.org/markup-compatibility/2006" xmlns:a14="http://schemas.microsoft.com/office/drawing/2010/main">
+        <mc:Choice Requires="a14">
           <p:sp>
             <p:nvSpPr>
               <p:cNvPr id="387" name="TextBox 386"/>
@@ -23374,7 +23472,7 @@
             </p:txBody>
           </p:sp>
         </mc:Choice>
-        <mc:Fallback>
+        <mc:Fallback xmlns="">
           <p:sp>
             <p:nvSpPr>
               <p:cNvPr id="387" name="TextBox 386"/>
@@ -23413,8 +23511,8 @@
           </p:sp>
         </mc:Fallback>
       </mc:AlternateContent>
-      <mc:AlternateContent xmlns:mc="http://schemas.openxmlformats.org/markup-compatibility/2006">
-        <mc:Choice xmlns:a14="http://schemas.microsoft.com/office/drawing/2010/main" Requires="a14">
+      <mc:AlternateContent xmlns:mc="http://schemas.openxmlformats.org/markup-compatibility/2006" xmlns:a14="http://schemas.microsoft.com/office/drawing/2010/main">
+        <mc:Choice Requires="a14">
           <p:sp>
             <p:nvSpPr>
               <p:cNvPr id="388" name="Rectangle 387"/>
@@ -23436,6 +23534,7 @@
               </a:bodyPr>
               <a:lstStyle/>
               <a:p>
+                <a:pPr/>
                 <a14:m>
                   <m:oMathPara xmlns:m="http://schemas.openxmlformats.org/officeDocument/2006/math">
                     <m:oMathParaPr>
@@ -23597,7 +23696,7 @@
             </p:txBody>
           </p:sp>
         </mc:Choice>
-        <mc:Fallback>
+        <mc:Fallback xmlns="">
           <p:sp>
             <p:nvSpPr>
               <p:cNvPr id="388" name="Rectangle 387"/>

--- a/Latex/Presentation1.pptx
+++ b/Latex/Presentation1.pptx
@@ -292,7 +292,7 @@
           <a:p>
             <a:fld id="{6D657F06-4D96-43BC-A84C-9C90B530D5F7}" type="datetimeFigureOut">
               <a:rPr lang="en-US" smtClean="0"/>
-              <a:t>11/24/2010</a:t>
+              <a:t>11/27/2010</a:t>
             </a:fld>
             <a:endParaRPr lang="en-US"/>
           </a:p>
@@ -462,7 +462,7 @@
           <a:p>
             <a:fld id="{6D657F06-4D96-43BC-A84C-9C90B530D5F7}" type="datetimeFigureOut">
               <a:rPr lang="en-US" smtClean="0"/>
-              <a:t>11/24/2010</a:t>
+              <a:t>11/27/2010</a:t>
             </a:fld>
             <a:endParaRPr lang="en-US"/>
           </a:p>
@@ -642,7 +642,7 @@
           <a:p>
             <a:fld id="{6D657F06-4D96-43BC-A84C-9C90B530D5F7}" type="datetimeFigureOut">
               <a:rPr lang="en-US" smtClean="0"/>
-              <a:t>11/24/2010</a:t>
+              <a:t>11/27/2010</a:t>
             </a:fld>
             <a:endParaRPr lang="en-US"/>
           </a:p>
@@ -812,7 +812,7 @@
           <a:p>
             <a:fld id="{6D657F06-4D96-43BC-A84C-9C90B530D5F7}" type="datetimeFigureOut">
               <a:rPr lang="en-US" smtClean="0"/>
-              <a:t>11/24/2010</a:t>
+              <a:t>11/27/2010</a:t>
             </a:fld>
             <a:endParaRPr lang="en-US"/>
           </a:p>
@@ -1058,7 +1058,7 @@
           <a:p>
             <a:fld id="{6D657F06-4D96-43BC-A84C-9C90B530D5F7}" type="datetimeFigureOut">
               <a:rPr lang="en-US" smtClean="0"/>
-              <a:t>11/24/2010</a:t>
+              <a:t>11/27/2010</a:t>
             </a:fld>
             <a:endParaRPr lang="en-US"/>
           </a:p>
@@ -1346,7 +1346,7 @@
           <a:p>
             <a:fld id="{6D657F06-4D96-43BC-A84C-9C90B530D5F7}" type="datetimeFigureOut">
               <a:rPr lang="en-US" smtClean="0"/>
-              <a:t>11/24/2010</a:t>
+              <a:t>11/27/2010</a:t>
             </a:fld>
             <a:endParaRPr lang="en-US"/>
           </a:p>
@@ -1768,7 +1768,7 @@
           <a:p>
             <a:fld id="{6D657F06-4D96-43BC-A84C-9C90B530D5F7}" type="datetimeFigureOut">
               <a:rPr lang="en-US" smtClean="0"/>
-              <a:t>11/24/2010</a:t>
+              <a:t>11/27/2010</a:t>
             </a:fld>
             <a:endParaRPr lang="en-US"/>
           </a:p>
@@ -1886,7 +1886,7 @@
           <a:p>
             <a:fld id="{6D657F06-4D96-43BC-A84C-9C90B530D5F7}" type="datetimeFigureOut">
               <a:rPr lang="en-US" smtClean="0"/>
-              <a:t>11/24/2010</a:t>
+              <a:t>11/27/2010</a:t>
             </a:fld>
             <a:endParaRPr lang="en-US"/>
           </a:p>
@@ -1981,7 +1981,7 @@
           <a:p>
             <a:fld id="{6D657F06-4D96-43BC-A84C-9C90B530D5F7}" type="datetimeFigureOut">
               <a:rPr lang="en-US" smtClean="0"/>
-              <a:t>11/24/2010</a:t>
+              <a:t>11/27/2010</a:t>
             </a:fld>
             <a:endParaRPr lang="en-US"/>
           </a:p>
@@ -2258,7 +2258,7 @@
           <a:p>
             <a:fld id="{6D657F06-4D96-43BC-A84C-9C90B530D5F7}" type="datetimeFigureOut">
               <a:rPr lang="en-US" smtClean="0"/>
-              <a:t>11/24/2010</a:t>
+              <a:t>11/27/2010</a:t>
             </a:fld>
             <a:endParaRPr lang="en-US"/>
           </a:p>
@@ -2511,7 +2511,7 @@
           <a:p>
             <a:fld id="{6D657F06-4D96-43BC-A84C-9C90B530D5F7}" type="datetimeFigureOut">
               <a:rPr lang="en-US" smtClean="0"/>
-              <a:t>11/24/2010</a:t>
+              <a:t>11/27/2010</a:t>
             </a:fld>
             <a:endParaRPr lang="en-US"/>
           </a:p>
@@ -2724,7 +2724,7 @@
           <a:p>
             <a:fld id="{6D657F06-4D96-43BC-A84C-9C90B530D5F7}" type="datetimeFigureOut">
               <a:rPr lang="en-US" smtClean="0"/>
-              <a:t>11/24/2010</a:t>
+              <a:t>11/27/2010</a:t>
             </a:fld>
             <a:endParaRPr lang="en-US"/>
           </a:p>
@@ -23511,8 +23511,8 @@
           </p:sp>
         </mc:Fallback>
       </mc:AlternateContent>
-      <mc:AlternateContent xmlns:mc="http://schemas.openxmlformats.org/markup-compatibility/2006" xmlns:a14="http://schemas.microsoft.com/office/drawing/2010/main">
-        <mc:Choice Requires="a14">
+      <mc:AlternateContent xmlns:mc="http://schemas.openxmlformats.org/markup-compatibility/2006">
+        <mc:Choice xmlns:a14="http://schemas.microsoft.com/office/drawing/2010/main" Requires="a14">
           <p:sp>
             <p:nvSpPr>
               <p:cNvPr id="388" name="Rectangle 387"/>
@@ -23521,8 +23521,8 @@
             </p:nvSpPr>
             <p:spPr>
               <a:xfrm>
-                <a:off x="2582431" y="5736829"/>
-                <a:ext cx="1650773" cy="722505"/>
+                <a:off x="2476055" y="5705272"/>
+                <a:ext cx="1943545" cy="722505"/>
               </a:xfrm>
               <a:prstGeom prst="rect">
                 <a:avLst/>
@@ -23544,7 +23544,7 @@
                       <m:sSub>
                         <m:sSubPr>
                           <m:ctrlPr>
-                            <a:rPr lang="en-US" sz="1400" i="1">
+                            <a:rPr lang="en-US" sz="1400" i="1" smtClean="0">
                               <a:latin typeface="Cambria Math"/>
                             </a:rPr>
                           </m:ctrlPr>
@@ -23668,6 +23668,31 @@
                                   </m:ctrlPr>
                                 </m:sSubPr>
                                 <m:e>
+                                  <m:sSub>
+                                    <m:sSubPr>
+                                      <m:ctrlPr>
+                                        <a:rPr lang="en-US" sz="1400" i="1" smtClean="0">
+                                          <a:latin typeface="Cambria Math"/>
+                                        </a:rPr>
+                                      </m:ctrlPr>
+                                    </m:sSubPr>
+                                    <m:e>
+                                      <m:r>
+                                        <a:rPr lang="en-US" sz="1400" b="0" i="1" smtClean="0">
+                                          <a:latin typeface="Cambria Math"/>
+                                        </a:rPr>
+                                        <m:t>𝑤</m:t>
+                                      </m:r>
+                                    </m:e>
+                                    <m:sub>
+                                      <m:r>
+                                        <a:rPr lang="en-US" sz="1400" b="0" i="1" smtClean="0">
+                                          <a:latin typeface="Cambria Math"/>
+                                        </a:rPr>
+                                        <m:t>𝑖𝑗</m:t>
+                                      </m:r>
+                                    </m:sub>
+                                  </m:sSub>
                                   <m:r>
                                     <a:rPr lang="en-US" sz="1400" i="1">
                                       <a:latin typeface="Cambria Math"/>
@@ -23696,7 +23721,7 @@
             </p:txBody>
           </p:sp>
         </mc:Choice>
-        <mc:Fallback xmlns="">
+        <mc:Fallback>
           <p:sp>
             <p:nvSpPr>
               <p:cNvPr id="388" name="Rectangle 387"/>
@@ -23707,8 +23732,8 @@
             </p:nvSpPr>
             <p:spPr>
               <a:xfrm>
-                <a:off x="2582431" y="5736829"/>
-                <a:ext cx="1650773" cy="722505"/>
+                <a:off x="2476055" y="5705272"/>
+                <a:ext cx="1943545" cy="722505"/>
               </a:xfrm>
               <a:prstGeom prst="rect">
                 <a:avLst/>
@@ -23783,6 +23808,13 @@
   <p:clrMapOvr>
     <a:masterClrMapping/>
   </p:clrMapOvr>
+  <p:timing>
+    <p:tnLst>
+      <p:par>
+        <p:cTn id="1" dur="indefinite" restart="never" nodeType="tmRoot"/>
+      </p:par>
+    </p:tnLst>
+  </p:timing>
 </p:sld>
 </file>
 
